--- a/JavaScript/JavaScript.pptx
+++ b/JavaScript/JavaScript.pptx
@@ -5,14 +5,50 @@
     <p:sldMasterId id="2147483678" r:id="rId1"/>
   </p:sldMasterIdLst>
   <p:handoutMasterIdLst>
-    <p:handoutMasterId r:id="rId7"/>
+    <p:handoutMasterId r:id="rId43"/>
   </p:handoutMasterIdLst>
   <p:sldIdLst>
     <p:sldId id="256" r:id="rId2"/>
-    <p:sldId id="257" r:id="rId3"/>
-    <p:sldId id="258" r:id="rId4"/>
-    <p:sldId id="259" r:id="rId5"/>
-    <p:sldId id="260" r:id="rId6"/>
+    <p:sldId id="266" r:id="rId3"/>
+    <p:sldId id="267" r:id="rId4"/>
+    <p:sldId id="268" r:id="rId5"/>
+    <p:sldId id="269" r:id="rId6"/>
+    <p:sldId id="270" r:id="rId7"/>
+    <p:sldId id="257" r:id="rId8"/>
+    <p:sldId id="258" r:id="rId9"/>
+    <p:sldId id="259" r:id="rId10"/>
+    <p:sldId id="260" r:id="rId11"/>
+    <p:sldId id="262" r:id="rId12"/>
+    <p:sldId id="261" r:id="rId13"/>
+    <p:sldId id="263" r:id="rId14"/>
+    <p:sldId id="264" r:id="rId15"/>
+    <p:sldId id="272" r:id="rId16"/>
+    <p:sldId id="265" r:id="rId17"/>
+    <p:sldId id="274" r:id="rId18"/>
+    <p:sldId id="273" r:id="rId19"/>
+    <p:sldId id="271" r:id="rId20"/>
+    <p:sldId id="279" r:id="rId21"/>
+    <p:sldId id="275" r:id="rId22"/>
+    <p:sldId id="278" r:id="rId23"/>
+    <p:sldId id="277" r:id="rId24"/>
+    <p:sldId id="280" r:id="rId25"/>
+    <p:sldId id="276" r:id="rId26"/>
+    <p:sldId id="282" r:id="rId27"/>
+    <p:sldId id="283" r:id="rId28"/>
+    <p:sldId id="284" r:id="rId29"/>
+    <p:sldId id="285" r:id="rId30"/>
+    <p:sldId id="286" r:id="rId31"/>
+    <p:sldId id="287" r:id="rId32"/>
+    <p:sldId id="288" r:id="rId33"/>
+    <p:sldId id="289" r:id="rId34"/>
+    <p:sldId id="290" r:id="rId35"/>
+    <p:sldId id="291" r:id="rId36"/>
+    <p:sldId id="292" r:id="rId37"/>
+    <p:sldId id="293" r:id="rId38"/>
+    <p:sldId id="294" r:id="rId39"/>
+    <p:sldId id="295" r:id="rId40"/>
+    <p:sldId id="296" r:id="rId41"/>
+    <p:sldId id="297" r:id="rId42"/>
   </p:sldIdLst>
   <p:sldSz cx="12192000" cy="6858000"/>
   <p:notesSz cx="6858000" cy="9144000"/>
@@ -111,6 +147,14 @@
       </a:defRPr>
     </a:lvl9pPr>
   </p:defaultTextStyle>
+  <p:extLst>
+    <p:ext uri="{EFAFB233-063F-42B5-8137-9DF3F51BA10A}">
+      <p15:sldGuideLst xmlns:p15="http://schemas.microsoft.com/office/powerpoint/2012/main"/>
+    </p:ext>
+    <p:ext uri="{2D200454-40CA-4A62-9FC3-DE9A4176ACB9}">
+      <p15:notesGuideLst xmlns:p15="http://schemas.microsoft.com/office/powerpoint/2012/main"/>
+    </p:ext>
+  </p:extLst>
 </p:presentation>
 </file>
 
@@ -208,7 +252,7 @@
           <a:p>
             <a:fld id="{BF8673CF-5FF7-4CE9-BB62-55D13AC9D585}" type="datetimeFigureOut">
               <a:rPr lang="ko-KR" altLang="en-US" smtClean="0"/>
-              <a:t>2018-04-12</a:t>
+              <a:t>2018-04-13</a:t>
             </a:fld>
             <a:endParaRPr lang="ko-KR" altLang="en-US"/>
           </a:p>
@@ -450,7 +494,7 @@
           <a:p>
             <a:fld id="{05924BB1-8506-49A2-97A3-B05C6209ABDA}" type="datetimeFigureOut">
               <a:rPr lang="ko-KR" altLang="en-US" smtClean="0"/>
-              <a:t>2018-04-12</a:t>
+              <a:t>2018-04-13</a:t>
             </a:fld>
             <a:endParaRPr lang="ko-KR" altLang="en-US"/>
           </a:p>
@@ -648,7 +692,7 @@
           <a:p>
             <a:fld id="{05924BB1-8506-49A2-97A3-B05C6209ABDA}" type="datetimeFigureOut">
               <a:rPr lang="ko-KR" altLang="en-US" smtClean="0"/>
-              <a:t>2018-04-12</a:t>
+              <a:t>2018-04-13</a:t>
             </a:fld>
             <a:endParaRPr lang="ko-KR" altLang="en-US"/>
           </a:p>
@@ -856,7 +900,7 @@
           <a:p>
             <a:fld id="{05924BB1-8506-49A2-97A3-B05C6209ABDA}" type="datetimeFigureOut">
               <a:rPr lang="ko-KR" altLang="en-US" smtClean="0"/>
-              <a:t>2018-04-12</a:t>
+              <a:t>2018-04-13</a:t>
             </a:fld>
             <a:endParaRPr lang="ko-KR" altLang="en-US"/>
           </a:p>
@@ -1054,7 +1098,7 @@
           <a:p>
             <a:fld id="{05924BB1-8506-49A2-97A3-B05C6209ABDA}" type="datetimeFigureOut">
               <a:rPr lang="ko-KR" altLang="en-US" smtClean="0"/>
-              <a:t>2018-04-12</a:t>
+              <a:t>2018-04-13</a:t>
             </a:fld>
             <a:endParaRPr lang="ko-KR" altLang="en-US"/>
           </a:p>
@@ -1329,7 +1373,7 @@
           <a:p>
             <a:fld id="{05924BB1-8506-49A2-97A3-B05C6209ABDA}" type="datetimeFigureOut">
               <a:rPr lang="ko-KR" altLang="en-US" smtClean="0"/>
-              <a:t>2018-04-12</a:t>
+              <a:t>2018-04-13</a:t>
             </a:fld>
             <a:endParaRPr lang="ko-KR" altLang="en-US"/>
           </a:p>
@@ -1594,7 +1638,7 @@
           <a:p>
             <a:fld id="{05924BB1-8506-49A2-97A3-B05C6209ABDA}" type="datetimeFigureOut">
               <a:rPr lang="ko-KR" altLang="en-US" smtClean="0"/>
-              <a:t>2018-04-12</a:t>
+              <a:t>2018-04-13</a:t>
             </a:fld>
             <a:endParaRPr lang="ko-KR" altLang="en-US"/>
           </a:p>
@@ -2006,7 +2050,7 @@
           <a:p>
             <a:fld id="{05924BB1-8506-49A2-97A3-B05C6209ABDA}" type="datetimeFigureOut">
               <a:rPr lang="ko-KR" altLang="en-US" smtClean="0"/>
-              <a:t>2018-04-12</a:t>
+              <a:t>2018-04-13</a:t>
             </a:fld>
             <a:endParaRPr lang="ko-KR" altLang="en-US"/>
           </a:p>
@@ -2147,7 +2191,7 @@
           <a:p>
             <a:fld id="{05924BB1-8506-49A2-97A3-B05C6209ABDA}" type="datetimeFigureOut">
               <a:rPr lang="ko-KR" altLang="en-US" smtClean="0"/>
-              <a:t>2018-04-12</a:t>
+              <a:t>2018-04-13</a:t>
             </a:fld>
             <a:endParaRPr lang="ko-KR" altLang="en-US"/>
           </a:p>
@@ -2260,7 +2304,7 @@
           <a:p>
             <a:fld id="{05924BB1-8506-49A2-97A3-B05C6209ABDA}" type="datetimeFigureOut">
               <a:rPr lang="ko-KR" altLang="en-US" smtClean="0"/>
-              <a:t>2018-04-12</a:t>
+              <a:t>2018-04-13</a:t>
             </a:fld>
             <a:endParaRPr lang="ko-KR" altLang="en-US"/>
           </a:p>
@@ -2571,7 +2615,7 @@
           <a:p>
             <a:fld id="{05924BB1-8506-49A2-97A3-B05C6209ABDA}" type="datetimeFigureOut">
               <a:rPr lang="ko-KR" altLang="en-US" smtClean="0"/>
-              <a:t>2018-04-12</a:t>
+              <a:t>2018-04-13</a:t>
             </a:fld>
             <a:endParaRPr lang="ko-KR" altLang="en-US"/>
           </a:p>
@@ -2859,7 +2903,7 @@
           <a:p>
             <a:fld id="{05924BB1-8506-49A2-97A3-B05C6209ABDA}" type="datetimeFigureOut">
               <a:rPr lang="ko-KR" altLang="en-US" smtClean="0"/>
-              <a:t>2018-04-12</a:t>
+              <a:t>2018-04-13</a:t>
             </a:fld>
             <a:endParaRPr lang="ko-KR" altLang="en-US"/>
           </a:p>
@@ -3100,7 +3144,7 @@
           <a:p>
             <a:fld id="{05924BB1-8506-49A2-97A3-B05C6209ABDA}" type="datetimeFigureOut">
               <a:rPr lang="ko-KR" altLang="en-US" smtClean="0"/>
-              <a:t>2018-04-12</a:t>
+              <a:t>2018-04-13</a:t>
             </a:fld>
             <a:endParaRPr lang="ko-KR" altLang="en-US"/>
           </a:p>
@@ -3584,7 +3628,15 @@
           <a:p>
             <a:r>
               <a:rPr lang="ko-KR" altLang="en-US" dirty="0"/>
-              <a:t>아주대학교</a:t>
+              <a:t>아주대학교 </a:t>
+            </a:r>
+            <a:r>
+              <a:rPr lang="en-US" altLang="ko-KR" dirty="0"/>
+              <a:t>DBDC</a:t>
+            </a:r>
+            <a:r>
+              <a:rPr lang="ko-KR" altLang="en-US" dirty="0"/>
+              <a:t>연구실</a:t>
             </a:r>
             <a:endParaRPr lang="en-US" altLang="ko-KR" dirty="0"/>
           </a:p>
@@ -3600,6 +3652,1681 @@
     <p:extLst>
       <p:ext uri="{BB962C8B-B14F-4D97-AF65-F5344CB8AC3E}">
         <p14:creationId xmlns:p14="http://schemas.microsoft.com/office/powerpoint/2010/main" val="2963347172"/>
+      </p:ext>
+    </p:extLst>
+  </p:cSld>
+  <p:clrMapOvr>
+    <a:masterClrMapping/>
+  </p:clrMapOvr>
+</p:sld>
+</file>
+
+<file path=ppt/slides/slide10.xml><?xml version="1.0" encoding="utf-8"?>
+<p:sld xmlns:a="http://schemas.openxmlformats.org/drawingml/2006/main" xmlns:r="http://schemas.openxmlformats.org/officeDocument/2006/relationships" xmlns:p="http://schemas.openxmlformats.org/presentationml/2006/main">
+  <p:cSld>
+    <p:spTree>
+      <p:nvGrpSpPr>
+        <p:cNvPr id="1" name=""/>
+        <p:cNvGrpSpPr/>
+        <p:nvPr/>
+      </p:nvGrpSpPr>
+      <p:grpSpPr>
+        <a:xfrm>
+          <a:off x="0" y="0"/>
+          <a:ext cx="0" cy="0"/>
+          <a:chOff x="0" y="0"/>
+          <a:chExt cx="0" cy="0"/>
+        </a:xfrm>
+      </p:grpSpPr>
+      <p:sp>
+        <p:nvSpPr>
+          <p:cNvPr id="2" name="제목 1">
+            <a:extLst>
+              <a:ext uri="{FF2B5EF4-FFF2-40B4-BE49-F238E27FC236}">
+                <a16:creationId xmlns:a16="http://schemas.microsoft.com/office/drawing/2014/main" id="{572487B8-1B4A-439D-A141-88C0DEB02497}"/>
+              </a:ext>
+            </a:extLst>
+          </p:cNvPr>
+          <p:cNvSpPr>
+            <a:spLocks noGrp="1"/>
+          </p:cNvSpPr>
+          <p:nvPr>
+            <p:ph type="title"/>
+          </p:nvPr>
+        </p:nvSpPr>
+        <p:spPr>
+          <a:xfrm>
+            <a:off x="838200" y="365125"/>
+            <a:ext cx="10515600" cy="1325563"/>
+          </a:xfrm>
+        </p:spPr>
+        <p:txBody>
+          <a:bodyPr/>
+          <a:lstStyle/>
+          <a:p>
+            <a:r>
+              <a:rPr lang="ko-KR" altLang="en-US" dirty="0"/>
+              <a:t>자바스크립트의 기본</a:t>
+            </a:r>
+          </a:p>
+        </p:txBody>
+      </p:sp>
+      <p:pic>
+        <p:nvPicPr>
+          <p:cNvPr id="4" name="내용 개체 틀 3">
+            <a:extLst>
+              <a:ext uri="{FF2B5EF4-FFF2-40B4-BE49-F238E27FC236}">
+                <a16:creationId xmlns:a16="http://schemas.microsoft.com/office/drawing/2014/main" id="{C5054CDF-85E0-4079-B4A2-777A7AAD17F6}"/>
+              </a:ext>
+            </a:extLst>
+          </p:cNvPr>
+          <p:cNvPicPr>
+            <a:picLocks noGrp="1" noChangeAspect="1"/>
+          </p:cNvPicPr>
+          <p:nvPr>
+            <p:ph idx="1"/>
+          </p:nvPr>
+        </p:nvPicPr>
+        <p:blipFill rotWithShape="1">
+          <a:blip r:embed="rId2"/>
+          <a:srcRect t="3033"/>
+          <a:stretch/>
+        </p:blipFill>
+        <p:spPr>
+          <a:xfrm>
+            <a:off x="2009775" y="2985796"/>
+            <a:ext cx="8172450" cy="2096585"/>
+          </a:xfrm>
+          <a:prstGeom prst="rect">
+            <a:avLst/>
+          </a:prstGeom>
+        </p:spPr>
+      </p:pic>
+      <p:sp>
+        <p:nvSpPr>
+          <p:cNvPr id="5" name="타원 4">
+            <a:extLst>
+              <a:ext uri="{FF2B5EF4-FFF2-40B4-BE49-F238E27FC236}">
+                <a16:creationId xmlns:a16="http://schemas.microsoft.com/office/drawing/2014/main" id="{9B43333C-AA26-4277-AB0C-9949B4DF0D7D}"/>
+              </a:ext>
+            </a:extLst>
+          </p:cNvPr>
+          <p:cNvSpPr/>
+          <p:nvPr/>
+        </p:nvSpPr>
+        <p:spPr>
+          <a:xfrm>
+            <a:off x="5887616" y="3722914"/>
+            <a:ext cx="1996751" cy="363894"/>
+          </a:xfrm>
+          <a:prstGeom prst="ellipse">
+            <a:avLst/>
+          </a:prstGeom>
+          <a:noFill/>
+          <a:ln>
+            <a:solidFill>
+              <a:srgbClr val="FF0000"/>
+            </a:solidFill>
+          </a:ln>
+        </p:spPr>
+        <p:style>
+          <a:lnRef idx="2">
+            <a:schemeClr val="accent1">
+              <a:shade val="50000"/>
+            </a:schemeClr>
+          </a:lnRef>
+          <a:fillRef idx="1">
+            <a:schemeClr val="accent1"/>
+          </a:fillRef>
+          <a:effectRef idx="0">
+            <a:schemeClr val="accent1"/>
+          </a:effectRef>
+          <a:fontRef idx="minor">
+            <a:schemeClr val="lt1"/>
+          </a:fontRef>
+        </p:style>
+        <p:txBody>
+          <a:bodyPr rtlCol="0" anchor="ctr"/>
+          <a:lstStyle/>
+          <a:p>
+            <a:pPr algn="ctr"/>
+            <a:endParaRPr lang="ko-KR" altLang="en-US"/>
+          </a:p>
+        </p:txBody>
+      </p:sp>
+    </p:spTree>
+    <p:extLst>
+      <p:ext uri="{BB962C8B-B14F-4D97-AF65-F5344CB8AC3E}">
+        <p14:creationId xmlns:p14="http://schemas.microsoft.com/office/powerpoint/2010/main" val="340885771"/>
+      </p:ext>
+    </p:extLst>
+  </p:cSld>
+  <p:clrMapOvr>
+    <a:masterClrMapping/>
+  </p:clrMapOvr>
+  <p:timing>
+    <p:tnLst>
+      <p:par>
+        <p:cTn id="1" dur="indefinite" restart="never" nodeType="tmRoot">
+          <p:childTnLst>
+            <p:seq concurrent="1" nextAc="seek">
+              <p:cTn id="2" dur="indefinite" nodeType="mainSeq">
+                <p:childTnLst>
+                  <p:par>
+                    <p:cTn id="3" fill="hold">
+                      <p:stCondLst>
+                        <p:cond delay="indefinite"/>
+                      </p:stCondLst>
+                      <p:childTnLst>
+                        <p:par>
+                          <p:cTn id="4" fill="hold">
+                            <p:stCondLst>
+                              <p:cond delay="0"/>
+                            </p:stCondLst>
+                            <p:childTnLst>
+                              <p:par>
+                                <p:cTn id="5" presetID="1" presetClass="entr" presetSubtype="0" fill="hold" grpId="0" nodeType="clickEffect">
+                                  <p:stCondLst>
+                                    <p:cond delay="0"/>
+                                  </p:stCondLst>
+                                  <p:childTnLst>
+                                    <p:set>
+                                      <p:cBhvr>
+                                        <p:cTn id="6" dur="1" fill="hold">
+                                          <p:stCondLst>
+                                            <p:cond delay="0"/>
+                                          </p:stCondLst>
+                                        </p:cTn>
+                                        <p:tgtEl>
+                                          <p:spTgt spid="5"/>
+                                        </p:tgtEl>
+                                        <p:attrNameLst>
+                                          <p:attrName>style.visibility</p:attrName>
+                                        </p:attrNameLst>
+                                      </p:cBhvr>
+                                      <p:to>
+                                        <p:strVal val="visible"/>
+                                      </p:to>
+                                    </p:set>
+                                  </p:childTnLst>
+                                </p:cTn>
+                              </p:par>
+                            </p:childTnLst>
+                          </p:cTn>
+                        </p:par>
+                      </p:childTnLst>
+                    </p:cTn>
+                  </p:par>
+                </p:childTnLst>
+              </p:cTn>
+              <p:prevCondLst>
+                <p:cond evt="onPrev" delay="0">
+                  <p:tgtEl>
+                    <p:sldTgt/>
+                  </p:tgtEl>
+                </p:cond>
+              </p:prevCondLst>
+              <p:nextCondLst>
+                <p:cond evt="onNext" delay="0">
+                  <p:tgtEl>
+                    <p:sldTgt/>
+                  </p:tgtEl>
+                </p:cond>
+              </p:nextCondLst>
+            </p:seq>
+          </p:childTnLst>
+        </p:cTn>
+      </p:par>
+    </p:tnLst>
+    <p:bldLst>
+      <p:bldP spid="5" grpId="0" animBg="1"/>
+    </p:bldLst>
+  </p:timing>
+</p:sld>
+</file>
+
+<file path=ppt/slides/slide11.xml><?xml version="1.0" encoding="utf-8"?>
+<p:sld xmlns:a="http://schemas.openxmlformats.org/drawingml/2006/main" xmlns:r="http://schemas.openxmlformats.org/officeDocument/2006/relationships" xmlns:p="http://schemas.openxmlformats.org/presentationml/2006/main">
+  <p:cSld>
+    <p:spTree>
+      <p:nvGrpSpPr>
+        <p:cNvPr id="1" name=""/>
+        <p:cNvGrpSpPr/>
+        <p:nvPr/>
+      </p:nvGrpSpPr>
+      <p:grpSpPr>
+        <a:xfrm>
+          <a:off x="0" y="0"/>
+          <a:ext cx="0" cy="0"/>
+          <a:chOff x="0" y="0"/>
+          <a:chExt cx="0" cy="0"/>
+        </a:xfrm>
+      </p:grpSpPr>
+      <p:sp>
+        <p:nvSpPr>
+          <p:cNvPr id="2" name="제목 1">
+            <a:extLst>
+              <a:ext uri="{FF2B5EF4-FFF2-40B4-BE49-F238E27FC236}">
+                <a16:creationId xmlns:a16="http://schemas.microsoft.com/office/drawing/2014/main" id="{572487B8-1B4A-439D-A141-88C0DEB02497}"/>
+              </a:ext>
+            </a:extLst>
+          </p:cNvPr>
+          <p:cNvSpPr>
+            <a:spLocks noGrp="1"/>
+          </p:cNvSpPr>
+          <p:nvPr>
+            <p:ph type="title"/>
+          </p:nvPr>
+        </p:nvSpPr>
+        <p:spPr/>
+        <p:txBody>
+          <a:bodyPr/>
+          <a:lstStyle/>
+          <a:p>
+            <a:r>
+              <a:rPr lang="ko-KR" altLang="en-US" dirty="0"/>
+              <a:t>자바스크립트의 기본</a:t>
+            </a:r>
+          </a:p>
+        </p:txBody>
+      </p:sp>
+      <p:sp>
+        <p:nvSpPr>
+          <p:cNvPr id="3" name="내용 개체 틀 2">
+            <a:extLst>
+              <a:ext uri="{FF2B5EF4-FFF2-40B4-BE49-F238E27FC236}">
+                <a16:creationId xmlns:a16="http://schemas.microsoft.com/office/drawing/2014/main" id="{D90CB9B5-02D2-4005-BB59-C3541FA74065}"/>
+              </a:ext>
+            </a:extLst>
+          </p:cNvPr>
+          <p:cNvSpPr>
+            <a:spLocks noGrp="1"/>
+          </p:cNvSpPr>
+          <p:nvPr>
+            <p:ph idx="1"/>
+          </p:nvPr>
+        </p:nvSpPr>
+        <p:spPr/>
+        <p:txBody>
+          <a:bodyPr anchor="ctr">
+            <a:normAutofit/>
+          </a:bodyPr>
+          <a:lstStyle/>
+          <a:p>
+            <a:pPr marL="0" indent="0" algn="ctr">
+              <a:buNone/>
+            </a:pPr>
+            <a:r>
+              <a:rPr lang="ko-KR" altLang="en-US" sz="10000" dirty="0" err="1"/>
+              <a:t>탈웹브라우저</a:t>
+            </a:r>
+            <a:endParaRPr lang="ko-KR" altLang="en-US" sz="10000" dirty="0"/>
+          </a:p>
+        </p:txBody>
+      </p:sp>
+    </p:spTree>
+    <p:extLst>
+      <p:ext uri="{BB962C8B-B14F-4D97-AF65-F5344CB8AC3E}">
+        <p14:creationId xmlns:p14="http://schemas.microsoft.com/office/powerpoint/2010/main" val="2112923565"/>
+      </p:ext>
+    </p:extLst>
+  </p:cSld>
+  <p:clrMapOvr>
+    <a:masterClrMapping/>
+  </p:clrMapOvr>
+</p:sld>
+</file>
+
+<file path=ppt/slides/slide12.xml><?xml version="1.0" encoding="utf-8"?>
+<p:sld xmlns:a="http://schemas.openxmlformats.org/drawingml/2006/main" xmlns:r="http://schemas.openxmlformats.org/officeDocument/2006/relationships" xmlns:p="http://schemas.openxmlformats.org/presentationml/2006/main">
+  <p:cSld>
+    <p:spTree>
+      <p:nvGrpSpPr>
+        <p:cNvPr id="1" name=""/>
+        <p:cNvGrpSpPr/>
+        <p:nvPr/>
+      </p:nvGrpSpPr>
+      <p:grpSpPr>
+        <a:xfrm>
+          <a:off x="0" y="0"/>
+          <a:ext cx="0" cy="0"/>
+          <a:chOff x="0" y="0"/>
+          <a:chExt cx="0" cy="0"/>
+        </a:xfrm>
+      </p:grpSpPr>
+      <p:sp>
+        <p:nvSpPr>
+          <p:cNvPr id="2" name="제목 1">
+            <a:extLst>
+              <a:ext uri="{FF2B5EF4-FFF2-40B4-BE49-F238E27FC236}">
+                <a16:creationId xmlns:a16="http://schemas.microsoft.com/office/drawing/2014/main" id="{0FC1EAE7-4D07-4CFB-AF48-5590020B8DDB}"/>
+              </a:ext>
+            </a:extLst>
+          </p:cNvPr>
+          <p:cNvSpPr>
+            <a:spLocks noGrp="1"/>
+          </p:cNvSpPr>
+          <p:nvPr>
+            <p:ph type="title"/>
+          </p:nvPr>
+        </p:nvSpPr>
+        <p:spPr/>
+        <p:txBody>
+          <a:bodyPr/>
+          <a:lstStyle/>
+          <a:p>
+            <a:r>
+              <a:rPr lang="ko-KR" altLang="en-US" dirty="0"/>
+              <a:t>자바스크립트의 기본</a:t>
+            </a:r>
+          </a:p>
+        </p:txBody>
+      </p:sp>
+      <p:sp>
+        <p:nvSpPr>
+          <p:cNvPr id="3" name="내용 개체 틀 2">
+            <a:extLst>
+              <a:ext uri="{FF2B5EF4-FFF2-40B4-BE49-F238E27FC236}">
+                <a16:creationId xmlns:a16="http://schemas.microsoft.com/office/drawing/2014/main" id="{9371F892-73FD-44B5-9C67-9225463453E6}"/>
+              </a:ext>
+            </a:extLst>
+          </p:cNvPr>
+          <p:cNvSpPr>
+            <a:spLocks noGrp="1"/>
+          </p:cNvSpPr>
+          <p:nvPr>
+            <p:ph idx="1"/>
+          </p:nvPr>
+        </p:nvSpPr>
+        <p:spPr/>
+        <p:txBody>
+          <a:bodyPr/>
+          <a:lstStyle/>
+          <a:p>
+            <a:pPr marL="0" indent="0">
+              <a:buNone/>
+            </a:pPr>
+            <a:r>
+              <a:rPr lang="ko-KR" altLang="en-US" dirty="0" err="1"/>
+              <a:t>탈웹브라우저의</a:t>
+            </a:r>
+            <a:r>
+              <a:rPr lang="ko-KR" altLang="en-US" dirty="0"/>
+              <a:t> 예</a:t>
+            </a:r>
+            <a:endParaRPr lang="en-US" altLang="ko-KR" dirty="0"/>
+          </a:p>
+          <a:p>
+            <a:r>
+              <a:rPr lang="ko-KR" altLang="en-US" dirty="0"/>
+              <a:t>웹서버 제어</a:t>
+            </a:r>
+            <a:endParaRPr lang="en-US" altLang="ko-KR" dirty="0"/>
+          </a:p>
+        </p:txBody>
+      </p:sp>
+      <p:pic>
+        <p:nvPicPr>
+          <p:cNvPr id="5" name="그림 4">
+            <a:extLst>
+              <a:ext uri="{FF2B5EF4-FFF2-40B4-BE49-F238E27FC236}">
+                <a16:creationId xmlns:a16="http://schemas.microsoft.com/office/drawing/2014/main" id="{7A125E76-FAB8-43C8-94A3-B45816CB4A7F}"/>
+              </a:ext>
+            </a:extLst>
+          </p:cNvPr>
+          <p:cNvPicPr>
+            <a:picLocks noChangeAspect="1"/>
+          </p:cNvPicPr>
+          <p:nvPr/>
+        </p:nvPicPr>
+        <p:blipFill rotWithShape="1">
+          <a:blip r:embed="rId2"/>
+          <a:srcRect l="-293" t="3918" r="293" b="-3918"/>
+          <a:stretch/>
+        </p:blipFill>
+        <p:spPr>
+          <a:xfrm>
+            <a:off x="1434971" y="2693048"/>
+            <a:ext cx="9544050" cy="4286250"/>
+          </a:xfrm>
+          <a:prstGeom prst="rect">
+            <a:avLst/>
+          </a:prstGeom>
+        </p:spPr>
+      </p:pic>
+    </p:spTree>
+    <p:extLst>
+      <p:ext uri="{BB962C8B-B14F-4D97-AF65-F5344CB8AC3E}">
+        <p14:creationId xmlns:p14="http://schemas.microsoft.com/office/powerpoint/2010/main" val="867054985"/>
+      </p:ext>
+    </p:extLst>
+  </p:cSld>
+  <p:clrMapOvr>
+    <a:masterClrMapping/>
+  </p:clrMapOvr>
+</p:sld>
+</file>
+
+<file path=ppt/slides/slide13.xml><?xml version="1.0" encoding="utf-8"?>
+<p:sld xmlns:a="http://schemas.openxmlformats.org/drawingml/2006/main" xmlns:r="http://schemas.openxmlformats.org/officeDocument/2006/relationships" xmlns:p="http://schemas.openxmlformats.org/presentationml/2006/main">
+  <p:cSld>
+    <p:spTree>
+      <p:nvGrpSpPr>
+        <p:cNvPr id="1" name=""/>
+        <p:cNvGrpSpPr/>
+        <p:nvPr/>
+      </p:nvGrpSpPr>
+      <p:grpSpPr>
+        <a:xfrm>
+          <a:off x="0" y="0"/>
+          <a:ext cx="0" cy="0"/>
+          <a:chOff x="0" y="0"/>
+          <a:chExt cx="0" cy="0"/>
+        </a:xfrm>
+      </p:grpSpPr>
+      <p:sp>
+        <p:nvSpPr>
+          <p:cNvPr id="2" name="제목 1">
+            <a:extLst>
+              <a:ext uri="{FF2B5EF4-FFF2-40B4-BE49-F238E27FC236}">
+                <a16:creationId xmlns:a16="http://schemas.microsoft.com/office/drawing/2014/main" id="{572487B8-1B4A-439D-A141-88C0DEB02497}"/>
+              </a:ext>
+            </a:extLst>
+          </p:cNvPr>
+          <p:cNvSpPr>
+            <a:spLocks noGrp="1"/>
+          </p:cNvSpPr>
+          <p:nvPr>
+            <p:ph type="title"/>
+          </p:nvPr>
+        </p:nvSpPr>
+        <p:spPr/>
+        <p:txBody>
+          <a:bodyPr/>
+          <a:lstStyle/>
+          <a:p>
+            <a:r>
+              <a:rPr lang="ko-KR" altLang="en-US" dirty="0"/>
+              <a:t>자바스크립트의 기본</a:t>
+            </a:r>
+          </a:p>
+        </p:txBody>
+      </p:sp>
+      <p:sp>
+        <p:nvSpPr>
+          <p:cNvPr id="3" name="내용 개체 틀 2">
+            <a:extLst>
+              <a:ext uri="{FF2B5EF4-FFF2-40B4-BE49-F238E27FC236}">
+                <a16:creationId xmlns:a16="http://schemas.microsoft.com/office/drawing/2014/main" id="{D90CB9B5-02D2-4005-BB59-C3541FA74065}"/>
+              </a:ext>
+            </a:extLst>
+          </p:cNvPr>
+          <p:cNvSpPr>
+            <a:spLocks noGrp="1"/>
+          </p:cNvSpPr>
+          <p:nvPr>
+            <p:ph idx="1"/>
+          </p:nvPr>
+        </p:nvSpPr>
+        <p:spPr/>
+        <p:txBody>
+          <a:bodyPr anchor="ctr">
+            <a:normAutofit/>
+          </a:bodyPr>
+          <a:lstStyle/>
+          <a:p>
+            <a:pPr marL="0" indent="0" algn="ctr">
+              <a:buNone/>
+            </a:pPr>
+            <a:r>
+              <a:rPr lang="ko-KR" altLang="en-US" sz="10000" dirty="0" err="1"/>
+              <a:t>탈웹</a:t>
+            </a:r>
+            <a:endParaRPr lang="ko-KR" altLang="en-US" sz="10000" dirty="0"/>
+          </a:p>
+        </p:txBody>
+      </p:sp>
+    </p:spTree>
+    <p:extLst>
+      <p:ext uri="{BB962C8B-B14F-4D97-AF65-F5344CB8AC3E}">
+        <p14:creationId xmlns:p14="http://schemas.microsoft.com/office/powerpoint/2010/main" val="690878247"/>
+      </p:ext>
+    </p:extLst>
+  </p:cSld>
+  <p:clrMapOvr>
+    <a:masterClrMapping/>
+  </p:clrMapOvr>
+</p:sld>
+</file>
+
+<file path=ppt/slides/slide14.xml><?xml version="1.0" encoding="utf-8"?>
+<p:sld xmlns:a="http://schemas.openxmlformats.org/drawingml/2006/main" xmlns:r="http://schemas.openxmlformats.org/officeDocument/2006/relationships" xmlns:p="http://schemas.openxmlformats.org/presentationml/2006/main">
+  <p:cSld>
+    <p:spTree>
+      <p:nvGrpSpPr>
+        <p:cNvPr id="1" name=""/>
+        <p:cNvGrpSpPr/>
+        <p:nvPr/>
+      </p:nvGrpSpPr>
+      <p:grpSpPr>
+        <a:xfrm>
+          <a:off x="0" y="0"/>
+          <a:ext cx="0" cy="0"/>
+          <a:chOff x="0" y="0"/>
+          <a:chExt cx="0" cy="0"/>
+        </a:xfrm>
+      </p:grpSpPr>
+      <p:sp>
+        <p:nvSpPr>
+          <p:cNvPr id="2" name="제목 1">
+            <a:extLst>
+              <a:ext uri="{FF2B5EF4-FFF2-40B4-BE49-F238E27FC236}">
+                <a16:creationId xmlns:a16="http://schemas.microsoft.com/office/drawing/2014/main" id="{572487B8-1B4A-439D-A141-88C0DEB02497}"/>
+              </a:ext>
+            </a:extLst>
+          </p:cNvPr>
+          <p:cNvSpPr>
+            <a:spLocks noGrp="1"/>
+          </p:cNvSpPr>
+          <p:nvPr>
+            <p:ph type="title"/>
+          </p:nvPr>
+        </p:nvSpPr>
+        <p:spPr/>
+        <p:txBody>
+          <a:bodyPr/>
+          <a:lstStyle/>
+          <a:p>
+            <a:r>
+              <a:rPr lang="ko-KR" altLang="en-US" dirty="0"/>
+              <a:t>자바스크립트의 기본</a:t>
+            </a:r>
+          </a:p>
+        </p:txBody>
+      </p:sp>
+      <p:sp>
+        <p:nvSpPr>
+          <p:cNvPr id="3" name="내용 개체 틀 2">
+            <a:extLst>
+              <a:ext uri="{FF2B5EF4-FFF2-40B4-BE49-F238E27FC236}">
+                <a16:creationId xmlns:a16="http://schemas.microsoft.com/office/drawing/2014/main" id="{D90CB9B5-02D2-4005-BB59-C3541FA74065}"/>
+              </a:ext>
+            </a:extLst>
+          </p:cNvPr>
+          <p:cNvSpPr>
+            <a:spLocks noGrp="1"/>
+          </p:cNvSpPr>
+          <p:nvPr>
+            <p:ph idx="1"/>
+          </p:nvPr>
+        </p:nvSpPr>
+        <p:spPr/>
+        <p:txBody>
+          <a:bodyPr anchor="ctr">
+            <a:normAutofit/>
+          </a:bodyPr>
+          <a:lstStyle/>
+          <a:p>
+            <a:pPr marL="0" indent="0" algn="ctr">
+              <a:buNone/>
+            </a:pPr>
+            <a:r>
+              <a:rPr lang="en-US" altLang="ko-KR" sz="10000" dirty="0"/>
+              <a:t>Google </a:t>
+            </a:r>
+          </a:p>
+          <a:p>
+            <a:pPr marL="0" indent="0" algn="ctr">
+              <a:buNone/>
+            </a:pPr>
+            <a:r>
+              <a:rPr lang="en-US" altLang="ko-KR" sz="10000" dirty="0"/>
+              <a:t>Apps Script</a:t>
+            </a:r>
+            <a:endParaRPr lang="ko-KR" altLang="en-US" sz="10000" dirty="0"/>
+          </a:p>
+        </p:txBody>
+      </p:sp>
+    </p:spTree>
+    <p:extLst>
+      <p:ext uri="{BB962C8B-B14F-4D97-AF65-F5344CB8AC3E}">
+        <p14:creationId xmlns:p14="http://schemas.microsoft.com/office/powerpoint/2010/main" val="1655686227"/>
+      </p:ext>
+    </p:extLst>
+  </p:cSld>
+  <p:clrMapOvr>
+    <a:masterClrMapping/>
+  </p:clrMapOvr>
+</p:sld>
+</file>
+
+<file path=ppt/slides/slide15.xml><?xml version="1.0" encoding="utf-8"?>
+<p:sld xmlns:a="http://schemas.openxmlformats.org/drawingml/2006/main" xmlns:r="http://schemas.openxmlformats.org/officeDocument/2006/relationships" xmlns:p="http://schemas.openxmlformats.org/presentationml/2006/main">
+  <p:cSld>
+    <p:spTree>
+      <p:nvGrpSpPr>
+        <p:cNvPr id="1" name=""/>
+        <p:cNvGrpSpPr/>
+        <p:nvPr/>
+      </p:nvGrpSpPr>
+      <p:grpSpPr>
+        <a:xfrm>
+          <a:off x="0" y="0"/>
+          <a:ext cx="0" cy="0"/>
+          <a:chOff x="0" y="0"/>
+          <a:chExt cx="0" cy="0"/>
+        </a:xfrm>
+      </p:grpSpPr>
+      <p:sp>
+        <p:nvSpPr>
+          <p:cNvPr id="2" name="제목 1">
+            <a:extLst>
+              <a:ext uri="{FF2B5EF4-FFF2-40B4-BE49-F238E27FC236}">
+                <a16:creationId xmlns:a16="http://schemas.microsoft.com/office/drawing/2014/main" id="{1B150D8C-0809-4579-BCBA-53017EF14273}"/>
+              </a:ext>
+            </a:extLst>
+          </p:cNvPr>
+          <p:cNvSpPr>
+            <a:spLocks noGrp="1"/>
+          </p:cNvSpPr>
+          <p:nvPr>
+            <p:ph type="title"/>
+          </p:nvPr>
+        </p:nvSpPr>
+        <p:spPr/>
+        <p:txBody>
+          <a:bodyPr/>
+          <a:lstStyle/>
+          <a:p>
+            <a:r>
+              <a:rPr lang="en-US" altLang="ko-KR" dirty="0"/>
+              <a:t>Contents</a:t>
+            </a:r>
+            <a:endParaRPr lang="ko-KR" altLang="en-US" dirty="0"/>
+          </a:p>
+        </p:txBody>
+      </p:sp>
+      <p:sp>
+        <p:nvSpPr>
+          <p:cNvPr id="3" name="내용 개체 틀 2">
+            <a:extLst>
+              <a:ext uri="{FF2B5EF4-FFF2-40B4-BE49-F238E27FC236}">
+                <a16:creationId xmlns:a16="http://schemas.microsoft.com/office/drawing/2014/main" id="{E5587D20-F079-448E-9154-37E59D32A6BD}"/>
+              </a:ext>
+            </a:extLst>
+          </p:cNvPr>
+          <p:cNvSpPr>
+            <a:spLocks noGrp="1"/>
+          </p:cNvSpPr>
+          <p:nvPr>
+            <p:ph idx="1"/>
+          </p:nvPr>
+        </p:nvSpPr>
+        <p:spPr/>
+        <p:txBody>
+          <a:bodyPr/>
+          <a:lstStyle/>
+          <a:p>
+            <a:r>
+              <a:rPr lang="ko-KR" altLang="en-US" strike="sngStrike" dirty="0"/>
+              <a:t>자바스크립트의 기본</a:t>
+            </a:r>
+            <a:endParaRPr lang="en-US" altLang="ko-KR" strike="sngStrike" dirty="0"/>
+          </a:p>
+          <a:p>
+            <a:r>
+              <a:rPr lang="ko-KR" altLang="en-US" dirty="0"/>
+              <a:t>실행방법과 실습환경</a:t>
+            </a:r>
+            <a:endParaRPr lang="en-US" altLang="ko-KR" dirty="0"/>
+          </a:p>
+          <a:p>
+            <a:r>
+              <a:rPr lang="en-US" altLang="ko-KR" dirty="0"/>
+              <a:t>Hello</a:t>
+            </a:r>
+            <a:r>
+              <a:rPr lang="ko-KR" altLang="en-US" dirty="0"/>
+              <a:t> </a:t>
+            </a:r>
+            <a:r>
+              <a:rPr lang="en-US" altLang="ko-KR" dirty="0"/>
+              <a:t>JavaScript</a:t>
+            </a:r>
+          </a:p>
+          <a:p>
+            <a:pPr lvl="1"/>
+            <a:r>
+              <a:rPr lang="ko-KR" altLang="en-US" dirty="0"/>
+              <a:t>기본 컨벤션</a:t>
+            </a:r>
+            <a:endParaRPr lang="en-US" altLang="ko-KR" dirty="0"/>
+          </a:p>
+          <a:p>
+            <a:pPr lvl="1"/>
+            <a:r>
+              <a:rPr lang="ko-KR" altLang="en-US" dirty="0"/>
+              <a:t>연산자</a:t>
+            </a:r>
+            <a:r>
+              <a:rPr lang="en-US" altLang="ko-KR" dirty="0"/>
+              <a:t>/</a:t>
+            </a:r>
+            <a:r>
+              <a:rPr lang="ko-KR" altLang="en-US" dirty="0"/>
+              <a:t>조건</a:t>
+            </a:r>
+            <a:r>
+              <a:rPr lang="en-US" altLang="ko-KR" dirty="0"/>
+              <a:t>/</a:t>
+            </a:r>
+            <a:r>
+              <a:rPr lang="ko-KR" altLang="en-US" dirty="0" err="1"/>
+              <a:t>반복문</a:t>
+            </a:r>
+            <a:endParaRPr lang="en-US" altLang="ko-KR" dirty="0"/>
+          </a:p>
+          <a:p>
+            <a:pPr lvl="1"/>
+            <a:r>
+              <a:rPr lang="ko-KR" altLang="en-US" dirty="0"/>
+              <a:t>함수</a:t>
+            </a:r>
+            <a:endParaRPr lang="en-US" altLang="ko-KR" dirty="0"/>
+          </a:p>
+          <a:p>
+            <a:pPr lvl="1"/>
+            <a:r>
+              <a:rPr lang="ko-KR" altLang="en-US" dirty="0"/>
+              <a:t>배열</a:t>
+            </a:r>
+            <a:endParaRPr lang="en-US" altLang="ko-KR" dirty="0"/>
+          </a:p>
+          <a:p>
+            <a:r>
+              <a:rPr lang="ko-KR" altLang="en-US" dirty="0"/>
+              <a:t>객체</a:t>
+            </a:r>
+            <a:endParaRPr lang="en-US" altLang="ko-KR" dirty="0"/>
+          </a:p>
+          <a:p>
+            <a:r>
+              <a:rPr lang="ko-KR" altLang="en-US" dirty="0"/>
+              <a:t>모듈</a:t>
+            </a:r>
+            <a:endParaRPr lang="en-US" altLang="ko-KR" dirty="0"/>
+          </a:p>
+          <a:p>
+            <a:endParaRPr lang="ko-KR" altLang="en-US" dirty="0"/>
+          </a:p>
+        </p:txBody>
+      </p:sp>
+    </p:spTree>
+    <p:extLst>
+      <p:ext uri="{BB962C8B-B14F-4D97-AF65-F5344CB8AC3E}">
+        <p14:creationId xmlns:p14="http://schemas.microsoft.com/office/powerpoint/2010/main" val="2163017474"/>
+      </p:ext>
+    </p:extLst>
+  </p:cSld>
+  <p:clrMapOvr>
+    <a:masterClrMapping/>
+  </p:clrMapOvr>
+</p:sld>
+</file>
+
+<file path=ppt/slides/slide16.xml><?xml version="1.0" encoding="utf-8"?>
+<p:sld xmlns:a="http://schemas.openxmlformats.org/drawingml/2006/main" xmlns:r="http://schemas.openxmlformats.org/officeDocument/2006/relationships" xmlns:p="http://schemas.openxmlformats.org/presentationml/2006/main">
+  <p:cSld>
+    <p:spTree>
+      <p:nvGrpSpPr>
+        <p:cNvPr id="1" name=""/>
+        <p:cNvGrpSpPr/>
+        <p:nvPr/>
+      </p:nvGrpSpPr>
+      <p:grpSpPr>
+        <a:xfrm>
+          <a:off x="0" y="0"/>
+          <a:ext cx="0" cy="0"/>
+          <a:chOff x="0" y="0"/>
+          <a:chExt cx="0" cy="0"/>
+        </a:xfrm>
+      </p:grpSpPr>
+      <p:sp>
+        <p:nvSpPr>
+          <p:cNvPr id="2" name="제목 1">
+            <a:extLst>
+              <a:ext uri="{FF2B5EF4-FFF2-40B4-BE49-F238E27FC236}">
+                <a16:creationId xmlns:a16="http://schemas.microsoft.com/office/drawing/2014/main" id="{DA45028C-A451-41CF-80F9-CDD3FA7D4ADD}"/>
+              </a:ext>
+            </a:extLst>
+          </p:cNvPr>
+          <p:cNvSpPr>
+            <a:spLocks noGrp="1"/>
+          </p:cNvSpPr>
+          <p:nvPr>
+            <p:ph type="title"/>
+          </p:nvPr>
+        </p:nvSpPr>
+        <p:spPr/>
+        <p:txBody>
+          <a:bodyPr/>
+          <a:lstStyle/>
+          <a:p>
+            <a:r>
+              <a:rPr lang="ko-KR" altLang="en-US" dirty="0"/>
+              <a:t>실행방법과 실습환경</a:t>
+            </a:r>
+          </a:p>
+        </p:txBody>
+      </p:sp>
+      <p:sp>
+        <p:nvSpPr>
+          <p:cNvPr id="3" name="내용 개체 틀 2">
+            <a:extLst>
+              <a:ext uri="{FF2B5EF4-FFF2-40B4-BE49-F238E27FC236}">
+                <a16:creationId xmlns:a16="http://schemas.microsoft.com/office/drawing/2014/main" id="{21D1AC28-099B-4ED7-9583-69D4308F775D}"/>
+              </a:ext>
+            </a:extLst>
+          </p:cNvPr>
+          <p:cNvSpPr>
+            <a:spLocks noGrp="1"/>
+          </p:cNvSpPr>
+          <p:nvPr>
+            <p:ph idx="1"/>
+          </p:nvPr>
+        </p:nvSpPr>
+        <p:spPr/>
+        <p:txBody>
+          <a:bodyPr>
+            <a:normAutofit fontScale="92500" lnSpcReduction="20000"/>
+          </a:bodyPr>
+          <a:lstStyle/>
+          <a:p>
+            <a:r>
+              <a:rPr lang="ko-KR" altLang="en-US" dirty="0"/>
+              <a:t>실행방법</a:t>
+            </a:r>
+            <a:endParaRPr lang="en-US" altLang="ko-KR" dirty="0"/>
+          </a:p>
+          <a:p>
+            <a:pPr lvl="1"/>
+            <a:r>
+              <a:rPr lang="ko-KR" altLang="en-US" dirty="0"/>
+              <a:t>윈도우 </a:t>
+            </a:r>
+            <a:r>
+              <a:rPr lang="en-US" altLang="ko-KR" dirty="0"/>
+              <a:t>– </a:t>
+            </a:r>
+            <a:r>
+              <a:rPr lang="ko-KR" altLang="en-US" dirty="0"/>
+              <a:t>메모장 </a:t>
+            </a:r>
+            <a:r>
+              <a:rPr lang="en-US" altLang="ko-KR" dirty="0"/>
+              <a:t>– </a:t>
+            </a:r>
+            <a:r>
+              <a:rPr lang="ko-KR" altLang="en-US" dirty="0"/>
+              <a:t>코드입력 </a:t>
+            </a:r>
+            <a:r>
+              <a:rPr lang="en-US" altLang="ko-KR" dirty="0"/>
+              <a:t>– </a:t>
+            </a:r>
+            <a:r>
+              <a:rPr lang="ko-KR" altLang="en-US" dirty="0" err="1"/>
+              <a:t>저장시</a:t>
+            </a:r>
+            <a:r>
+              <a:rPr lang="ko-KR" altLang="en-US" dirty="0"/>
+              <a:t> 인코딩 </a:t>
+            </a:r>
+            <a:r>
+              <a:rPr lang="en-US" altLang="ko-KR" dirty="0"/>
+              <a:t>(utf-8)</a:t>
+            </a:r>
+          </a:p>
+          <a:p>
+            <a:pPr lvl="1"/>
+            <a:r>
+              <a:rPr lang="en-US" altLang="ko-KR" dirty="0"/>
+              <a:t>Mac?</a:t>
+            </a:r>
+          </a:p>
+          <a:p>
+            <a:pPr lvl="1"/>
+            <a:r>
+              <a:rPr lang="ko-KR" altLang="en-US" dirty="0"/>
+              <a:t>구글 크롬 </a:t>
+            </a:r>
+            <a:r>
+              <a:rPr lang="en-US" altLang="ko-KR" dirty="0"/>
+              <a:t>– F12 – console</a:t>
+            </a:r>
+          </a:p>
+          <a:p>
+            <a:pPr lvl="1"/>
+            <a:endParaRPr lang="en-US" altLang="ko-KR" dirty="0"/>
+          </a:p>
+          <a:p>
+            <a:r>
+              <a:rPr lang="ko-KR" altLang="en-US" dirty="0"/>
+              <a:t>작업 툴</a:t>
+            </a:r>
+            <a:endParaRPr lang="en-US" altLang="ko-KR" dirty="0"/>
+          </a:p>
+          <a:p>
+            <a:pPr lvl="1"/>
+            <a:r>
+              <a:rPr lang="ko-KR" altLang="en-US" dirty="0"/>
+              <a:t>기본적으로는 구글 크롬</a:t>
+            </a:r>
+            <a:r>
+              <a:rPr lang="en-US" altLang="ko-KR" dirty="0"/>
+              <a:t>(console)</a:t>
+            </a:r>
+          </a:p>
+          <a:p>
+            <a:pPr lvl="1"/>
+            <a:r>
+              <a:rPr lang="ko-KR" altLang="en-US" dirty="0"/>
+              <a:t>에디터 </a:t>
+            </a:r>
+            <a:r>
+              <a:rPr lang="en-US" altLang="ko-KR" dirty="0"/>
+              <a:t>– </a:t>
+            </a:r>
+            <a:r>
+              <a:rPr lang="en-US" altLang="ko-KR" dirty="0">
+                <a:solidFill>
+                  <a:srgbClr val="FF0000"/>
+                </a:solidFill>
+              </a:rPr>
+              <a:t>Atom</a:t>
+            </a:r>
+            <a:r>
+              <a:rPr lang="en-US" altLang="ko-KR" dirty="0"/>
+              <a:t> / Sublime Text</a:t>
+            </a:r>
+          </a:p>
+          <a:p>
+            <a:endParaRPr lang="en-US" altLang="ko-KR" dirty="0"/>
+          </a:p>
+          <a:p>
+            <a:r>
+              <a:rPr lang="ko-KR" altLang="en-US" dirty="0"/>
+              <a:t>진행 툴</a:t>
+            </a:r>
+            <a:endParaRPr lang="en-US" altLang="ko-KR" dirty="0"/>
+          </a:p>
+          <a:p>
+            <a:pPr lvl="1"/>
+            <a:r>
+              <a:rPr lang="en-US" altLang="ko-KR" dirty="0" err="1"/>
+              <a:t>Github</a:t>
+            </a:r>
+            <a:endParaRPr lang="en-US" altLang="ko-KR" dirty="0"/>
+          </a:p>
+          <a:p>
+            <a:pPr lvl="1"/>
+            <a:r>
+              <a:rPr lang="en-US" altLang="ko-KR" dirty="0"/>
+              <a:t>Sli.do</a:t>
+            </a:r>
+          </a:p>
+          <a:p>
+            <a:pPr lvl="1"/>
+            <a:r>
+              <a:rPr lang="en-US" altLang="ko-KR" dirty="0"/>
+              <a:t>slack</a:t>
+            </a:r>
+          </a:p>
+          <a:p>
+            <a:pPr lvl="1"/>
+            <a:endParaRPr lang="en-US" altLang="ko-KR" dirty="0"/>
+          </a:p>
+          <a:p>
+            <a:pPr lvl="1"/>
+            <a:endParaRPr lang="en-US" altLang="ko-KR" dirty="0"/>
+          </a:p>
+          <a:p>
+            <a:pPr lvl="1"/>
+            <a:endParaRPr lang="en-US" altLang="ko-KR" dirty="0"/>
+          </a:p>
+          <a:p>
+            <a:pPr lvl="1"/>
+            <a:endParaRPr lang="en-US" altLang="ko-KR" dirty="0"/>
+          </a:p>
+          <a:p>
+            <a:pPr lvl="1"/>
+            <a:endParaRPr lang="en-US" altLang="ko-KR" dirty="0"/>
+          </a:p>
+          <a:p>
+            <a:pPr lvl="1"/>
+            <a:endParaRPr lang="en-US" altLang="ko-KR" dirty="0"/>
+          </a:p>
+          <a:p>
+            <a:pPr lvl="1"/>
+            <a:endParaRPr lang="en-US" altLang="ko-KR" dirty="0"/>
+          </a:p>
+          <a:p>
+            <a:pPr lvl="1"/>
+            <a:endParaRPr lang="en-US" altLang="ko-KR" dirty="0"/>
+          </a:p>
+        </p:txBody>
+      </p:sp>
+      <p:pic>
+        <p:nvPicPr>
+          <p:cNvPr id="4" name="그림 3">
+            <a:extLst>
+              <a:ext uri="{FF2B5EF4-FFF2-40B4-BE49-F238E27FC236}">
+                <a16:creationId xmlns:a16="http://schemas.microsoft.com/office/drawing/2014/main" id="{FF7F9942-6E25-41F9-ADAD-1011ACBEBBB2}"/>
+              </a:ext>
+            </a:extLst>
+          </p:cNvPr>
+          <p:cNvPicPr>
+            <a:picLocks noChangeAspect="1"/>
+          </p:cNvPicPr>
+          <p:nvPr/>
+        </p:nvPicPr>
+        <p:blipFill>
+          <a:blip r:embed="rId2"/>
+          <a:stretch>
+            <a:fillRect/>
+          </a:stretch>
+        </p:blipFill>
+        <p:spPr>
+          <a:xfrm>
+            <a:off x="8562975" y="3733800"/>
+            <a:ext cx="3629025" cy="3124200"/>
+          </a:xfrm>
+          <a:prstGeom prst="rect">
+            <a:avLst/>
+          </a:prstGeom>
+        </p:spPr>
+      </p:pic>
+    </p:spTree>
+    <p:extLst>
+      <p:ext uri="{BB962C8B-B14F-4D97-AF65-F5344CB8AC3E}">
+        <p14:creationId xmlns:p14="http://schemas.microsoft.com/office/powerpoint/2010/main" val="2838312331"/>
+      </p:ext>
+    </p:extLst>
+  </p:cSld>
+  <p:clrMapOvr>
+    <a:masterClrMapping/>
+  </p:clrMapOvr>
+</p:sld>
+</file>
+
+<file path=ppt/slides/slide17.xml><?xml version="1.0" encoding="utf-8"?>
+<p:sld xmlns:a="http://schemas.openxmlformats.org/drawingml/2006/main" xmlns:r="http://schemas.openxmlformats.org/officeDocument/2006/relationships" xmlns:p="http://schemas.openxmlformats.org/presentationml/2006/main">
+  <p:cSld>
+    <p:spTree>
+      <p:nvGrpSpPr>
+        <p:cNvPr id="1" name=""/>
+        <p:cNvGrpSpPr/>
+        <p:nvPr/>
+      </p:nvGrpSpPr>
+      <p:grpSpPr>
+        <a:xfrm>
+          <a:off x="0" y="0"/>
+          <a:ext cx="0" cy="0"/>
+          <a:chOff x="0" y="0"/>
+          <a:chExt cx="0" cy="0"/>
+        </a:xfrm>
+      </p:grpSpPr>
+      <p:sp>
+        <p:nvSpPr>
+          <p:cNvPr id="2" name="제목 1">
+            <a:extLst>
+              <a:ext uri="{FF2B5EF4-FFF2-40B4-BE49-F238E27FC236}">
+                <a16:creationId xmlns:a16="http://schemas.microsoft.com/office/drawing/2014/main" id="{DA45028C-A451-41CF-80F9-CDD3FA7D4ADD}"/>
+              </a:ext>
+            </a:extLst>
+          </p:cNvPr>
+          <p:cNvSpPr>
+            <a:spLocks noGrp="1"/>
+          </p:cNvSpPr>
+          <p:nvPr>
+            <p:ph type="title"/>
+          </p:nvPr>
+        </p:nvSpPr>
+        <p:spPr/>
+        <p:txBody>
+          <a:bodyPr/>
+          <a:lstStyle/>
+          <a:p>
+            <a:r>
+              <a:rPr lang="ko-KR" altLang="en-US" dirty="0"/>
+              <a:t>실행방법과 실습환경</a:t>
+            </a:r>
+          </a:p>
+        </p:txBody>
+      </p:sp>
+      <p:sp>
+        <p:nvSpPr>
+          <p:cNvPr id="3" name="내용 개체 틀 2">
+            <a:extLst>
+              <a:ext uri="{FF2B5EF4-FFF2-40B4-BE49-F238E27FC236}">
+                <a16:creationId xmlns:a16="http://schemas.microsoft.com/office/drawing/2014/main" id="{21D1AC28-099B-4ED7-9583-69D4308F775D}"/>
+              </a:ext>
+            </a:extLst>
+          </p:cNvPr>
+          <p:cNvSpPr>
+            <a:spLocks noGrp="1"/>
+          </p:cNvSpPr>
+          <p:nvPr>
+            <p:ph idx="1"/>
+          </p:nvPr>
+        </p:nvSpPr>
+        <p:spPr/>
+        <p:txBody>
+          <a:bodyPr>
+            <a:normAutofit/>
+          </a:bodyPr>
+          <a:lstStyle/>
+          <a:p>
+            <a:r>
+              <a:rPr lang="ko-KR" altLang="en-US" dirty="0"/>
+              <a:t>실습 </a:t>
+            </a:r>
+            <a:r>
+              <a:rPr lang="en-US" altLang="ko-KR" dirty="0"/>
+              <a:t>1.</a:t>
+            </a:r>
+          </a:p>
+          <a:p>
+            <a:pPr lvl="1"/>
+            <a:r>
+              <a:rPr lang="ko-KR" altLang="en-US" dirty="0"/>
+              <a:t>추후 작업을 위해 </a:t>
+            </a:r>
+            <a:r>
+              <a:rPr lang="en-US" altLang="ko-KR" dirty="0">
+                <a:hlinkClick r:id="rId2"/>
+              </a:rPr>
+              <a:t>http://ajou-web.slack.com</a:t>
+            </a:r>
+            <a:r>
+              <a:rPr lang="en-US" altLang="ko-KR" dirty="0"/>
+              <a:t> </a:t>
+            </a:r>
+            <a:r>
+              <a:rPr lang="ko-KR" altLang="en-US" dirty="0"/>
+              <a:t>가입</a:t>
+            </a:r>
+            <a:endParaRPr lang="en-US" altLang="ko-KR" dirty="0"/>
+          </a:p>
+          <a:p>
+            <a:pPr lvl="1"/>
+            <a:r>
+              <a:rPr lang="ko-KR" altLang="en-US" dirty="0"/>
+              <a:t>온라인 상의 모든 회의나 정보</a:t>
+            </a:r>
+            <a:r>
+              <a:rPr lang="en-US" altLang="ko-KR" dirty="0"/>
+              <a:t>/</a:t>
+            </a:r>
+            <a:r>
+              <a:rPr lang="ko-KR" altLang="en-US" dirty="0"/>
+              <a:t>자료교환은 </a:t>
+            </a:r>
+            <a:r>
+              <a:rPr lang="ko-KR" altLang="en-US" dirty="0" err="1"/>
+              <a:t>슬랙으로</a:t>
+            </a:r>
+            <a:r>
+              <a:rPr lang="ko-KR" altLang="en-US" dirty="0"/>
+              <a:t> 통일</a:t>
+            </a:r>
+            <a:endParaRPr lang="en-US" altLang="ko-KR" dirty="0"/>
+          </a:p>
+          <a:p>
+            <a:pPr lvl="1"/>
+            <a:r>
+              <a:rPr lang="ko-KR" altLang="en-US" dirty="0"/>
+              <a:t>설문조사 참여할 것</a:t>
+            </a:r>
+            <a:r>
+              <a:rPr lang="en-US" altLang="ko-KR" dirty="0"/>
+              <a:t>(</a:t>
+            </a:r>
+            <a:r>
+              <a:rPr lang="ko-KR" altLang="en-US" dirty="0" err="1"/>
+              <a:t>슬랙에</a:t>
+            </a:r>
+            <a:r>
+              <a:rPr lang="ko-KR" altLang="en-US" dirty="0"/>
+              <a:t> 공유</a:t>
+            </a:r>
+            <a:r>
+              <a:rPr lang="en-US" altLang="ko-KR" dirty="0"/>
+              <a:t>) – </a:t>
+            </a:r>
+            <a:r>
+              <a:rPr lang="ko-KR" altLang="en-US" dirty="0"/>
+              <a:t>다음주까지</a:t>
+            </a:r>
+            <a:endParaRPr lang="en-US" altLang="ko-KR" dirty="0"/>
+          </a:p>
+          <a:p>
+            <a:endParaRPr lang="en-US" altLang="ko-KR" dirty="0"/>
+          </a:p>
+          <a:p>
+            <a:r>
+              <a:rPr lang="ko-KR" altLang="en-US" dirty="0"/>
+              <a:t>실습</a:t>
+            </a:r>
+            <a:r>
+              <a:rPr lang="en-US" altLang="ko-KR" dirty="0"/>
+              <a:t> 2.</a:t>
+            </a:r>
+          </a:p>
+          <a:p>
+            <a:pPr lvl="1"/>
+            <a:r>
+              <a:rPr lang="en-US" altLang="ko-KR" dirty="0"/>
+              <a:t>Atom </a:t>
+            </a:r>
+            <a:r>
+              <a:rPr lang="ko-KR" altLang="en-US" dirty="0"/>
+              <a:t>다운로드 </a:t>
+            </a:r>
+            <a:r>
+              <a:rPr lang="en-US" altLang="ko-KR" dirty="0">
+                <a:hlinkClick r:id="rId3"/>
+              </a:rPr>
+              <a:t>https://atom.io/</a:t>
+            </a:r>
+            <a:endParaRPr lang="en-US" altLang="ko-KR" dirty="0"/>
+          </a:p>
+          <a:p>
+            <a:pPr lvl="1"/>
+            <a:r>
+              <a:rPr lang="ko-KR" altLang="en-US" dirty="0"/>
+              <a:t>구글 크롬 확인</a:t>
+            </a:r>
+            <a:endParaRPr lang="en-US" altLang="ko-KR" dirty="0"/>
+          </a:p>
+          <a:p>
+            <a:pPr lvl="1"/>
+            <a:endParaRPr lang="en-US" altLang="ko-KR" dirty="0"/>
+          </a:p>
+          <a:p>
+            <a:pPr lvl="1"/>
+            <a:endParaRPr lang="en-US" altLang="ko-KR" dirty="0"/>
+          </a:p>
+          <a:p>
+            <a:pPr lvl="1"/>
+            <a:endParaRPr lang="en-US" altLang="ko-KR" dirty="0"/>
+          </a:p>
+          <a:p>
+            <a:pPr lvl="1"/>
+            <a:endParaRPr lang="en-US" altLang="ko-KR" dirty="0"/>
+          </a:p>
+          <a:p>
+            <a:pPr lvl="1"/>
+            <a:endParaRPr lang="en-US" altLang="ko-KR" dirty="0"/>
+          </a:p>
+          <a:p>
+            <a:pPr lvl="1"/>
+            <a:endParaRPr lang="en-US" altLang="ko-KR" dirty="0"/>
+          </a:p>
+          <a:p>
+            <a:pPr lvl="1"/>
+            <a:endParaRPr lang="en-US" altLang="ko-KR" dirty="0"/>
+          </a:p>
+          <a:p>
+            <a:pPr lvl="1"/>
+            <a:endParaRPr lang="en-US" altLang="ko-KR" dirty="0"/>
+          </a:p>
+          <a:p>
+            <a:pPr lvl="1"/>
+            <a:endParaRPr lang="en-US" altLang="ko-KR" dirty="0"/>
+          </a:p>
+          <a:p>
+            <a:pPr lvl="1"/>
+            <a:endParaRPr lang="en-US" altLang="ko-KR" dirty="0"/>
+          </a:p>
+          <a:p>
+            <a:pPr lvl="1"/>
+            <a:endParaRPr lang="en-US" altLang="ko-KR" dirty="0"/>
+          </a:p>
+        </p:txBody>
+      </p:sp>
+    </p:spTree>
+    <p:extLst>
+      <p:ext uri="{BB962C8B-B14F-4D97-AF65-F5344CB8AC3E}">
+        <p14:creationId xmlns:p14="http://schemas.microsoft.com/office/powerpoint/2010/main" val="3618694819"/>
+      </p:ext>
+    </p:extLst>
+  </p:cSld>
+  <p:clrMapOvr>
+    <a:masterClrMapping/>
+  </p:clrMapOvr>
+</p:sld>
+</file>
+
+<file path=ppt/slides/slide18.xml><?xml version="1.0" encoding="utf-8"?>
+<p:sld xmlns:a="http://schemas.openxmlformats.org/drawingml/2006/main" xmlns:r="http://schemas.openxmlformats.org/officeDocument/2006/relationships" xmlns:p="http://schemas.openxmlformats.org/presentationml/2006/main">
+  <p:cSld>
+    <p:spTree>
+      <p:nvGrpSpPr>
+        <p:cNvPr id="1" name=""/>
+        <p:cNvGrpSpPr/>
+        <p:nvPr/>
+      </p:nvGrpSpPr>
+      <p:grpSpPr>
+        <a:xfrm>
+          <a:off x="0" y="0"/>
+          <a:ext cx="0" cy="0"/>
+          <a:chOff x="0" y="0"/>
+          <a:chExt cx="0" cy="0"/>
+        </a:xfrm>
+      </p:grpSpPr>
+      <p:sp>
+        <p:nvSpPr>
+          <p:cNvPr id="2" name="제목 1">
+            <a:extLst>
+              <a:ext uri="{FF2B5EF4-FFF2-40B4-BE49-F238E27FC236}">
+                <a16:creationId xmlns:a16="http://schemas.microsoft.com/office/drawing/2014/main" id="{1B150D8C-0809-4579-BCBA-53017EF14273}"/>
+              </a:ext>
+            </a:extLst>
+          </p:cNvPr>
+          <p:cNvSpPr>
+            <a:spLocks noGrp="1"/>
+          </p:cNvSpPr>
+          <p:nvPr>
+            <p:ph type="title"/>
+          </p:nvPr>
+        </p:nvSpPr>
+        <p:spPr/>
+        <p:txBody>
+          <a:bodyPr/>
+          <a:lstStyle/>
+          <a:p>
+            <a:r>
+              <a:rPr lang="en-US" altLang="ko-KR" dirty="0"/>
+              <a:t>Contents</a:t>
+            </a:r>
+            <a:endParaRPr lang="ko-KR" altLang="en-US" dirty="0"/>
+          </a:p>
+        </p:txBody>
+      </p:sp>
+      <p:sp>
+        <p:nvSpPr>
+          <p:cNvPr id="3" name="내용 개체 틀 2">
+            <a:extLst>
+              <a:ext uri="{FF2B5EF4-FFF2-40B4-BE49-F238E27FC236}">
+                <a16:creationId xmlns:a16="http://schemas.microsoft.com/office/drawing/2014/main" id="{E5587D20-F079-448E-9154-37E59D32A6BD}"/>
+              </a:ext>
+            </a:extLst>
+          </p:cNvPr>
+          <p:cNvSpPr>
+            <a:spLocks noGrp="1"/>
+          </p:cNvSpPr>
+          <p:nvPr>
+            <p:ph idx="1"/>
+          </p:nvPr>
+        </p:nvSpPr>
+        <p:spPr/>
+        <p:txBody>
+          <a:bodyPr/>
+          <a:lstStyle/>
+          <a:p>
+            <a:r>
+              <a:rPr lang="ko-KR" altLang="en-US" strike="sngStrike" dirty="0"/>
+              <a:t>자바스크립트의 기본</a:t>
+            </a:r>
+            <a:endParaRPr lang="en-US" altLang="ko-KR" strike="sngStrike" dirty="0"/>
+          </a:p>
+          <a:p>
+            <a:r>
+              <a:rPr lang="ko-KR" altLang="en-US" strike="sngStrike" dirty="0"/>
+              <a:t>실행방법과 실습환경</a:t>
+            </a:r>
+            <a:endParaRPr lang="en-US" altLang="ko-KR" strike="sngStrike" dirty="0"/>
+          </a:p>
+          <a:p>
+            <a:r>
+              <a:rPr lang="en-US" altLang="ko-KR" dirty="0"/>
+              <a:t>Hello</a:t>
+            </a:r>
+            <a:r>
+              <a:rPr lang="ko-KR" altLang="en-US" dirty="0"/>
+              <a:t> </a:t>
+            </a:r>
+            <a:r>
+              <a:rPr lang="en-US" altLang="ko-KR" dirty="0"/>
+              <a:t>JavaScript</a:t>
+            </a:r>
+          </a:p>
+          <a:p>
+            <a:pPr lvl="1"/>
+            <a:r>
+              <a:rPr lang="ko-KR" altLang="en-US" dirty="0"/>
+              <a:t>기본 컨벤션</a:t>
+            </a:r>
+            <a:endParaRPr lang="en-US" altLang="ko-KR" dirty="0"/>
+          </a:p>
+          <a:p>
+            <a:pPr lvl="1"/>
+            <a:r>
+              <a:rPr lang="ko-KR" altLang="en-US" dirty="0"/>
+              <a:t>연산자</a:t>
+            </a:r>
+            <a:r>
+              <a:rPr lang="en-US" altLang="ko-KR" dirty="0"/>
+              <a:t>/</a:t>
+            </a:r>
+            <a:r>
+              <a:rPr lang="ko-KR" altLang="en-US" dirty="0"/>
+              <a:t>조건</a:t>
+            </a:r>
+            <a:r>
+              <a:rPr lang="en-US" altLang="ko-KR" dirty="0"/>
+              <a:t>/</a:t>
+            </a:r>
+            <a:r>
+              <a:rPr lang="ko-KR" altLang="en-US" dirty="0" err="1"/>
+              <a:t>반복문</a:t>
+            </a:r>
+            <a:endParaRPr lang="en-US" altLang="ko-KR" dirty="0"/>
+          </a:p>
+          <a:p>
+            <a:pPr lvl="1"/>
+            <a:r>
+              <a:rPr lang="ko-KR" altLang="en-US" dirty="0"/>
+              <a:t>함수</a:t>
+            </a:r>
+            <a:endParaRPr lang="en-US" altLang="ko-KR" dirty="0"/>
+          </a:p>
+          <a:p>
+            <a:pPr lvl="1"/>
+            <a:r>
+              <a:rPr lang="ko-KR" altLang="en-US" dirty="0"/>
+              <a:t>배열</a:t>
+            </a:r>
+            <a:endParaRPr lang="en-US" altLang="ko-KR" dirty="0"/>
+          </a:p>
+          <a:p>
+            <a:r>
+              <a:rPr lang="ko-KR" altLang="en-US" dirty="0"/>
+              <a:t>객체</a:t>
+            </a:r>
+            <a:endParaRPr lang="en-US" altLang="ko-KR" dirty="0"/>
+          </a:p>
+          <a:p>
+            <a:r>
+              <a:rPr lang="ko-KR" altLang="en-US" dirty="0"/>
+              <a:t>모듈</a:t>
+            </a:r>
+            <a:endParaRPr lang="en-US" altLang="ko-KR" dirty="0"/>
+          </a:p>
+          <a:p>
+            <a:endParaRPr lang="ko-KR" altLang="en-US" dirty="0"/>
+          </a:p>
+        </p:txBody>
+      </p:sp>
+    </p:spTree>
+    <p:extLst>
+      <p:ext uri="{BB962C8B-B14F-4D97-AF65-F5344CB8AC3E}">
+        <p14:creationId xmlns:p14="http://schemas.microsoft.com/office/powerpoint/2010/main" val="486422802"/>
+      </p:ext>
+    </p:extLst>
+  </p:cSld>
+  <p:clrMapOvr>
+    <a:masterClrMapping/>
+  </p:clrMapOvr>
+</p:sld>
+</file>
+
+<file path=ppt/slides/slide19.xml><?xml version="1.0" encoding="utf-8"?>
+<p:sld xmlns:a="http://schemas.openxmlformats.org/drawingml/2006/main" xmlns:r="http://schemas.openxmlformats.org/officeDocument/2006/relationships" xmlns:p="http://schemas.openxmlformats.org/presentationml/2006/main">
+  <p:cSld>
+    <p:spTree>
+      <p:nvGrpSpPr>
+        <p:cNvPr id="1" name=""/>
+        <p:cNvGrpSpPr/>
+        <p:nvPr/>
+      </p:nvGrpSpPr>
+      <p:grpSpPr>
+        <a:xfrm>
+          <a:off x="0" y="0"/>
+          <a:ext cx="0" cy="0"/>
+          <a:chOff x="0" y="0"/>
+          <a:chExt cx="0" cy="0"/>
+        </a:xfrm>
+      </p:grpSpPr>
+      <p:sp>
+        <p:nvSpPr>
+          <p:cNvPr id="2" name="제목 1">
+            <a:extLst>
+              <a:ext uri="{FF2B5EF4-FFF2-40B4-BE49-F238E27FC236}">
+                <a16:creationId xmlns:a16="http://schemas.microsoft.com/office/drawing/2014/main" id="{0C84825E-7338-4483-B041-1E8D539AB194}"/>
+              </a:ext>
+            </a:extLst>
+          </p:cNvPr>
+          <p:cNvSpPr>
+            <a:spLocks noGrp="1"/>
+          </p:cNvSpPr>
+          <p:nvPr>
+            <p:ph type="title"/>
+          </p:nvPr>
+        </p:nvSpPr>
+        <p:spPr/>
+        <p:txBody>
+          <a:bodyPr/>
+          <a:lstStyle/>
+          <a:p>
+            <a:r>
+              <a:rPr lang="en-US" altLang="ko-KR" dirty="0"/>
+              <a:t>Hello</a:t>
+            </a:r>
+            <a:r>
+              <a:rPr lang="ko-KR" altLang="en-US" dirty="0"/>
+              <a:t> </a:t>
+            </a:r>
+            <a:r>
+              <a:rPr lang="en-US" altLang="ko-KR" dirty="0"/>
+              <a:t>JavaScript - </a:t>
+            </a:r>
+            <a:r>
+              <a:rPr lang="ko-KR" altLang="en-US" dirty="0"/>
+              <a:t>숫자</a:t>
+            </a:r>
+          </a:p>
+        </p:txBody>
+      </p:sp>
+      <p:sp>
+        <p:nvSpPr>
+          <p:cNvPr id="3" name="내용 개체 틀 2">
+            <a:extLst>
+              <a:ext uri="{FF2B5EF4-FFF2-40B4-BE49-F238E27FC236}">
+                <a16:creationId xmlns:a16="http://schemas.microsoft.com/office/drawing/2014/main" id="{F869418B-9BE8-48DE-80B2-4EB21480E2E5}"/>
+              </a:ext>
+            </a:extLst>
+          </p:cNvPr>
+          <p:cNvSpPr>
+            <a:spLocks noGrp="1"/>
+          </p:cNvSpPr>
+          <p:nvPr>
+            <p:ph idx="1"/>
+          </p:nvPr>
+        </p:nvSpPr>
+        <p:spPr/>
+        <p:txBody>
+          <a:bodyPr/>
+          <a:lstStyle/>
+          <a:p>
+            <a:r>
+              <a:rPr lang="ko-KR" altLang="en-US" dirty="0"/>
+              <a:t>실습 </a:t>
+            </a:r>
+            <a:r>
+              <a:rPr lang="en-US" altLang="ko-KR" dirty="0"/>
+              <a:t>3. Atom</a:t>
+            </a:r>
+            <a:r>
+              <a:rPr lang="ko-KR" altLang="en-US" dirty="0"/>
+              <a:t>으로 </a:t>
+            </a:r>
+            <a:r>
+              <a:rPr lang="en-US" altLang="ko-KR" dirty="0"/>
+              <a:t>hello.html</a:t>
+            </a:r>
+            <a:r>
+              <a:rPr lang="ko-KR" altLang="en-US" dirty="0"/>
+              <a:t> 스크립트 작성</a:t>
+            </a:r>
+            <a:endParaRPr lang="en-US" altLang="ko-KR" dirty="0"/>
+          </a:p>
+          <a:p>
+            <a:pPr lvl="1"/>
+            <a:r>
+              <a:rPr lang="en-US" altLang="ko-KR" dirty="0"/>
+              <a:t>‘Hello JavaScript’ </a:t>
+            </a:r>
+            <a:r>
+              <a:rPr lang="ko-KR" altLang="en-US" dirty="0"/>
+              <a:t>를 </a:t>
+            </a:r>
+            <a:r>
+              <a:rPr lang="en-US" altLang="ko-KR" dirty="0"/>
+              <a:t>alert </a:t>
+            </a:r>
+            <a:r>
+              <a:rPr lang="ko-KR" altLang="en-US" dirty="0"/>
+              <a:t>명령어로 불러보세요</a:t>
+            </a:r>
+            <a:r>
+              <a:rPr lang="en-US" altLang="ko-KR" dirty="0"/>
+              <a:t>.</a:t>
+            </a:r>
+          </a:p>
+          <a:p>
+            <a:pPr lvl="1"/>
+            <a:r>
+              <a:rPr lang="ko-KR" altLang="en-US" dirty="0"/>
+              <a:t>실습을 따라할 것</a:t>
+            </a:r>
+            <a:endParaRPr lang="en-US" altLang="ko-KR" dirty="0"/>
+          </a:p>
+          <a:p>
+            <a:pPr lvl="2"/>
+            <a:endParaRPr lang="en-US" altLang="ko-KR" dirty="0"/>
+          </a:p>
+          <a:p>
+            <a:pPr lvl="2"/>
+            <a:endParaRPr lang="en-US" altLang="ko-KR" dirty="0"/>
+          </a:p>
+        </p:txBody>
+      </p:sp>
+    </p:spTree>
+    <p:extLst>
+      <p:ext uri="{BB962C8B-B14F-4D97-AF65-F5344CB8AC3E}">
+        <p14:creationId xmlns:p14="http://schemas.microsoft.com/office/powerpoint/2010/main" val="3649488911"/>
       </p:ext>
     </p:extLst>
   </p:cSld>
@@ -3631,7 +5358,7 @@
           <p:cNvPr id="2" name="제목 1">
             <a:extLst>
               <a:ext uri="{FF2B5EF4-FFF2-40B4-BE49-F238E27FC236}">
-                <a16:creationId xmlns:a16="http://schemas.microsoft.com/office/drawing/2014/main" id="{1B150D8C-0809-4579-BCBA-53017EF14273}"/>
+                <a16:creationId xmlns:a16="http://schemas.microsoft.com/office/drawing/2014/main" id="{0B230AE5-D720-48FD-8175-2CFBD3776ABE}"/>
               </a:ext>
             </a:extLst>
           </p:cNvPr>
@@ -3648,8 +5375,12 @@
           <a:lstStyle/>
           <a:p>
             <a:r>
-              <a:rPr lang="en-US" altLang="ko-KR" dirty="0"/>
-              <a:t>Contents</a:t>
+              <a:rPr lang="ko-KR" altLang="en-US" dirty="0"/>
+              <a:t>수업을 시작하기 전에</a:t>
+            </a:r>
+            <a:r>
+              <a:rPr lang="en-US" altLang="ko-KR" dirty="0"/>
+              <a:t>…</a:t>
             </a:r>
             <a:endParaRPr lang="ko-KR" altLang="en-US" dirty="0"/>
           </a:p>
@@ -3660,7 +5391,7 @@
           <p:cNvPr id="3" name="내용 개체 틀 2">
             <a:extLst>
               <a:ext uri="{FF2B5EF4-FFF2-40B4-BE49-F238E27FC236}">
-                <a16:creationId xmlns:a16="http://schemas.microsoft.com/office/drawing/2014/main" id="{E5587D20-F079-448E-9154-37E59D32A6BD}"/>
+                <a16:creationId xmlns:a16="http://schemas.microsoft.com/office/drawing/2014/main" id="{1513752A-0874-4F27-8E41-0849B73BDFA2}"/>
               </a:ext>
             </a:extLst>
           </p:cNvPr>
@@ -3678,65 +5409,21 @@
           <a:p>
             <a:r>
               <a:rPr lang="ko-KR" altLang="en-US" dirty="0"/>
-              <a:t>자바스크립트의 기본</a:t>
-            </a:r>
-            <a:endParaRPr lang="en-US" altLang="ko-KR" dirty="0"/>
-          </a:p>
-          <a:p>
-            <a:r>
-              <a:rPr lang="ko-KR" altLang="en-US" dirty="0"/>
-              <a:t>실행방법과 실습환경</a:t>
-            </a:r>
-            <a:endParaRPr lang="en-US" altLang="ko-KR" dirty="0"/>
-          </a:p>
-          <a:p>
-            <a:r>
-              <a:rPr lang="ko-KR" altLang="en-US" dirty="0"/>
-              <a:t>데이터와 주석</a:t>
-            </a:r>
-            <a:endParaRPr lang="en-US" altLang="ko-KR" dirty="0"/>
-          </a:p>
-          <a:p>
-            <a:r>
-              <a:rPr lang="ko-KR" altLang="en-US" dirty="0"/>
-              <a:t>조건</a:t>
-            </a:r>
-            <a:r>
-              <a:rPr lang="en-US" altLang="ko-KR" dirty="0"/>
-              <a:t>/</a:t>
+              <a:t>나는 </a:t>
             </a:r>
             <a:r>
               <a:rPr lang="ko-KR" altLang="en-US" dirty="0" err="1"/>
-              <a:t>반복문</a:t>
-            </a:r>
-            <a:endParaRPr lang="en-US" altLang="ko-KR" dirty="0"/>
-          </a:p>
-          <a:p>
-            <a:r>
-              <a:rPr lang="ko-KR" altLang="en-US" dirty="0"/>
-              <a:t>함수</a:t>
-            </a:r>
-            <a:endParaRPr lang="en-US" altLang="ko-KR" dirty="0"/>
-          </a:p>
-          <a:p>
-            <a:r>
-              <a:rPr lang="ko-KR" altLang="en-US" dirty="0"/>
-              <a:t>배열</a:t>
-            </a:r>
-            <a:endParaRPr lang="en-US" altLang="ko-KR" dirty="0"/>
-          </a:p>
-          <a:p>
-            <a:r>
-              <a:rPr lang="ko-KR" altLang="en-US" dirty="0"/>
-              <a:t>객체</a:t>
-            </a:r>
-            <a:endParaRPr lang="en-US" altLang="ko-KR" dirty="0"/>
-          </a:p>
-          <a:p>
-            <a:r>
-              <a:rPr lang="ko-KR" altLang="en-US" dirty="0"/>
-              <a:t>모듈</a:t>
-            </a:r>
+              <a:t>누구인가</a:t>
+            </a:r>
+            <a:r>
+              <a:rPr lang="en-US" altLang="ko-KR" dirty="0"/>
+              <a:t>?</a:t>
+            </a:r>
+          </a:p>
+          <a:p>
+            <a:endParaRPr lang="en-US" altLang="ko-KR" dirty="0"/>
+          </a:p>
+          <a:p>
             <a:endParaRPr lang="en-US" altLang="ko-KR" dirty="0"/>
           </a:p>
           <a:p>
@@ -3747,7 +5434,2588 @@
     </p:spTree>
     <p:extLst>
       <p:ext uri="{BB962C8B-B14F-4D97-AF65-F5344CB8AC3E}">
-        <p14:creationId xmlns:p14="http://schemas.microsoft.com/office/powerpoint/2010/main" val="2167091491"/>
+        <p14:creationId xmlns:p14="http://schemas.microsoft.com/office/powerpoint/2010/main" val="2460098145"/>
+      </p:ext>
+    </p:extLst>
+  </p:cSld>
+  <p:clrMapOvr>
+    <a:masterClrMapping/>
+  </p:clrMapOvr>
+</p:sld>
+</file>
+
+<file path=ppt/slides/slide20.xml><?xml version="1.0" encoding="utf-8"?>
+<p:sld xmlns:a="http://schemas.openxmlformats.org/drawingml/2006/main" xmlns:r="http://schemas.openxmlformats.org/officeDocument/2006/relationships" xmlns:p="http://schemas.openxmlformats.org/presentationml/2006/main">
+  <p:cSld>
+    <p:spTree>
+      <p:nvGrpSpPr>
+        <p:cNvPr id="1" name=""/>
+        <p:cNvGrpSpPr/>
+        <p:nvPr/>
+      </p:nvGrpSpPr>
+      <p:grpSpPr>
+        <a:xfrm>
+          <a:off x="0" y="0"/>
+          <a:ext cx="0" cy="0"/>
+          <a:chOff x="0" y="0"/>
+          <a:chExt cx="0" cy="0"/>
+        </a:xfrm>
+      </p:grpSpPr>
+      <p:sp>
+        <p:nvSpPr>
+          <p:cNvPr id="2" name="제목 1">
+            <a:extLst>
+              <a:ext uri="{FF2B5EF4-FFF2-40B4-BE49-F238E27FC236}">
+                <a16:creationId xmlns:a16="http://schemas.microsoft.com/office/drawing/2014/main" id="{0C84825E-7338-4483-B041-1E8D539AB194}"/>
+              </a:ext>
+            </a:extLst>
+          </p:cNvPr>
+          <p:cNvSpPr>
+            <a:spLocks noGrp="1"/>
+          </p:cNvSpPr>
+          <p:nvPr>
+            <p:ph type="title"/>
+          </p:nvPr>
+        </p:nvSpPr>
+        <p:spPr/>
+        <p:txBody>
+          <a:bodyPr/>
+          <a:lstStyle/>
+          <a:p>
+            <a:r>
+              <a:rPr lang="en-US" altLang="ko-KR" dirty="0"/>
+              <a:t>Hello</a:t>
+            </a:r>
+            <a:r>
+              <a:rPr lang="ko-KR" altLang="en-US" dirty="0"/>
+              <a:t> </a:t>
+            </a:r>
+            <a:r>
+              <a:rPr lang="en-US" altLang="ko-KR" dirty="0"/>
+              <a:t>JavaScript - </a:t>
+            </a:r>
+            <a:r>
+              <a:rPr lang="ko-KR" altLang="en-US" dirty="0"/>
+              <a:t>숫자</a:t>
+            </a:r>
+          </a:p>
+        </p:txBody>
+      </p:sp>
+      <p:sp>
+        <p:nvSpPr>
+          <p:cNvPr id="3" name="내용 개체 틀 2">
+            <a:extLst>
+              <a:ext uri="{FF2B5EF4-FFF2-40B4-BE49-F238E27FC236}">
+                <a16:creationId xmlns:a16="http://schemas.microsoft.com/office/drawing/2014/main" id="{F869418B-9BE8-48DE-80B2-4EB21480E2E5}"/>
+              </a:ext>
+            </a:extLst>
+          </p:cNvPr>
+          <p:cNvSpPr>
+            <a:spLocks noGrp="1"/>
+          </p:cNvSpPr>
+          <p:nvPr>
+            <p:ph idx="1"/>
+          </p:nvPr>
+        </p:nvSpPr>
+        <p:spPr/>
+        <p:txBody>
+          <a:bodyPr/>
+          <a:lstStyle/>
+          <a:p>
+            <a:r>
+              <a:rPr lang="ko-KR" altLang="en-US" dirty="0"/>
+              <a:t>실습 </a:t>
+            </a:r>
+            <a:r>
+              <a:rPr lang="en-US" altLang="ko-KR" dirty="0"/>
+              <a:t>3. Atom</a:t>
+            </a:r>
+            <a:r>
+              <a:rPr lang="ko-KR" altLang="en-US" dirty="0"/>
+              <a:t>으로 </a:t>
+            </a:r>
+            <a:r>
+              <a:rPr lang="en-US" altLang="ko-KR" dirty="0"/>
+              <a:t>hello.html</a:t>
+            </a:r>
+            <a:r>
+              <a:rPr lang="ko-KR" altLang="en-US" dirty="0"/>
+              <a:t> 스크립트 작성</a:t>
+            </a:r>
+            <a:endParaRPr lang="en-US" altLang="ko-KR" dirty="0"/>
+          </a:p>
+          <a:p>
+            <a:pPr lvl="1"/>
+            <a:r>
+              <a:rPr lang="en-US" altLang="ko-KR" dirty="0"/>
+              <a:t>‘Hello JavaScript’ </a:t>
+            </a:r>
+            <a:r>
+              <a:rPr lang="ko-KR" altLang="en-US" dirty="0"/>
+              <a:t>를 </a:t>
+            </a:r>
+            <a:r>
+              <a:rPr lang="en-US" altLang="ko-KR" dirty="0"/>
+              <a:t>alert </a:t>
+            </a:r>
+            <a:r>
+              <a:rPr lang="ko-KR" altLang="en-US" dirty="0"/>
+              <a:t>명령어로 불러보세요</a:t>
+            </a:r>
+            <a:r>
+              <a:rPr lang="en-US" altLang="ko-KR" dirty="0"/>
+              <a:t>.</a:t>
+            </a:r>
+          </a:p>
+          <a:p>
+            <a:pPr lvl="1"/>
+            <a:r>
+              <a:rPr lang="ko-KR" altLang="en-US" dirty="0"/>
+              <a:t>실습을 따라할 것</a:t>
+            </a:r>
+            <a:endParaRPr lang="en-US" altLang="ko-KR" dirty="0"/>
+          </a:p>
+          <a:p>
+            <a:endParaRPr lang="en-US" altLang="ko-KR" dirty="0"/>
+          </a:p>
+          <a:p>
+            <a:r>
+              <a:rPr lang="ko-KR" altLang="en-US" dirty="0"/>
+              <a:t>실습 </a:t>
+            </a:r>
+            <a:r>
+              <a:rPr lang="en-US" altLang="ko-KR" dirty="0"/>
+              <a:t>4. Atom</a:t>
+            </a:r>
+            <a:r>
+              <a:rPr lang="ko-KR" altLang="en-US" dirty="0"/>
+              <a:t>으로 </a:t>
+            </a:r>
+            <a:r>
+              <a:rPr lang="en-US" altLang="ko-KR" dirty="0"/>
+              <a:t>numerical.html </a:t>
+            </a:r>
+            <a:r>
+              <a:rPr lang="ko-KR" altLang="en-US" dirty="0"/>
+              <a:t>스크립트 작성</a:t>
+            </a:r>
+            <a:endParaRPr lang="en-US" altLang="ko-KR" dirty="0"/>
+          </a:p>
+          <a:p>
+            <a:pPr lvl="1"/>
+            <a:r>
+              <a:rPr lang="ko-KR" altLang="en-US" dirty="0"/>
+              <a:t>자바스크립트</a:t>
+            </a:r>
+            <a:r>
+              <a:rPr lang="en-US" altLang="ko-KR" dirty="0"/>
+              <a:t>-console </a:t>
+            </a:r>
+            <a:r>
+              <a:rPr lang="ko-KR" altLang="en-US" dirty="0"/>
+              <a:t>명령어로 이하의 결과를 확인하세요</a:t>
+            </a:r>
+            <a:endParaRPr lang="en-US" altLang="ko-KR" dirty="0"/>
+          </a:p>
+          <a:p>
+            <a:pPr lvl="2"/>
+            <a:r>
+              <a:rPr lang="en-US" altLang="ko-KR" dirty="0"/>
+              <a:t>1+1</a:t>
+            </a:r>
+          </a:p>
+          <a:p>
+            <a:pPr lvl="2"/>
+            <a:r>
+              <a:rPr lang="en-US" altLang="ko-KR" dirty="0"/>
+              <a:t>1.2+1.3</a:t>
+            </a:r>
+          </a:p>
+          <a:p>
+            <a:pPr lvl="2"/>
+            <a:r>
+              <a:rPr lang="en-US" altLang="ko-KR" dirty="0" err="1">
+                <a:solidFill>
+                  <a:srgbClr val="00B050"/>
+                </a:solidFill>
+              </a:rPr>
+              <a:t>Math</a:t>
+            </a:r>
+            <a:r>
+              <a:rPr lang="en-US" altLang="ko-KR" dirty="0" err="1"/>
+              <a:t>.pow</a:t>
+            </a:r>
+            <a:r>
+              <a:rPr lang="en-US" altLang="ko-KR" dirty="0"/>
+              <a:t>(</a:t>
+            </a:r>
+            <a:r>
+              <a:rPr lang="en-US" altLang="ko-KR" dirty="0" err="1"/>
+              <a:t>a,b</a:t>
+            </a:r>
+            <a:r>
+              <a:rPr lang="en-US" altLang="ko-KR" dirty="0"/>
+              <a:t>); </a:t>
+            </a:r>
+            <a:r>
+              <a:rPr lang="en-US" altLang="ko-KR" dirty="0" err="1">
+                <a:solidFill>
+                  <a:srgbClr val="00B050"/>
+                </a:solidFill>
+              </a:rPr>
+              <a:t>Math</a:t>
+            </a:r>
+            <a:r>
+              <a:rPr lang="en-US" altLang="ko-KR" dirty="0" err="1"/>
+              <a:t>.round</a:t>
+            </a:r>
+            <a:r>
+              <a:rPr lang="en-US" altLang="ko-KR" dirty="0"/>
+              <a:t>(10.6); </a:t>
+            </a:r>
+            <a:r>
+              <a:rPr lang="en-US" altLang="ko-KR" dirty="0" err="1">
+                <a:solidFill>
+                  <a:srgbClr val="00B050"/>
+                </a:solidFill>
+              </a:rPr>
+              <a:t>Math</a:t>
+            </a:r>
+            <a:r>
+              <a:rPr lang="en-US" altLang="ko-KR" dirty="0" err="1"/>
+              <a:t>.ceil</a:t>
+            </a:r>
+            <a:r>
+              <a:rPr lang="en-US" altLang="ko-KR" dirty="0"/>
+              <a:t>(10.2); </a:t>
+            </a:r>
+            <a:r>
+              <a:rPr lang="en-US" altLang="ko-KR" dirty="0" err="1">
+                <a:solidFill>
+                  <a:srgbClr val="00B050"/>
+                </a:solidFill>
+              </a:rPr>
+              <a:t>Math</a:t>
+            </a:r>
+            <a:r>
+              <a:rPr lang="en-US" altLang="ko-KR" dirty="0" err="1"/>
+              <a:t>.floor</a:t>
+            </a:r>
+            <a:r>
+              <a:rPr lang="en-US" altLang="ko-KR" dirty="0"/>
+              <a:t>(10.6)</a:t>
+            </a:r>
+          </a:p>
+          <a:p>
+            <a:pPr lvl="2"/>
+            <a:r>
+              <a:rPr lang="en-US" altLang="ko-KR" dirty="0" err="1">
+                <a:solidFill>
+                  <a:srgbClr val="00B050"/>
+                </a:solidFill>
+              </a:rPr>
+              <a:t>Math</a:t>
+            </a:r>
+            <a:r>
+              <a:rPr lang="en-US" altLang="ko-KR" dirty="0" err="1"/>
+              <a:t>.sqrt</a:t>
+            </a:r>
+            <a:r>
+              <a:rPr lang="en-US" altLang="ko-KR" dirty="0"/>
+              <a:t>(9); </a:t>
+            </a:r>
+            <a:r>
+              <a:rPr lang="en-US" altLang="ko-KR" dirty="0" err="1">
+                <a:solidFill>
+                  <a:srgbClr val="00B050"/>
+                </a:solidFill>
+              </a:rPr>
+              <a:t>Math</a:t>
+            </a:r>
+            <a:r>
+              <a:rPr lang="en-US" altLang="ko-KR" dirty="0" err="1"/>
+              <a:t>.random</a:t>
+            </a:r>
+            <a:r>
+              <a:rPr lang="en-US" altLang="ko-KR" dirty="0"/>
+              <a:t>();</a:t>
+            </a:r>
+          </a:p>
+          <a:p>
+            <a:pPr lvl="2"/>
+            <a:endParaRPr lang="en-US" altLang="ko-KR" dirty="0"/>
+          </a:p>
+          <a:p>
+            <a:pPr lvl="2"/>
+            <a:endParaRPr lang="en-US" altLang="ko-KR" dirty="0"/>
+          </a:p>
+        </p:txBody>
+      </p:sp>
+    </p:spTree>
+    <p:extLst>
+      <p:ext uri="{BB962C8B-B14F-4D97-AF65-F5344CB8AC3E}">
+        <p14:creationId xmlns:p14="http://schemas.microsoft.com/office/powerpoint/2010/main" val="3189184244"/>
+      </p:ext>
+    </p:extLst>
+  </p:cSld>
+  <p:clrMapOvr>
+    <a:masterClrMapping/>
+  </p:clrMapOvr>
+</p:sld>
+</file>
+
+<file path=ppt/slides/slide21.xml><?xml version="1.0" encoding="utf-8"?>
+<p:sld xmlns:a="http://schemas.openxmlformats.org/drawingml/2006/main" xmlns:r="http://schemas.openxmlformats.org/officeDocument/2006/relationships" xmlns:p="http://schemas.openxmlformats.org/presentationml/2006/main">
+  <p:cSld>
+    <p:spTree>
+      <p:nvGrpSpPr>
+        <p:cNvPr id="1" name=""/>
+        <p:cNvGrpSpPr/>
+        <p:nvPr/>
+      </p:nvGrpSpPr>
+      <p:grpSpPr>
+        <a:xfrm>
+          <a:off x="0" y="0"/>
+          <a:ext cx="0" cy="0"/>
+          <a:chOff x="0" y="0"/>
+          <a:chExt cx="0" cy="0"/>
+        </a:xfrm>
+      </p:grpSpPr>
+      <p:sp>
+        <p:nvSpPr>
+          <p:cNvPr id="2" name="제목 1">
+            <a:extLst>
+              <a:ext uri="{FF2B5EF4-FFF2-40B4-BE49-F238E27FC236}">
+                <a16:creationId xmlns:a16="http://schemas.microsoft.com/office/drawing/2014/main" id="{0C84825E-7338-4483-B041-1E8D539AB194}"/>
+              </a:ext>
+            </a:extLst>
+          </p:cNvPr>
+          <p:cNvSpPr>
+            <a:spLocks noGrp="1"/>
+          </p:cNvSpPr>
+          <p:nvPr>
+            <p:ph type="title"/>
+          </p:nvPr>
+        </p:nvSpPr>
+        <p:spPr/>
+        <p:txBody>
+          <a:bodyPr/>
+          <a:lstStyle/>
+          <a:p>
+            <a:r>
+              <a:rPr lang="en-US" altLang="ko-KR" dirty="0"/>
+              <a:t>Hello</a:t>
+            </a:r>
+            <a:r>
+              <a:rPr lang="ko-KR" altLang="en-US" dirty="0"/>
+              <a:t> </a:t>
+            </a:r>
+            <a:r>
+              <a:rPr lang="en-US" altLang="ko-KR" dirty="0"/>
+              <a:t>JavaScript - </a:t>
+            </a:r>
+            <a:r>
+              <a:rPr lang="ko-KR" altLang="en-US" dirty="0"/>
+              <a:t>문자</a:t>
+            </a:r>
+          </a:p>
+        </p:txBody>
+      </p:sp>
+      <p:sp>
+        <p:nvSpPr>
+          <p:cNvPr id="3" name="내용 개체 틀 2">
+            <a:extLst>
+              <a:ext uri="{FF2B5EF4-FFF2-40B4-BE49-F238E27FC236}">
+                <a16:creationId xmlns:a16="http://schemas.microsoft.com/office/drawing/2014/main" id="{F869418B-9BE8-48DE-80B2-4EB21480E2E5}"/>
+              </a:ext>
+            </a:extLst>
+          </p:cNvPr>
+          <p:cNvSpPr>
+            <a:spLocks noGrp="1"/>
+          </p:cNvSpPr>
+          <p:nvPr>
+            <p:ph idx="1"/>
+          </p:nvPr>
+        </p:nvSpPr>
+        <p:spPr/>
+        <p:txBody>
+          <a:bodyPr/>
+          <a:lstStyle/>
+          <a:p>
+            <a:r>
+              <a:rPr lang="ko-KR" altLang="en-US" dirty="0"/>
+              <a:t>실습 </a:t>
+            </a:r>
+            <a:r>
+              <a:rPr lang="en-US" altLang="ko-KR" dirty="0"/>
+              <a:t>5-1. </a:t>
+            </a:r>
+            <a:r>
+              <a:rPr lang="ko-KR" altLang="en-US" dirty="0"/>
+              <a:t>구글 크롬에서 이하 코드 작성</a:t>
+            </a:r>
+            <a:r>
+              <a:rPr lang="en-US" altLang="ko-KR" dirty="0"/>
+              <a:t>!</a:t>
+            </a:r>
+          </a:p>
+          <a:p>
+            <a:pPr lvl="1"/>
+            <a:r>
+              <a:rPr lang="en-US" altLang="ko-KR" dirty="0">
+                <a:solidFill>
+                  <a:srgbClr val="00B050"/>
+                </a:solidFill>
+              </a:rPr>
+              <a:t>alert</a:t>
+            </a:r>
+            <a:r>
+              <a:rPr lang="en-US" altLang="ko-KR" dirty="0"/>
+              <a:t>("coding everybody");</a:t>
+            </a:r>
+          </a:p>
+          <a:p>
+            <a:pPr lvl="1"/>
+            <a:r>
+              <a:rPr lang="en-US" altLang="ko-KR" dirty="0">
+                <a:solidFill>
+                  <a:srgbClr val="00B050"/>
+                </a:solidFill>
+              </a:rPr>
+              <a:t>alert</a:t>
+            </a:r>
+            <a:r>
+              <a:rPr lang="en-US" altLang="ko-KR" dirty="0"/>
+              <a:t>('coding everybody');</a:t>
+            </a:r>
+          </a:p>
+          <a:p>
+            <a:pPr lvl="1"/>
+            <a:r>
+              <a:rPr lang="en-US" altLang="ko-KR" dirty="0">
+                <a:solidFill>
+                  <a:srgbClr val="00B050"/>
+                </a:solidFill>
+              </a:rPr>
+              <a:t>alert</a:t>
+            </a:r>
+            <a:r>
+              <a:rPr lang="en-US" altLang="ko-KR" dirty="0"/>
+              <a:t>(</a:t>
+            </a:r>
+            <a:r>
+              <a:rPr lang="en-US" altLang="ko-KR" dirty="0" err="1"/>
+              <a:t>typeof</a:t>
+            </a:r>
+            <a:r>
+              <a:rPr lang="en-US" altLang="ko-KR" dirty="0"/>
+              <a:t> "1") vs</a:t>
+            </a:r>
+            <a:r>
+              <a:rPr lang="ko-KR" altLang="en-US" dirty="0"/>
+              <a:t> </a:t>
+            </a:r>
+            <a:r>
+              <a:rPr lang="en-US" altLang="ko-KR" dirty="0"/>
+              <a:t>alert(</a:t>
+            </a:r>
+            <a:r>
+              <a:rPr lang="en-US" altLang="ko-KR" dirty="0" err="1"/>
+              <a:t>typeof</a:t>
+            </a:r>
+            <a:r>
+              <a:rPr lang="en-US" altLang="ko-KR" dirty="0"/>
+              <a:t> 1)</a:t>
+            </a:r>
+          </a:p>
+          <a:p>
+            <a:pPr lvl="1"/>
+            <a:endParaRPr lang="en-US" altLang="ko-KR" dirty="0"/>
+          </a:p>
+          <a:p>
+            <a:pPr lvl="1"/>
+            <a:r>
+              <a:rPr lang="en-US" altLang="ko-KR" dirty="0"/>
+              <a:t>Q1. </a:t>
+            </a:r>
+            <a:r>
+              <a:rPr lang="ko-KR" altLang="en-US" dirty="0"/>
+              <a:t>문자열 내부에 따옴표나 큰따옴표를 넣고 싶다면</a:t>
+            </a:r>
+            <a:r>
+              <a:rPr lang="en-US" altLang="ko-KR" dirty="0"/>
+              <a:t>?</a:t>
+            </a:r>
+          </a:p>
+          <a:p>
+            <a:pPr lvl="2"/>
+            <a:endParaRPr lang="en-US" altLang="ko-KR" dirty="0"/>
+          </a:p>
+          <a:p>
+            <a:pPr lvl="1"/>
+            <a:r>
+              <a:rPr lang="en-US" altLang="ko-KR" dirty="0"/>
+              <a:t>Q2. </a:t>
+            </a:r>
+            <a:r>
+              <a:rPr lang="ko-KR" altLang="en-US" dirty="0" err="1"/>
+              <a:t>행변경</a:t>
+            </a:r>
+            <a:r>
+              <a:rPr lang="en-US" altLang="ko-KR" dirty="0"/>
+              <a:t>(</a:t>
+            </a:r>
+            <a:r>
+              <a:rPr lang="ko-KR" altLang="en-US" dirty="0" err="1"/>
+              <a:t>엔터키</a:t>
+            </a:r>
+            <a:r>
+              <a:rPr lang="en-US" altLang="ko-KR" dirty="0"/>
+              <a:t>)</a:t>
+            </a:r>
+            <a:r>
+              <a:rPr lang="ko-KR" altLang="en-US" dirty="0"/>
+              <a:t>는 어떻게 해야 될까</a:t>
+            </a:r>
+            <a:r>
+              <a:rPr lang="en-US" altLang="ko-KR" dirty="0"/>
+              <a:t>?</a:t>
+            </a:r>
+          </a:p>
+          <a:p>
+            <a:pPr lvl="2"/>
+            <a:endParaRPr lang="en-US" altLang="ko-KR" dirty="0"/>
+          </a:p>
+          <a:p>
+            <a:endParaRPr lang="en-US" altLang="ko-KR" dirty="0"/>
+          </a:p>
+        </p:txBody>
+      </p:sp>
+    </p:spTree>
+    <p:extLst>
+      <p:ext uri="{BB962C8B-B14F-4D97-AF65-F5344CB8AC3E}">
+        <p14:creationId xmlns:p14="http://schemas.microsoft.com/office/powerpoint/2010/main" val="2057140417"/>
+      </p:ext>
+    </p:extLst>
+  </p:cSld>
+  <p:clrMapOvr>
+    <a:masterClrMapping/>
+  </p:clrMapOvr>
+</p:sld>
+</file>
+
+<file path=ppt/slides/slide22.xml><?xml version="1.0" encoding="utf-8"?>
+<p:sld xmlns:a="http://schemas.openxmlformats.org/drawingml/2006/main" xmlns:r="http://schemas.openxmlformats.org/officeDocument/2006/relationships" xmlns:p="http://schemas.openxmlformats.org/presentationml/2006/main">
+  <p:cSld>
+    <p:spTree>
+      <p:nvGrpSpPr>
+        <p:cNvPr id="1" name=""/>
+        <p:cNvGrpSpPr/>
+        <p:nvPr/>
+      </p:nvGrpSpPr>
+      <p:grpSpPr>
+        <a:xfrm>
+          <a:off x="0" y="0"/>
+          <a:ext cx="0" cy="0"/>
+          <a:chOff x="0" y="0"/>
+          <a:chExt cx="0" cy="0"/>
+        </a:xfrm>
+      </p:grpSpPr>
+      <p:sp>
+        <p:nvSpPr>
+          <p:cNvPr id="2" name="제목 1">
+            <a:extLst>
+              <a:ext uri="{FF2B5EF4-FFF2-40B4-BE49-F238E27FC236}">
+                <a16:creationId xmlns:a16="http://schemas.microsoft.com/office/drawing/2014/main" id="{0C84825E-7338-4483-B041-1E8D539AB194}"/>
+              </a:ext>
+            </a:extLst>
+          </p:cNvPr>
+          <p:cNvSpPr>
+            <a:spLocks noGrp="1"/>
+          </p:cNvSpPr>
+          <p:nvPr>
+            <p:ph type="title"/>
+          </p:nvPr>
+        </p:nvSpPr>
+        <p:spPr/>
+        <p:txBody>
+          <a:bodyPr/>
+          <a:lstStyle/>
+          <a:p>
+            <a:r>
+              <a:rPr lang="en-US" altLang="ko-KR" dirty="0"/>
+              <a:t>Hello</a:t>
+            </a:r>
+            <a:r>
+              <a:rPr lang="ko-KR" altLang="en-US" dirty="0"/>
+              <a:t> </a:t>
+            </a:r>
+            <a:r>
+              <a:rPr lang="en-US" altLang="ko-KR" dirty="0"/>
+              <a:t>JavaScript - </a:t>
+            </a:r>
+            <a:r>
+              <a:rPr lang="ko-KR" altLang="en-US" dirty="0"/>
+              <a:t>문자</a:t>
+            </a:r>
+          </a:p>
+        </p:txBody>
+      </p:sp>
+      <p:sp>
+        <p:nvSpPr>
+          <p:cNvPr id="3" name="내용 개체 틀 2">
+            <a:extLst>
+              <a:ext uri="{FF2B5EF4-FFF2-40B4-BE49-F238E27FC236}">
+                <a16:creationId xmlns:a16="http://schemas.microsoft.com/office/drawing/2014/main" id="{F869418B-9BE8-48DE-80B2-4EB21480E2E5}"/>
+              </a:ext>
+            </a:extLst>
+          </p:cNvPr>
+          <p:cNvSpPr>
+            <a:spLocks noGrp="1"/>
+          </p:cNvSpPr>
+          <p:nvPr>
+            <p:ph idx="1"/>
+          </p:nvPr>
+        </p:nvSpPr>
+        <p:spPr/>
+        <p:txBody>
+          <a:bodyPr>
+            <a:normAutofit fontScale="92500" lnSpcReduction="10000"/>
+          </a:bodyPr>
+          <a:lstStyle/>
+          <a:p>
+            <a:r>
+              <a:rPr lang="ko-KR" altLang="en-US" dirty="0"/>
+              <a:t>실습 </a:t>
+            </a:r>
+            <a:r>
+              <a:rPr lang="en-US" altLang="ko-KR" dirty="0"/>
+              <a:t>5-1. </a:t>
+            </a:r>
+            <a:r>
+              <a:rPr lang="ko-KR" altLang="en-US" dirty="0"/>
+              <a:t>구글 크롬에서 이하 코드 작성</a:t>
+            </a:r>
+            <a:r>
+              <a:rPr lang="en-US" altLang="ko-KR" dirty="0"/>
+              <a:t>!</a:t>
+            </a:r>
+          </a:p>
+          <a:p>
+            <a:pPr lvl="1"/>
+            <a:r>
+              <a:rPr lang="en-US" altLang="ko-KR" dirty="0">
+                <a:solidFill>
+                  <a:srgbClr val="00B050"/>
+                </a:solidFill>
+              </a:rPr>
+              <a:t>alert</a:t>
+            </a:r>
+            <a:r>
+              <a:rPr lang="en-US" altLang="ko-KR" dirty="0"/>
+              <a:t>("coding everybody");</a:t>
+            </a:r>
+          </a:p>
+          <a:p>
+            <a:pPr lvl="1"/>
+            <a:r>
+              <a:rPr lang="en-US" altLang="ko-KR" dirty="0">
+                <a:solidFill>
+                  <a:srgbClr val="00B050"/>
+                </a:solidFill>
+              </a:rPr>
+              <a:t>alert</a:t>
+            </a:r>
+            <a:r>
+              <a:rPr lang="en-US" altLang="ko-KR" dirty="0"/>
+              <a:t>('coding everybody');</a:t>
+            </a:r>
+          </a:p>
+          <a:p>
+            <a:pPr lvl="1"/>
+            <a:r>
+              <a:rPr lang="en-US" altLang="ko-KR" dirty="0">
+                <a:solidFill>
+                  <a:srgbClr val="00B050"/>
+                </a:solidFill>
+              </a:rPr>
+              <a:t>alert</a:t>
+            </a:r>
+            <a:r>
+              <a:rPr lang="en-US" altLang="ko-KR" dirty="0"/>
+              <a:t>(</a:t>
+            </a:r>
+            <a:r>
+              <a:rPr lang="en-US" altLang="ko-KR" dirty="0" err="1"/>
+              <a:t>typeof</a:t>
+            </a:r>
+            <a:r>
+              <a:rPr lang="en-US" altLang="ko-KR" dirty="0"/>
+              <a:t> "1") vs</a:t>
+            </a:r>
+            <a:r>
+              <a:rPr lang="ko-KR" altLang="en-US" dirty="0"/>
+              <a:t> </a:t>
+            </a:r>
+            <a:r>
+              <a:rPr lang="en-US" altLang="ko-KR" dirty="0"/>
+              <a:t>alert(</a:t>
+            </a:r>
+            <a:r>
+              <a:rPr lang="en-US" altLang="ko-KR" dirty="0" err="1"/>
+              <a:t>typeof</a:t>
+            </a:r>
+            <a:r>
+              <a:rPr lang="en-US" altLang="ko-KR" dirty="0"/>
+              <a:t> 1)</a:t>
+            </a:r>
+          </a:p>
+          <a:p>
+            <a:pPr lvl="1"/>
+            <a:endParaRPr lang="en-US" altLang="ko-KR" dirty="0"/>
+          </a:p>
+          <a:p>
+            <a:pPr lvl="1"/>
+            <a:r>
+              <a:rPr lang="en-US" altLang="ko-KR" dirty="0"/>
+              <a:t>Q1. </a:t>
+            </a:r>
+            <a:r>
+              <a:rPr lang="ko-KR" altLang="en-US" dirty="0"/>
+              <a:t>문자열 내부에 따옴표나 큰따옴표를 넣고 싶다면</a:t>
+            </a:r>
+            <a:r>
+              <a:rPr lang="en-US" altLang="ko-KR" dirty="0"/>
+              <a:t>?</a:t>
+            </a:r>
+          </a:p>
+          <a:p>
+            <a:pPr lvl="1"/>
+            <a:endParaRPr lang="en-US" altLang="ko-KR" dirty="0"/>
+          </a:p>
+          <a:p>
+            <a:pPr lvl="1"/>
+            <a:r>
+              <a:rPr lang="en-US" altLang="ko-KR" dirty="0"/>
+              <a:t>Q2. </a:t>
+            </a:r>
+            <a:r>
+              <a:rPr lang="ko-KR" altLang="en-US" dirty="0" err="1"/>
+              <a:t>행변경</a:t>
+            </a:r>
+            <a:r>
+              <a:rPr lang="en-US" altLang="ko-KR" dirty="0"/>
+              <a:t>(</a:t>
+            </a:r>
+            <a:r>
+              <a:rPr lang="ko-KR" altLang="en-US" dirty="0" err="1"/>
+              <a:t>엔터키</a:t>
+            </a:r>
+            <a:r>
+              <a:rPr lang="en-US" altLang="ko-KR" dirty="0"/>
+              <a:t>)</a:t>
+            </a:r>
+            <a:r>
+              <a:rPr lang="ko-KR" altLang="en-US" dirty="0"/>
+              <a:t>는 어떻게 해야 될까</a:t>
+            </a:r>
+            <a:r>
+              <a:rPr lang="en-US" altLang="ko-KR" dirty="0"/>
+              <a:t>?</a:t>
+            </a:r>
+          </a:p>
+          <a:p>
+            <a:endParaRPr lang="en-US" altLang="ko-KR" dirty="0"/>
+          </a:p>
+          <a:p>
+            <a:r>
+              <a:rPr lang="ko-KR" altLang="en-US" dirty="0"/>
+              <a:t>실습 </a:t>
+            </a:r>
+            <a:r>
+              <a:rPr lang="en-US" altLang="ko-KR" dirty="0"/>
+              <a:t>5-2. </a:t>
+            </a:r>
+            <a:r>
+              <a:rPr lang="ko-KR" altLang="en-US" dirty="0"/>
+              <a:t>구글 크롬에서 이하 코드 작성</a:t>
+            </a:r>
+            <a:r>
+              <a:rPr lang="en-US" altLang="ko-KR" dirty="0"/>
+              <a:t>!</a:t>
+            </a:r>
+          </a:p>
+          <a:p>
+            <a:pPr lvl="1"/>
+            <a:r>
+              <a:rPr lang="en-US" altLang="ko-KR" dirty="0">
+                <a:solidFill>
+                  <a:srgbClr val="00B050"/>
+                </a:solidFill>
+              </a:rPr>
+              <a:t>alert</a:t>
+            </a:r>
+            <a:r>
+              <a:rPr lang="en-US" altLang="ko-KR" dirty="0"/>
+              <a:t>("coding"+" everybody");</a:t>
+            </a:r>
+          </a:p>
+          <a:p>
+            <a:pPr lvl="1"/>
+            <a:r>
+              <a:rPr lang="en-US" altLang="ko-KR" dirty="0">
+                <a:solidFill>
+                  <a:srgbClr val="00B050"/>
+                </a:solidFill>
+              </a:rPr>
+              <a:t>alert</a:t>
+            </a:r>
+            <a:r>
+              <a:rPr lang="en-US" altLang="ko-KR" dirty="0"/>
+              <a:t>("coding </a:t>
+            </a:r>
+            <a:r>
+              <a:rPr lang="en-US" altLang="ko-KR" dirty="0" err="1"/>
+              <a:t>everybody".length</a:t>
+            </a:r>
+            <a:r>
+              <a:rPr lang="en-US" altLang="ko-KR" dirty="0"/>
+              <a:t>)</a:t>
+            </a:r>
+          </a:p>
+        </p:txBody>
+      </p:sp>
+    </p:spTree>
+    <p:extLst>
+      <p:ext uri="{BB962C8B-B14F-4D97-AF65-F5344CB8AC3E}">
+        <p14:creationId xmlns:p14="http://schemas.microsoft.com/office/powerpoint/2010/main" val="4184769041"/>
+      </p:ext>
+    </p:extLst>
+  </p:cSld>
+  <p:clrMapOvr>
+    <a:masterClrMapping/>
+  </p:clrMapOvr>
+</p:sld>
+</file>
+
+<file path=ppt/slides/slide23.xml><?xml version="1.0" encoding="utf-8"?>
+<p:sld xmlns:a="http://schemas.openxmlformats.org/drawingml/2006/main" xmlns:r="http://schemas.openxmlformats.org/officeDocument/2006/relationships" xmlns:p="http://schemas.openxmlformats.org/presentationml/2006/main">
+  <p:cSld>
+    <p:spTree>
+      <p:nvGrpSpPr>
+        <p:cNvPr id="1" name=""/>
+        <p:cNvGrpSpPr/>
+        <p:nvPr/>
+      </p:nvGrpSpPr>
+      <p:grpSpPr>
+        <a:xfrm>
+          <a:off x="0" y="0"/>
+          <a:ext cx="0" cy="0"/>
+          <a:chOff x="0" y="0"/>
+          <a:chExt cx="0" cy="0"/>
+        </a:xfrm>
+      </p:grpSpPr>
+      <p:sp>
+        <p:nvSpPr>
+          <p:cNvPr id="2" name="제목 1">
+            <a:extLst>
+              <a:ext uri="{FF2B5EF4-FFF2-40B4-BE49-F238E27FC236}">
+                <a16:creationId xmlns:a16="http://schemas.microsoft.com/office/drawing/2014/main" id="{0C84825E-7338-4483-B041-1E8D539AB194}"/>
+              </a:ext>
+            </a:extLst>
+          </p:cNvPr>
+          <p:cNvSpPr>
+            <a:spLocks noGrp="1"/>
+          </p:cNvSpPr>
+          <p:nvPr>
+            <p:ph type="title"/>
+          </p:nvPr>
+        </p:nvSpPr>
+        <p:spPr/>
+        <p:txBody>
+          <a:bodyPr/>
+          <a:lstStyle/>
+          <a:p>
+            <a:r>
+              <a:rPr lang="en-US" altLang="ko-KR" dirty="0"/>
+              <a:t>Hello</a:t>
+            </a:r>
+            <a:r>
+              <a:rPr lang="ko-KR" altLang="en-US" dirty="0"/>
+              <a:t> </a:t>
+            </a:r>
+            <a:r>
+              <a:rPr lang="en-US" altLang="ko-KR" dirty="0"/>
+              <a:t>JavaScript – </a:t>
+            </a:r>
+            <a:r>
+              <a:rPr lang="ko-KR" altLang="en-US" dirty="0"/>
+              <a:t>변수와</a:t>
+            </a:r>
+            <a:r>
+              <a:rPr lang="en-US" altLang="ko-KR" dirty="0"/>
+              <a:t> </a:t>
+            </a:r>
+            <a:r>
+              <a:rPr lang="ko-KR" altLang="en-US" dirty="0"/>
+              <a:t>주석</a:t>
+            </a:r>
+          </a:p>
+        </p:txBody>
+      </p:sp>
+      <p:sp>
+        <p:nvSpPr>
+          <p:cNvPr id="3" name="내용 개체 틀 2">
+            <a:extLst>
+              <a:ext uri="{FF2B5EF4-FFF2-40B4-BE49-F238E27FC236}">
+                <a16:creationId xmlns:a16="http://schemas.microsoft.com/office/drawing/2014/main" id="{F869418B-9BE8-48DE-80B2-4EB21480E2E5}"/>
+              </a:ext>
+            </a:extLst>
+          </p:cNvPr>
+          <p:cNvSpPr>
+            <a:spLocks noGrp="1"/>
+          </p:cNvSpPr>
+          <p:nvPr>
+            <p:ph idx="1"/>
+          </p:nvPr>
+        </p:nvSpPr>
+        <p:spPr/>
+        <p:txBody>
+          <a:bodyPr/>
+          <a:lstStyle/>
+          <a:p>
+            <a:r>
+              <a:rPr lang="en-US" altLang="ko-KR" dirty="0"/>
+              <a:t>JavaScript</a:t>
+            </a:r>
+            <a:r>
+              <a:rPr lang="ko-KR" altLang="en-US" dirty="0"/>
+              <a:t>에서의 </a:t>
+            </a:r>
+            <a:r>
+              <a:rPr lang="ko-KR" altLang="en-US" dirty="0">
+                <a:solidFill>
+                  <a:srgbClr val="00B050"/>
+                </a:solidFill>
+              </a:rPr>
+              <a:t>변수</a:t>
+            </a:r>
+            <a:endParaRPr lang="en-US" altLang="ko-KR" dirty="0">
+              <a:solidFill>
+                <a:srgbClr val="00B050"/>
+              </a:solidFill>
+            </a:endParaRPr>
+          </a:p>
+          <a:p>
+            <a:pPr lvl="1"/>
+            <a:r>
+              <a:rPr lang="en-US" altLang="ko-KR" dirty="0" err="1">
+                <a:solidFill>
+                  <a:srgbClr val="00B050"/>
+                </a:solidFill>
+              </a:rPr>
+              <a:t>var</a:t>
+            </a:r>
+            <a:r>
+              <a:rPr lang="ko-KR" altLang="en-US" dirty="0"/>
+              <a:t> </a:t>
+            </a:r>
+            <a:r>
+              <a:rPr lang="en-US" altLang="ko-KR" dirty="0"/>
+              <a:t>a = 1;</a:t>
+            </a:r>
+            <a:br>
+              <a:rPr lang="en-US" altLang="ko-KR" dirty="0"/>
+            </a:br>
+            <a:r>
+              <a:rPr lang="en-US" altLang="ko-KR" dirty="0"/>
+              <a:t>alert(a+1);</a:t>
+            </a:r>
+          </a:p>
+          <a:p>
+            <a:pPr lvl="1"/>
+            <a:endParaRPr lang="en-US" altLang="ko-KR" dirty="0"/>
+          </a:p>
+        </p:txBody>
+      </p:sp>
+    </p:spTree>
+    <p:extLst>
+      <p:ext uri="{BB962C8B-B14F-4D97-AF65-F5344CB8AC3E}">
+        <p14:creationId xmlns:p14="http://schemas.microsoft.com/office/powerpoint/2010/main" val="2364924028"/>
+      </p:ext>
+    </p:extLst>
+  </p:cSld>
+  <p:clrMapOvr>
+    <a:masterClrMapping/>
+  </p:clrMapOvr>
+</p:sld>
+</file>
+
+<file path=ppt/slides/slide24.xml><?xml version="1.0" encoding="utf-8"?>
+<p:sld xmlns:a="http://schemas.openxmlformats.org/drawingml/2006/main" xmlns:r="http://schemas.openxmlformats.org/officeDocument/2006/relationships" xmlns:p="http://schemas.openxmlformats.org/presentationml/2006/main">
+  <p:cSld>
+    <p:spTree>
+      <p:nvGrpSpPr>
+        <p:cNvPr id="1" name=""/>
+        <p:cNvGrpSpPr/>
+        <p:nvPr/>
+      </p:nvGrpSpPr>
+      <p:grpSpPr>
+        <a:xfrm>
+          <a:off x="0" y="0"/>
+          <a:ext cx="0" cy="0"/>
+          <a:chOff x="0" y="0"/>
+          <a:chExt cx="0" cy="0"/>
+        </a:xfrm>
+      </p:grpSpPr>
+      <p:sp>
+        <p:nvSpPr>
+          <p:cNvPr id="2" name="제목 1">
+            <a:extLst>
+              <a:ext uri="{FF2B5EF4-FFF2-40B4-BE49-F238E27FC236}">
+                <a16:creationId xmlns:a16="http://schemas.microsoft.com/office/drawing/2014/main" id="{0C84825E-7338-4483-B041-1E8D539AB194}"/>
+              </a:ext>
+            </a:extLst>
+          </p:cNvPr>
+          <p:cNvSpPr>
+            <a:spLocks noGrp="1"/>
+          </p:cNvSpPr>
+          <p:nvPr>
+            <p:ph type="title"/>
+          </p:nvPr>
+        </p:nvSpPr>
+        <p:spPr/>
+        <p:txBody>
+          <a:bodyPr/>
+          <a:lstStyle/>
+          <a:p>
+            <a:r>
+              <a:rPr lang="en-US" altLang="ko-KR" dirty="0"/>
+              <a:t>Hello</a:t>
+            </a:r>
+            <a:r>
+              <a:rPr lang="ko-KR" altLang="en-US" dirty="0"/>
+              <a:t> </a:t>
+            </a:r>
+            <a:r>
+              <a:rPr lang="en-US" altLang="ko-KR" dirty="0"/>
+              <a:t>JavaScript – </a:t>
+            </a:r>
+            <a:r>
+              <a:rPr lang="ko-KR" altLang="en-US" dirty="0"/>
+              <a:t>변수와</a:t>
+            </a:r>
+            <a:r>
+              <a:rPr lang="en-US" altLang="ko-KR" dirty="0"/>
+              <a:t> </a:t>
+            </a:r>
+            <a:r>
+              <a:rPr lang="ko-KR" altLang="en-US" dirty="0"/>
+              <a:t>주석</a:t>
+            </a:r>
+          </a:p>
+        </p:txBody>
+      </p:sp>
+      <p:sp>
+        <p:nvSpPr>
+          <p:cNvPr id="3" name="내용 개체 틀 2">
+            <a:extLst>
+              <a:ext uri="{FF2B5EF4-FFF2-40B4-BE49-F238E27FC236}">
+                <a16:creationId xmlns:a16="http://schemas.microsoft.com/office/drawing/2014/main" id="{F869418B-9BE8-48DE-80B2-4EB21480E2E5}"/>
+              </a:ext>
+            </a:extLst>
+          </p:cNvPr>
+          <p:cNvSpPr>
+            <a:spLocks noGrp="1"/>
+          </p:cNvSpPr>
+          <p:nvPr>
+            <p:ph idx="1"/>
+          </p:nvPr>
+        </p:nvSpPr>
+        <p:spPr/>
+        <p:txBody>
+          <a:bodyPr/>
+          <a:lstStyle/>
+          <a:p>
+            <a:r>
+              <a:rPr lang="en-US" altLang="ko-KR" dirty="0"/>
+              <a:t>JavaScript</a:t>
+            </a:r>
+            <a:r>
+              <a:rPr lang="ko-KR" altLang="en-US" dirty="0"/>
+              <a:t>에서의 </a:t>
+            </a:r>
+            <a:r>
+              <a:rPr lang="ko-KR" altLang="en-US" dirty="0">
+                <a:solidFill>
+                  <a:srgbClr val="00B050"/>
+                </a:solidFill>
+              </a:rPr>
+              <a:t>변수</a:t>
+            </a:r>
+            <a:endParaRPr lang="en-US" altLang="ko-KR" dirty="0">
+              <a:solidFill>
+                <a:srgbClr val="00B050"/>
+              </a:solidFill>
+            </a:endParaRPr>
+          </a:p>
+          <a:p>
+            <a:pPr lvl="1"/>
+            <a:r>
+              <a:rPr lang="en-US" altLang="ko-KR" dirty="0" err="1">
+                <a:solidFill>
+                  <a:srgbClr val="00B050"/>
+                </a:solidFill>
+              </a:rPr>
+              <a:t>var</a:t>
+            </a:r>
+            <a:r>
+              <a:rPr lang="ko-KR" altLang="en-US" dirty="0"/>
+              <a:t> </a:t>
+            </a:r>
+            <a:r>
+              <a:rPr lang="en-US" altLang="ko-KR" dirty="0"/>
+              <a:t>a = 1;</a:t>
+            </a:r>
+            <a:br>
+              <a:rPr lang="en-US" altLang="ko-KR" dirty="0"/>
+            </a:br>
+            <a:r>
+              <a:rPr lang="en-US" altLang="ko-KR" dirty="0"/>
+              <a:t>alert(a+1);</a:t>
+            </a:r>
+          </a:p>
+          <a:p>
+            <a:pPr lvl="1"/>
+            <a:endParaRPr lang="en-US" altLang="ko-KR" dirty="0"/>
+          </a:p>
+          <a:p>
+            <a:r>
+              <a:rPr lang="en-US" altLang="ko-KR" dirty="0"/>
+              <a:t>JavaScript</a:t>
+            </a:r>
+            <a:r>
+              <a:rPr lang="ko-KR" altLang="en-US" dirty="0"/>
+              <a:t>에서의 </a:t>
+            </a:r>
+            <a:r>
+              <a:rPr lang="ko-KR" altLang="en-US" dirty="0">
+                <a:solidFill>
+                  <a:srgbClr val="00B050"/>
+                </a:solidFill>
+              </a:rPr>
+              <a:t>주석</a:t>
+            </a:r>
+            <a:endParaRPr lang="en-US" altLang="ko-KR" dirty="0">
+              <a:solidFill>
+                <a:srgbClr val="00B050"/>
+              </a:solidFill>
+            </a:endParaRPr>
+          </a:p>
+          <a:p>
+            <a:pPr lvl="1"/>
+            <a:r>
+              <a:rPr lang="en-US" altLang="ko-KR" dirty="0">
+                <a:solidFill>
+                  <a:srgbClr val="FF0000"/>
+                </a:solidFill>
+              </a:rPr>
+              <a:t>//</a:t>
+            </a:r>
+          </a:p>
+          <a:p>
+            <a:pPr lvl="1"/>
+            <a:r>
+              <a:rPr lang="en-US" altLang="ko-KR" dirty="0">
+                <a:solidFill>
+                  <a:srgbClr val="FF0000"/>
+                </a:solidFill>
+              </a:rPr>
+              <a:t>/*</a:t>
+            </a:r>
+            <a:br>
+              <a:rPr lang="en-US" altLang="ko-KR" dirty="0">
+                <a:solidFill>
+                  <a:srgbClr val="FF0000"/>
+                </a:solidFill>
+              </a:rPr>
+            </a:br>
+            <a:r>
+              <a:rPr lang="en-US" altLang="ko-KR" dirty="0">
+                <a:solidFill>
+                  <a:srgbClr val="FF0000"/>
+                </a:solidFill>
+              </a:rPr>
+              <a:t>multiple</a:t>
+            </a:r>
+            <a:br>
+              <a:rPr lang="en-US" altLang="ko-KR" dirty="0">
+                <a:solidFill>
+                  <a:srgbClr val="FF0000"/>
+                </a:solidFill>
+              </a:rPr>
+            </a:br>
+            <a:r>
+              <a:rPr lang="en-US" altLang="ko-KR" dirty="0">
+                <a:solidFill>
+                  <a:srgbClr val="FF0000"/>
+                </a:solidFill>
+              </a:rPr>
+              <a:t>line</a:t>
+            </a:r>
+            <a:br>
+              <a:rPr lang="en-US" altLang="ko-KR" dirty="0">
+                <a:solidFill>
+                  <a:srgbClr val="FF0000"/>
+                </a:solidFill>
+              </a:rPr>
+            </a:br>
+            <a:r>
+              <a:rPr lang="en-US" altLang="ko-KR" dirty="0">
+                <a:solidFill>
+                  <a:srgbClr val="FF0000"/>
+                </a:solidFill>
+              </a:rPr>
+              <a:t>comment</a:t>
+            </a:r>
+            <a:br>
+              <a:rPr lang="en-US" altLang="ko-KR" dirty="0">
+                <a:solidFill>
+                  <a:srgbClr val="FF0000"/>
+                </a:solidFill>
+              </a:rPr>
+            </a:br>
+            <a:r>
+              <a:rPr lang="en-US" altLang="ko-KR" dirty="0">
+                <a:solidFill>
+                  <a:srgbClr val="FF0000"/>
+                </a:solidFill>
+              </a:rPr>
+              <a:t>*/</a:t>
+            </a:r>
+          </a:p>
+        </p:txBody>
+      </p:sp>
+    </p:spTree>
+    <p:extLst>
+      <p:ext uri="{BB962C8B-B14F-4D97-AF65-F5344CB8AC3E}">
+        <p14:creationId xmlns:p14="http://schemas.microsoft.com/office/powerpoint/2010/main" val="3585238234"/>
+      </p:ext>
+    </p:extLst>
+  </p:cSld>
+  <p:clrMapOvr>
+    <a:masterClrMapping/>
+  </p:clrMapOvr>
+</p:sld>
+</file>
+
+<file path=ppt/slides/slide25.xml><?xml version="1.0" encoding="utf-8"?>
+<p:sld xmlns:a="http://schemas.openxmlformats.org/drawingml/2006/main" xmlns:r="http://schemas.openxmlformats.org/officeDocument/2006/relationships" xmlns:p="http://schemas.openxmlformats.org/presentationml/2006/main">
+  <p:cSld>
+    <p:spTree>
+      <p:nvGrpSpPr>
+        <p:cNvPr id="1" name=""/>
+        <p:cNvGrpSpPr/>
+        <p:nvPr/>
+      </p:nvGrpSpPr>
+      <p:grpSpPr>
+        <a:xfrm>
+          <a:off x="0" y="0"/>
+          <a:ext cx="0" cy="0"/>
+          <a:chOff x="0" y="0"/>
+          <a:chExt cx="0" cy="0"/>
+        </a:xfrm>
+      </p:grpSpPr>
+      <p:sp>
+        <p:nvSpPr>
+          <p:cNvPr id="2" name="제목 1">
+            <a:extLst>
+              <a:ext uri="{FF2B5EF4-FFF2-40B4-BE49-F238E27FC236}">
+                <a16:creationId xmlns:a16="http://schemas.microsoft.com/office/drawing/2014/main" id="{0C84825E-7338-4483-B041-1E8D539AB194}"/>
+              </a:ext>
+            </a:extLst>
+          </p:cNvPr>
+          <p:cNvSpPr>
+            <a:spLocks noGrp="1"/>
+          </p:cNvSpPr>
+          <p:nvPr>
+            <p:ph type="title"/>
+          </p:nvPr>
+        </p:nvSpPr>
+        <p:spPr/>
+        <p:txBody>
+          <a:bodyPr/>
+          <a:lstStyle/>
+          <a:p>
+            <a:r>
+              <a:rPr lang="en-US" altLang="ko-KR" dirty="0"/>
+              <a:t>Hello</a:t>
+            </a:r>
+            <a:r>
+              <a:rPr lang="ko-KR" altLang="en-US" dirty="0"/>
+              <a:t> </a:t>
+            </a:r>
+            <a:r>
+              <a:rPr lang="en-US" altLang="ko-KR" dirty="0"/>
+              <a:t>JavaScript – </a:t>
+            </a:r>
+            <a:r>
+              <a:rPr lang="ko-KR" altLang="en-US" dirty="0"/>
+              <a:t>연산자</a:t>
+            </a:r>
+            <a:r>
+              <a:rPr lang="en-US" altLang="ko-KR" dirty="0"/>
+              <a:t>/</a:t>
+            </a:r>
+            <a:r>
+              <a:rPr lang="ko-KR" altLang="en-US" dirty="0"/>
+              <a:t>조건</a:t>
+            </a:r>
+            <a:r>
+              <a:rPr lang="en-US" altLang="ko-KR" dirty="0"/>
+              <a:t>/</a:t>
+            </a:r>
+            <a:r>
+              <a:rPr lang="ko-KR" altLang="en-US" dirty="0"/>
+              <a:t>반복</a:t>
+            </a:r>
+          </a:p>
+        </p:txBody>
+      </p:sp>
+      <p:sp>
+        <p:nvSpPr>
+          <p:cNvPr id="3" name="내용 개체 틀 2">
+            <a:extLst>
+              <a:ext uri="{FF2B5EF4-FFF2-40B4-BE49-F238E27FC236}">
+                <a16:creationId xmlns:a16="http://schemas.microsoft.com/office/drawing/2014/main" id="{F869418B-9BE8-48DE-80B2-4EB21480E2E5}"/>
+              </a:ext>
+            </a:extLst>
+          </p:cNvPr>
+          <p:cNvSpPr>
+            <a:spLocks noGrp="1"/>
+          </p:cNvSpPr>
+          <p:nvPr>
+            <p:ph idx="1"/>
+          </p:nvPr>
+        </p:nvSpPr>
+        <p:spPr/>
+        <p:txBody>
+          <a:bodyPr>
+            <a:normAutofit/>
+          </a:bodyPr>
+          <a:lstStyle/>
+          <a:p>
+            <a:r>
+              <a:rPr lang="en-US" altLang="ko-KR" dirty="0"/>
+              <a:t>JavaScript</a:t>
+            </a:r>
+            <a:r>
+              <a:rPr lang="ko-KR" altLang="en-US" dirty="0"/>
+              <a:t>에서 </a:t>
+            </a:r>
+            <a:r>
+              <a:rPr lang="ko-KR" altLang="en-US" dirty="0">
+                <a:solidFill>
+                  <a:srgbClr val="FF0000"/>
+                </a:solidFill>
+              </a:rPr>
+              <a:t>연산자</a:t>
+            </a:r>
+            <a:r>
+              <a:rPr lang="ko-KR" altLang="en-US" dirty="0"/>
+              <a:t>의 종류</a:t>
+            </a:r>
+            <a:endParaRPr lang="en-US" altLang="ko-KR" dirty="0"/>
+          </a:p>
+          <a:p>
+            <a:pPr lvl="1"/>
+            <a:r>
+              <a:rPr lang="en-US" altLang="ko-KR" dirty="0"/>
+              <a:t>== : equal</a:t>
+            </a:r>
+          </a:p>
+          <a:p>
+            <a:pPr lvl="1"/>
+            <a:r>
+              <a:rPr lang="en-US" altLang="ko-KR" dirty="0"/>
+              <a:t>!= : not equal</a:t>
+            </a:r>
+          </a:p>
+          <a:p>
+            <a:pPr lvl="1"/>
+            <a:r>
+              <a:rPr lang="en-US" altLang="ko-KR" dirty="0"/>
+              <a:t>&lt;, &gt;: bracket</a:t>
+            </a:r>
+          </a:p>
+          <a:p>
+            <a:pPr lvl="1"/>
+            <a:r>
+              <a:rPr lang="en-US" altLang="ko-KR" dirty="0">
+                <a:solidFill>
+                  <a:srgbClr val="0070C0"/>
+                </a:solidFill>
+              </a:rPr>
+              <a:t>true</a:t>
+            </a:r>
+            <a:r>
+              <a:rPr lang="en-US" altLang="ko-KR" dirty="0"/>
+              <a:t> &amp; </a:t>
+            </a:r>
+            <a:r>
+              <a:rPr lang="en-US" altLang="ko-KR" dirty="0">
+                <a:solidFill>
+                  <a:srgbClr val="0070C0"/>
+                </a:solidFill>
+              </a:rPr>
+              <a:t>false</a:t>
+            </a:r>
+          </a:p>
+          <a:p>
+            <a:pPr lvl="1"/>
+            <a:r>
+              <a:rPr lang="en-US" altLang="ko-KR" dirty="0"/>
+              <a:t>&amp;&amp; : and</a:t>
+            </a:r>
+          </a:p>
+          <a:p>
+            <a:pPr lvl="1"/>
+            <a:r>
+              <a:rPr lang="en-US" altLang="ko-KR" dirty="0"/>
+              <a:t>|| : or</a:t>
+            </a:r>
+          </a:p>
+          <a:p>
+            <a:pPr lvl="1"/>
+            <a:endParaRPr lang="en-US" altLang="ko-KR" dirty="0"/>
+          </a:p>
+          <a:p>
+            <a:pPr lvl="1"/>
+            <a:endParaRPr lang="en-US" altLang="ko-KR" dirty="0"/>
+          </a:p>
+        </p:txBody>
+      </p:sp>
+    </p:spTree>
+    <p:extLst>
+      <p:ext uri="{BB962C8B-B14F-4D97-AF65-F5344CB8AC3E}">
+        <p14:creationId xmlns:p14="http://schemas.microsoft.com/office/powerpoint/2010/main" val="378829732"/>
+      </p:ext>
+    </p:extLst>
+  </p:cSld>
+  <p:clrMapOvr>
+    <a:masterClrMapping/>
+  </p:clrMapOvr>
+</p:sld>
+</file>
+
+<file path=ppt/slides/slide26.xml><?xml version="1.0" encoding="utf-8"?>
+<p:sld xmlns:a="http://schemas.openxmlformats.org/drawingml/2006/main" xmlns:r="http://schemas.openxmlformats.org/officeDocument/2006/relationships" xmlns:p="http://schemas.openxmlformats.org/presentationml/2006/main">
+  <p:cSld>
+    <p:spTree>
+      <p:nvGrpSpPr>
+        <p:cNvPr id="1" name=""/>
+        <p:cNvGrpSpPr/>
+        <p:nvPr/>
+      </p:nvGrpSpPr>
+      <p:grpSpPr>
+        <a:xfrm>
+          <a:off x="0" y="0"/>
+          <a:ext cx="0" cy="0"/>
+          <a:chOff x="0" y="0"/>
+          <a:chExt cx="0" cy="0"/>
+        </a:xfrm>
+      </p:grpSpPr>
+      <p:sp>
+        <p:nvSpPr>
+          <p:cNvPr id="2" name="제목 1">
+            <a:extLst>
+              <a:ext uri="{FF2B5EF4-FFF2-40B4-BE49-F238E27FC236}">
+                <a16:creationId xmlns:a16="http://schemas.microsoft.com/office/drawing/2014/main" id="{0C84825E-7338-4483-B041-1E8D539AB194}"/>
+              </a:ext>
+            </a:extLst>
+          </p:cNvPr>
+          <p:cNvSpPr>
+            <a:spLocks noGrp="1"/>
+          </p:cNvSpPr>
+          <p:nvPr>
+            <p:ph type="title"/>
+          </p:nvPr>
+        </p:nvSpPr>
+        <p:spPr/>
+        <p:txBody>
+          <a:bodyPr/>
+          <a:lstStyle/>
+          <a:p>
+            <a:r>
+              <a:rPr lang="en-US" altLang="ko-KR" dirty="0"/>
+              <a:t>Hello</a:t>
+            </a:r>
+            <a:r>
+              <a:rPr lang="ko-KR" altLang="en-US" dirty="0"/>
+              <a:t> </a:t>
+            </a:r>
+            <a:r>
+              <a:rPr lang="en-US" altLang="ko-KR" dirty="0"/>
+              <a:t>JavaScript – </a:t>
+            </a:r>
+            <a:r>
+              <a:rPr lang="ko-KR" altLang="en-US" dirty="0"/>
+              <a:t>연산자</a:t>
+            </a:r>
+            <a:r>
+              <a:rPr lang="en-US" altLang="ko-KR" dirty="0"/>
+              <a:t>/</a:t>
+            </a:r>
+            <a:r>
+              <a:rPr lang="ko-KR" altLang="en-US" dirty="0"/>
+              <a:t>조건</a:t>
+            </a:r>
+            <a:r>
+              <a:rPr lang="en-US" altLang="ko-KR" dirty="0"/>
+              <a:t>/</a:t>
+            </a:r>
+            <a:r>
+              <a:rPr lang="ko-KR" altLang="en-US" dirty="0"/>
+              <a:t>반복</a:t>
+            </a:r>
+          </a:p>
+        </p:txBody>
+      </p:sp>
+      <p:sp>
+        <p:nvSpPr>
+          <p:cNvPr id="3" name="내용 개체 틀 2">
+            <a:extLst>
+              <a:ext uri="{FF2B5EF4-FFF2-40B4-BE49-F238E27FC236}">
+                <a16:creationId xmlns:a16="http://schemas.microsoft.com/office/drawing/2014/main" id="{F869418B-9BE8-48DE-80B2-4EB21480E2E5}"/>
+              </a:ext>
+            </a:extLst>
+          </p:cNvPr>
+          <p:cNvSpPr>
+            <a:spLocks noGrp="1"/>
+          </p:cNvSpPr>
+          <p:nvPr>
+            <p:ph idx="1"/>
+          </p:nvPr>
+        </p:nvSpPr>
+        <p:spPr/>
+        <p:txBody>
+          <a:bodyPr>
+            <a:normAutofit fontScale="92500" lnSpcReduction="20000"/>
+          </a:bodyPr>
+          <a:lstStyle/>
+          <a:p>
+            <a:r>
+              <a:rPr lang="en-US" altLang="ko-KR" dirty="0"/>
+              <a:t>JavaScript</a:t>
+            </a:r>
+            <a:r>
+              <a:rPr lang="ko-KR" altLang="en-US" dirty="0"/>
+              <a:t>에서</a:t>
+            </a:r>
+            <a:r>
+              <a:rPr lang="en-US" altLang="ko-KR" dirty="0"/>
+              <a:t> </a:t>
+            </a:r>
+            <a:r>
+              <a:rPr lang="ko-KR" altLang="en-US" dirty="0">
+                <a:solidFill>
+                  <a:srgbClr val="FF0000"/>
+                </a:solidFill>
+              </a:rPr>
+              <a:t>연산자의</a:t>
+            </a:r>
+            <a:r>
+              <a:rPr lang="ko-KR" altLang="en-US" dirty="0"/>
+              <a:t> 종류</a:t>
+            </a:r>
+            <a:endParaRPr lang="en-US" altLang="ko-KR" dirty="0"/>
+          </a:p>
+          <a:p>
+            <a:pPr lvl="1"/>
+            <a:r>
+              <a:rPr lang="en-US" altLang="ko-KR" dirty="0"/>
+              <a:t>== : equal</a:t>
+            </a:r>
+          </a:p>
+          <a:p>
+            <a:pPr lvl="1"/>
+            <a:r>
+              <a:rPr lang="en-US" altLang="ko-KR" dirty="0"/>
+              <a:t>!= : not equal</a:t>
+            </a:r>
+          </a:p>
+          <a:p>
+            <a:pPr lvl="1"/>
+            <a:r>
+              <a:rPr lang="en-US" altLang="ko-KR" dirty="0"/>
+              <a:t>&lt;, &gt;: bracket</a:t>
+            </a:r>
+          </a:p>
+          <a:p>
+            <a:pPr lvl="1"/>
+            <a:r>
+              <a:rPr lang="en-US" altLang="ko-KR" dirty="0">
+                <a:solidFill>
+                  <a:srgbClr val="0070C0"/>
+                </a:solidFill>
+              </a:rPr>
+              <a:t>true</a:t>
+            </a:r>
+            <a:r>
+              <a:rPr lang="en-US" altLang="ko-KR" dirty="0"/>
+              <a:t> &amp; </a:t>
+            </a:r>
+            <a:r>
+              <a:rPr lang="en-US" altLang="ko-KR" dirty="0">
+                <a:solidFill>
+                  <a:srgbClr val="0070C0"/>
+                </a:solidFill>
+              </a:rPr>
+              <a:t>false</a:t>
+            </a:r>
+          </a:p>
+          <a:p>
+            <a:pPr lvl="1"/>
+            <a:r>
+              <a:rPr lang="en-US" altLang="ko-KR" dirty="0"/>
+              <a:t>&amp;&amp; : and</a:t>
+            </a:r>
+          </a:p>
+          <a:p>
+            <a:pPr lvl="1"/>
+            <a:r>
+              <a:rPr lang="en-US" altLang="ko-KR" dirty="0"/>
+              <a:t>|| : or</a:t>
+            </a:r>
+          </a:p>
+          <a:p>
+            <a:endParaRPr lang="en-US" altLang="ko-KR" dirty="0"/>
+          </a:p>
+          <a:p>
+            <a:r>
+              <a:rPr lang="en-US" altLang="ko-KR" dirty="0"/>
+              <a:t>JavaScript</a:t>
+            </a:r>
+            <a:r>
+              <a:rPr lang="ko-KR" altLang="en-US" dirty="0"/>
+              <a:t>의 </a:t>
+            </a:r>
+            <a:r>
+              <a:rPr lang="ko-KR" altLang="en-US" dirty="0">
+                <a:solidFill>
+                  <a:srgbClr val="FF0000"/>
+                </a:solidFill>
+              </a:rPr>
+              <a:t>조건문은</a:t>
+            </a:r>
+            <a:r>
+              <a:rPr lang="ko-KR" altLang="en-US" dirty="0"/>
+              <a:t> </a:t>
+            </a:r>
+            <a:r>
+              <a:rPr lang="en-US" altLang="ko-KR" dirty="0"/>
+              <a:t>C</a:t>
+            </a:r>
+            <a:r>
+              <a:rPr lang="ko-KR" altLang="en-US" dirty="0"/>
+              <a:t>에서의 그것과 동일</a:t>
+            </a:r>
+            <a:endParaRPr lang="en-US" altLang="ko-KR" dirty="0"/>
+          </a:p>
+          <a:p>
+            <a:pPr lvl="1"/>
+            <a:r>
+              <a:rPr lang="en-US" altLang="ko-KR" dirty="0"/>
+              <a:t>if(</a:t>
+            </a:r>
+            <a:r>
+              <a:rPr lang="en-US" altLang="ko-KR" i="1" dirty="0"/>
+              <a:t>condition</a:t>
+            </a:r>
+            <a:r>
+              <a:rPr lang="en-US" altLang="ko-KR" dirty="0"/>
+              <a:t>) {</a:t>
+            </a:r>
+            <a:br>
+              <a:rPr lang="en-US" altLang="ko-KR" dirty="0"/>
+            </a:br>
+            <a:r>
+              <a:rPr lang="en-US" altLang="ko-KR" dirty="0"/>
+              <a:t>		alert(‘result : true’);</a:t>
+            </a:r>
+            <a:br>
+              <a:rPr lang="en-US" altLang="ko-KR" dirty="0"/>
+            </a:br>
+            <a:r>
+              <a:rPr lang="en-US" altLang="ko-KR" dirty="0"/>
+              <a:t>}</a:t>
+            </a:r>
+          </a:p>
+          <a:p>
+            <a:pPr lvl="1"/>
+            <a:r>
+              <a:rPr lang="en-US" altLang="ko-KR" dirty="0"/>
+              <a:t>else</a:t>
+            </a:r>
+          </a:p>
+          <a:p>
+            <a:pPr lvl="1"/>
+            <a:r>
+              <a:rPr lang="en-US" altLang="ko-KR" dirty="0"/>
+              <a:t>else if</a:t>
+            </a:r>
+          </a:p>
+          <a:p>
+            <a:pPr lvl="1"/>
+            <a:endParaRPr lang="en-US" altLang="ko-KR" dirty="0"/>
+          </a:p>
+          <a:p>
+            <a:pPr lvl="1"/>
+            <a:endParaRPr lang="en-US" altLang="ko-KR" dirty="0"/>
+          </a:p>
+        </p:txBody>
+      </p:sp>
+    </p:spTree>
+    <p:extLst>
+      <p:ext uri="{BB962C8B-B14F-4D97-AF65-F5344CB8AC3E}">
+        <p14:creationId xmlns:p14="http://schemas.microsoft.com/office/powerpoint/2010/main" val="2584180614"/>
+      </p:ext>
+    </p:extLst>
+  </p:cSld>
+  <p:clrMapOvr>
+    <a:masterClrMapping/>
+  </p:clrMapOvr>
+</p:sld>
+</file>
+
+<file path=ppt/slides/slide27.xml><?xml version="1.0" encoding="utf-8"?>
+<p:sld xmlns:a="http://schemas.openxmlformats.org/drawingml/2006/main" xmlns:r="http://schemas.openxmlformats.org/officeDocument/2006/relationships" xmlns:p="http://schemas.openxmlformats.org/presentationml/2006/main">
+  <p:cSld>
+    <p:spTree>
+      <p:nvGrpSpPr>
+        <p:cNvPr id="1" name=""/>
+        <p:cNvGrpSpPr/>
+        <p:nvPr/>
+      </p:nvGrpSpPr>
+      <p:grpSpPr>
+        <a:xfrm>
+          <a:off x="0" y="0"/>
+          <a:ext cx="0" cy="0"/>
+          <a:chOff x="0" y="0"/>
+          <a:chExt cx="0" cy="0"/>
+        </a:xfrm>
+      </p:grpSpPr>
+      <p:sp>
+        <p:nvSpPr>
+          <p:cNvPr id="2" name="제목 1">
+            <a:extLst>
+              <a:ext uri="{FF2B5EF4-FFF2-40B4-BE49-F238E27FC236}">
+                <a16:creationId xmlns:a16="http://schemas.microsoft.com/office/drawing/2014/main" id="{0C84825E-7338-4483-B041-1E8D539AB194}"/>
+              </a:ext>
+            </a:extLst>
+          </p:cNvPr>
+          <p:cNvSpPr>
+            <a:spLocks noGrp="1"/>
+          </p:cNvSpPr>
+          <p:nvPr>
+            <p:ph type="title"/>
+          </p:nvPr>
+        </p:nvSpPr>
+        <p:spPr/>
+        <p:txBody>
+          <a:bodyPr/>
+          <a:lstStyle/>
+          <a:p>
+            <a:r>
+              <a:rPr lang="en-US" altLang="ko-KR" dirty="0"/>
+              <a:t>Hello</a:t>
+            </a:r>
+            <a:r>
+              <a:rPr lang="ko-KR" altLang="en-US" dirty="0"/>
+              <a:t> </a:t>
+            </a:r>
+            <a:r>
+              <a:rPr lang="en-US" altLang="ko-KR" dirty="0"/>
+              <a:t>JavaScript – </a:t>
+            </a:r>
+            <a:r>
+              <a:rPr lang="ko-KR" altLang="en-US" dirty="0"/>
+              <a:t>연산자</a:t>
+            </a:r>
+            <a:r>
+              <a:rPr lang="en-US" altLang="ko-KR" dirty="0"/>
+              <a:t>/</a:t>
+            </a:r>
+            <a:r>
+              <a:rPr lang="ko-KR" altLang="en-US" dirty="0"/>
+              <a:t>조건</a:t>
+            </a:r>
+            <a:r>
+              <a:rPr lang="en-US" altLang="ko-KR" dirty="0"/>
+              <a:t>/</a:t>
+            </a:r>
+            <a:r>
+              <a:rPr lang="ko-KR" altLang="en-US" dirty="0"/>
+              <a:t>반복</a:t>
+            </a:r>
+          </a:p>
+        </p:txBody>
+      </p:sp>
+      <p:sp>
+        <p:nvSpPr>
+          <p:cNvPr id="3" name="내용 개체 틀 2">
+            <a:extLst>
+              <a:ext uri="{FF2B5EF4-FFF2-40B4-BE49-F238E27FC236}">
+                <a16:creationId xmlns:a16="http://schemas.microsoft.com/office/drawing/2014/main" id="{F869418B-9BE8-48DE-80B2-4EB21480E2E5}"/>
+              </a:ext>
+            </a:extLst>
+          </p:cNvPr>
+          <p:cNvSpPr>
+            <a:spLocks noGrp="1"/>
+          </p:cNvSpPr>
+          <p:nvPr>
+            <p:ph idx="1"/>
+          </p:nvPr>
+        </p:nvSpPr>
+        <p:spPr/>
+        <p:txBody>
+          <a:bodyPr/>
+          <a:lstStyle/>
+          <a:p>
+            <a:r>
+              <a:rPr lang="ko-KR" altLang="en-US" dirty="0"/>
+              <a:t>실습 </a:t>
+            </a:r>
+            <a:r>
+              <a:rPr lang="en-US" altLang="ko-KR" dirty="0"/>
+              <a:t>6-1 – idmatch.html </a:t>
+            </a:r>
+            <a:r>
+              <a:rPr lang="ko-KR" altLang="en-US" dirty="0"/>
+              <a:t>스크립트 생성</a:t>
+            </a:r>
+            <a:endParaRPr lang="en-US" altLang="ko-KR" dirty="0"/>
+          </a:p>
+          <a:p>
+            <a:pPr lvl="1"/>
+            <a:r>
+              <a:rPr lang="en-US" altLang="ko-KR" dirty="0">
+                <a:solidFill>
+                  <a:srgbClr val="00B050"/>
+                </a:solidFill>
+              </a:rPr>
+              <a:t>prompt</a:t>
+            </a:r>
+            <a:r>
+              <a:rPr lang="en-US" altLang="ko-KR" dirty="0"/>
+              <a:t>();</a:t>
+            </a:r>
+            <a:br>
+              <a:rPr lang="en-US" altLang="ko-KR" dirty="0"/>
+            </a:br>
+            <a:r>
+              <a:rPr lang="ko-KR" altLang="en-US" dirty="0"/>
+              <a:t>사용자로부터 정보를 받아내는 기능을 가지는 함수</a:t>
+            </a:r>
+            <a:endParaRPr lang="en-US" altLang="ko-KR" dirty="0"/>
+          </a:p>
+          <a:p>
+            <a:pPr lvl="1"/>
+            <a:endParaRPr lang="en-US" altLang="ko-KR" dirty="0"/>
+          </a:p>
+          <a:p>
+            <a:pPr lvl="1"/>
+            <a:r>
+              <a:rPr lang="ko-KR" altLang="en-US" dirty="0"/>
+              <a:t>이 함수를 활용해 사용자로부터 아이디</a:t>
+            </a:r>
+            <a:r>
+              <a:rPr lang="en-US" altLang="ko-KR" dirty="0"/>
+              <a:t>(battleground)</a:t>
+            </a:r>
+            <a:r>
+              <a:rPr lang="ko-KR" altLang="en-US" dirty="0"/>
+              <a:t>를 입력해야</a:t>
+            </a:r>
+            <a:br>
+              <a:rPr lang="en-US" altLang="ko-KR" dirty="0"/>
+            </a:br>
+            <a:r>
+              <a:rPr lang="ko-KR" altLang="en-US" dirty="0"/>
+              <a:t> </a:t>
+            </a:r>
+            <a:br>
+              <a:rPr lang="en-US" altLang="ko-KR" dirty="0"/>
+            </a:br>
+            <a:r>
+              <a:rPr lang="en-US" altLang="ko-KR" dirty="0">
+                <a:solidFill>
+                  <a:srgbClr val="00B050"/>
+                </a:solidFill>
+              </a:rPr>
+              <a:t>‘</a:t>
+            </a:r>
+            <a:r>
+              <a:rPr lang="ko-KR" altLang="en-US" dirty="0">
+                <a:solidFill>
+                  <a:srgbClr val="00B050"/>
+                </a:solidFill>
+              </a:rPr>
+              <a:t>아이디가 일치합니다</a:t>
+            </a:r>
+            <a:r>
+              <a:rPr lang="en-US" altLang="ko-KR" dirty="0">
+                <a:solidFill>
+                  <a:srgbClr val="00B050"/>
+                </a:solidFill>
+              </a:rPr>
+              <a:t>’</a:t>
+            </a:r>
+            <a:r>
+              <a:rPr lang="ko-KR" altLang="en-US" dirty="0"/>
+              <a:t>라는 코드를</a:t>
+            </a:r>
+            <a:r>
+              <a:rPr lang="en-US" altLang="ko-KR" dirty="0"/>
+              <a:t>, </a:t>
+            </a:r>
+            <a:r>
+              <a:rPr lang="ko-KR" altLang="en-US" dirty="0"/>
+              <a:t>그렇지 않으면</a:t>
+            </a:r>
+            <a:br>
+              <a:rPr lang="en-US" altLang="ko-KR" dirty="0"/>
+            </a:br>
+            <a:r>
+              <a:rPr lang="en-US" altLang="ko-KR" dirty="0">
+                <a:solidFill>
+                  <a:srgbClr val="FF0000"/>
+                </a:solidFill>
+              </a:rPr>
+              <a:t>‘</a:t>
+            </a:r>
+            <a:r>
+              <a:rPr lang="ko-KR" altLang="en-US" dirty="0">
+                <a:solidFill>
+                  <a:srgbClr val="FF0000"/>
+                </a:solidFill>
+              </a:rPr>
+              <a:t>아이디가 일치하지 </a:t>
+            </a:r>
+            <a:r>
+              <a:rPr lang="ko-KR" altLang="en-US" dirty="0" err="1">
+                <a:solidFill>
+                  <a:srgbClr val="FF0000"/>
+                </a:solidFill>
+              </a:rPr>
+              <a:t>않습니다＇</a:t>
+            </a:r>
+            <a:r>
+              <a:rPr lang="ko-KR" altLang="en-US" dirty="0" err="1"/>
+              <a:t>라는</a:t>
+            </a:r>
+            <a:r>
+              <a:rPr lang="ko-KR" altLang="en-US" dirty="0"/>
+              <a:t> 경고창을 내는 프로그램 작성</a:t>
+            </a:r>
+            <a:r>
+              <a:rPr lang="en-US" altLang="ko-KR" dirty="0"/>
+              <a:t>!</a:t>
+            </a:r>
+          </a:p>
+          <a:p>
+            <a:endParaRPr lang="en-US" altLang="ko-KR" dirty="0"/>
+          </a:p>
+        </p:txBody>
+      </p:sp>
+    </p:spTree>
+    <p:extLst>
+      <p:ext uri="{BB962C8B-B14F-4D97-AF65-F5344CB8AC3E}">
+        <p14:creationId xmlns:p14="http://schemas.microsoft.com/office/powerpoint/2010/main" val="1776466071"/>
+      </p:ext>
+    </p:extLst>
+  </p:cSld>
+  <p:clrMapOvr>
+    <a:masterClrMapping/>
+  </p:clrMapOvr>
+</p:sld>
+</file>
+
+<file path=ppt/slides/slide28.xml><?xml version="1.0" encoding="utf-8"?>
+<p:sld xmlns:a="http://schemas.openxmlformats.org/drawingml/2006/main" xmlns:r="http://schemas.openxmlformats.org/officeDocument/2006/relationships" xmlns:p="http://schemas.openxmlformats.org/presentationml/2006/main">
+  <p:cSld>
+    <p:spTree>
+      <p:nvGrpSpPr>
+        <p:cNvPr id="1" name=""/>
+        <p:cNvGrpSpPr/>
+        <p:nvPr/>
+      </p:nvGrpSpPr>
+      <p:grpSpPr>
+        <a:xfrm>
+          <a:off x="0" y="0"/>
+          <a:ext cx="0" cy="0"/>
+          <a:chOff x="0" y="0"/>
+          <a:chExt cx="0" cy="0"/>
+        </a:xfrm>
+      </p:grpSpPr>
+      <p:sp>
+        <p:nvSpPr>
+          <p:cNvPr id="2" name="제목 1">
+            <a:extLst>
+              <a:ext uri="{FF2B5EF4-FFF2-40B4-BE49-F238E27FC236}">
+                <a16:creationId xmlns:a16="http://schemas.microsoft.com/office/drawing/2014/main" id="{0C84825E-7338-4483-B041-1E8D539AB194}"/>
+              </a:ext>
+            </a:extLst>
+          </p:cNvPr>
+          <p:cNvSpPr>
+            <a:spLocks noGrp="1"/>
+          </p:cNvSpPr>
+          <p:nvPr>
+            <p:ph type="title"/>
+          </p:nvPr>
+        </p:nvSpPr>
+        <p:spPr/>
+        <p:txBody>
+          <a:bodyPr/>
+          <a:lstStyle/>
+          <a:p>
+            <a:r>
+              <a:rPr lang="en-US" altLang="ko-KR" dirty="0"/>
+              <a:t>Hello</a:t>
+            </a:r>
+            <a:r>
+              <a:rPr lang="ko-KR" altLang="en-US" dirty="0"/>
+              <a:t> </a:t>
+            </a:r>
+            <a:r>
+              <a:rPr lang="en-US" altLang="ko-KR" dirty="0"/>
+              <a:t>JavaScript – </a:t>
+            </a:r>
+            <a:r>
+              <a:rPr lang="ko-KR" altLang="en-US" dirty="0"/>
+              <a:t>연산자</a:t>
+            </a:r>
+            <a:r>
+              <a:rPr lang="en-US" altLang="ko-KR" dirty="0"/>
+              <a:t>/</a:t>
+            </a:r>
+            <a:r>
+              <a:rPr lang="ko-KR" altLang="en-US" dirty="0"/>
+              <a:t>조건</a:t>
+            </a:r>
+            <a:r>
+              <a:rPr lang="en-US" altLang="ko-KR" dirty="0"/>
+              <a:t>/</a:t>
+            </a:r>
+            <a:r>
+              <a:rPr lang="ko-KR" altLang="en-US" dirty="0"/>
+              <a:t>반복</a:t>
+            </a:r>
+          </a:p>
+        </p:txBody>
+      </p:sp>
+      <p:sp>
+        <p:nvSpPr>
+          <p:cNvPr id="3" name="내용 개체 틀 2">
+            <a:extLst>
+              <a:ext uri="{FF2B5EF4-FFF2-40B4-BE49-F238E27FC236}">
+                <a16:creationId xmlns:a16="http://schemas.microsoft.com/office/drawing/2014/main" id="{F869418B-9BE8-48DE-80B2-4EB21480E2E5}"/>
+              </a:ext>
+            </a:extLst>
+          </p:cNvPr>
+          <p:cNvSpPr>
+            <a:spLocks noGrp="1"/>
+          </p:cNvSpPr>
+          <p:nvPr>
+            <p:ph idx="1"/>
+          </p:nvPr>
+        </p:nvSpPr>
+        <p:spPr/>
+        <p:txBody>
+          <a:bodyPr/>
+          <a:lstStyle/>
+          <a:p>
+            <a:r>
+              <a:rPr lang="ko-KR" altLang="en-US" dirty="0"/>
+              <a:t>실습 </a:t>
+            </a:r>
+            <a:r>
+              <a:rPr lang="en-US" altLang="ko-KR" dirty="0"/>
+              <a:t>6-1 – idmatch.html </a:t>
+            </a:r>
+            <a:r>
+              <a:rPr lang="ko-KR" altLang="en-US" dirty="0"/>
+              <a:t>스크립트 생성</a:t>
+            </a:r>
+            <a:endParaRPr lang="en-US" altLang="ko-KR" dirty="0"/>
+          </a:p>
+          <a:p>
+            <a:pPr lvl="1"/>
+            <a:r>
+              <a:rPr lang="en-US" altLang="ko-KR" dirty="0">
+                <a:solidFill>
+                  <a:srgbClr val="00B050"/>
+                </a:solidFill>
+              </a:rPr>
+              <a:t>prompt</a:t>
+            </a:r>
+            <a:r>
+              <a:rPr lang="en-US" altLang="ko-KR" dirty="0"/>
+              <a:t>();</a:t>
+            </a:r>
+            <a:br>
+              <a:rPr lang="en-US" altLang="ko-KR" dirty="0"/>
+            </a:br>
+            <a:r>
+              <a:rPr lang="ko-KR" altLang="en-US" dirty="0"/>
+              <a:t>사용자로부터 정보를 받아내는 기능을 가지는 함수</a:t>
+            </a:r>
+            <a:endParaRPr lang="en-US" altLang="ko-KR" dirty="0"/>
+          </a:p>
+          <a:p>
+            <a:pPr lvl="1"/>
+            <a:endParaRPr lang="en-US" altLang="ko-KR" dirty="0"/>
+          </a:p>
+          <a:p>
+            <a:pPr lvl="1"/>
+            <a:r>
+              <a:rPr lang="ko-KR" altLang="en-US" dirty="0"/>
+              <a:t>이 함수를 활용해 사용자로부터 아이디</a:t>
+            </a:r>
+            <a:r>
+              <a:rPr lang="en-US" altLang="ko-KR" dirty="0"/>
+              <a:t>(battleground)</a:t>
+            </a:r>
+            <a:r>
+              <a:rPr lang="ko-KR" altLang="en-US" dirty="0"/>
+              <a:t>를 입력해야</a:t>
+            </a:r>
+            <a:br>
+              <a:rPr lang="en-US" altLang="ko-KR" dirty="0"/>
+            </a:br>
+            <a:r>
+              <a:rPr lang="ko-KR" altLang="en-US" dirty="0"/>
+              <a:t> </a:t>
+            </a:r>
+            <a:br>
+              <a:rPr lang="en-US" altLang="ko-KR" dirty="0"/>
+            </a:br>
+            <a:r>
+              <a:rPr lang="en-US" altLang="ko-KR" dirty="0">
+                <a:solidFill>
+                  <a:srgbClr val="00B050"/>
+                </a:solidFill>
+              </a:rPr>
+              <a:t>‘</a:t>
+            </a:r>
+            <a:r>
+              <a:rPr lang="ko-KR" altLang="en-US" dirty="0">
+                <a:solidFill>
+                  <a:srgbClr val="00B050"/>
+                </a:solidFill>
+              </a:rPr>
+              <a:t>아이디가 일치합니다</a:t>
+            </a:r>
+            <a:r>
+              <a:rPr lang="en-US" altLang="ko-KR" dirty="0">
+                <a:solidFill>
+                  <a:srgbClr val="00B050"/>
+                </a:solidFill>
+              </a:rPr>
+              <a:t>’</a:t>
+            </a:r>
+            <a:r>
+              <a:rPr lang="ko-KR" altLang="en-US" dirty="0"/>
+              <a:t>라는 코드를</a:t>
+            </a:r>
+            <a:r>
+              <a:rPr lang="en-US" altLang="ko-KR" dirty="0"/>
+              <a:t>, </a:t>
+            </a:r>
+            <a:r>
+              <a:rPr lang="ko-KR" altLang="en-US" dirty="0"/>
+              <a:t>그렇지 않으면</a:t>
+            </a:r>
+            <a:br>
+              <a:rPr lang="en-US" altLang="ko-KR" dirty="0"/>
+            </a:br>
+            <a:r>
+              <a:rPr lang="en-US" altLang="ko-KR" dirty="0">
+                <a:solidFill>
+                  <a:srgbClr val="FF0000"/>
+                </a:solidFill>
+              </a:rPr>
+              <a:t>‘</a:t>
+            </a:r>
+            <a:r>
+              <a:rPr lang="ko-KR" altLang="en-US" dirty="0">
+                <a:solidFill>
+                  <a:srgbClr val="FF0000"/>
+                </a:solidFill>
+              </a:rPr>
+              <a:t>아이디가 일치하지 </a:t>
+            </a:r>
+            <a:r>
+              <a:rPr lang="ko-KR" altLang="en-US" dirty="0" err="1">
+                <a:solidFill>
+                  <a:srgbClr val="FF0000"/>
+                </a:solidFill>
+              </a:rPr>
+              <a:t>않습니다＇</a:t>
+            </a:r>
+            <a:r>
+              <a:rPr lang="ko-KR" altLang="en-US" dirty="0" err="1"/>
+              <a:t>라는</a:t>
+            </a:r>
+            <a:r>
+              <a:rPr lang="ko-KR" altLang="en-US" dirty="0"/>
+              <a:t> 경고창을 내는 프로그램 작성</a:t>
+            </a:r>
+            <a:r>
+              <a:rPr lang="en-US" altLang="ko-KR" dirty="0"/>
+              <a:t>!</a:t>
+            </a:r>
+          </a:p>
+          <a:p>
+            <a:r>
+              <a:rPr lang="ko-KR" altLang="en-US" dirty="0"/>
+              <a:t>실습 </a:t>
+            </a:r>
+            <a:r>
+              <a:rPr lang="en-US" altLang="ko-KR" dirty="0"/>
+              <a:t>6-2 – pwmatch.html </a:t>
+            </a:r>
+            <a:r>
+              <a:rPr lang="ko-KR" altLang="en-US" dirty="0"/>
+              <a:t>스크립트 생성</a:t>
+            </a:r>
+            <a:endParaRPr lang="en-US" altLang="ko-KR" dirty="0"/>
+          </a:p>
+          <a:p>
+            <a:pPr lvl="1"/>
+            <a:r>
+              <a:rPr lang="ko-KR" altLang="en-US" dirty="0"/>
+              <a:t>조건문을 사용해 </a:t>
+            </a:r>
+            <a:r>
+              <a:rPr lang="ko-KR" altLang="en-US" dirty="0" err="1"/>
+              <a:t>비밀번호＇도</a:t>
+            </a:r>
+            <a:r>
+              <a:rPr lang="ko-KR" altLang="en-US" dirty="0"/>
+              <a:t>＇ 검증하는 프로그램 작성</a:t>
+            </a:r>
+            <a:r>
+              <a:rPr lang="en-US" altLang="ko-KR" dirty="0"/>
+              <a:t>!</a:t>
+            </a:r>
+          </a:p>
+        </p:txBody>
+      </p:sp>
+    </p:spTree>
+    <p:extLst>
+      <p:ext uri="{BB962C8B-B14F-4D97-AF65-F5344CB8AC3E}">
+        <p14:creationId xmlns:p14="http://schemas.microsoft.com/office/powerpoint/2010/main" val="3385895664"/>
+      </p:ext>
+    </p:extLst>
+  </p:cSld>
+  <p:clrMapOvr>
+    <a:masterClrMapping/>
+  </p:clrMapOvr>
+</p:sld>
+</file>
+
+<file path=ppt/slides/slide29.xml><?xml version="1.0" encoding="utf-8"?>
+<p:sld xmlns:a="http://schemas.openxmlformats.org/drawingml/2006/main" xmlns:r="http://schemas.openxmlformats.org/officeDocument/2006/relationships" xmlns:p="http://schemas.openxmlformats.org/presentationml/2006/main">
+  <p:cSld>
+    <p:spTree>
+      <p:nvGrpSpPr>
+        <p:cNvPr id="1" name=""/>
+        <p:cNvGrpSpPr/>
+        <p:nvPr/>
+      </p:nvGrpSpPr>
+      <p:grpSpPr>
+        <a:xfrm>
+          <a:off x="0" y="0"/>
+          <a:ext cx="0" cy="0"/>
+          <a:chOff x="0" y="0"/>
+          <a:chExt cx="0" cy="0"/>
+        </a:xfrm>
+      </p:grpSpPr>
+      <p:sp>
+        <p:nvSpPr>
+          <p:cNvPr id="2" name="제목 1">
+            <a:extLst>
+              <a:ext uri="{FF2B5EF4-FFF2-40B4-BE49-F238E27FC236}">
+                <a16:creationId xmlns:a16="http://schemas.microsoft.com/office/drawing/2014/main" id="{0C84825E-7338-4483-B041-1E8D539AB194}"/>
+              </a:ext>
+            </a:extLst>
+          </p:cNvPr>
+          <p:cNvSpPr>
+            <a:spLocks noGrp="1"/>
+          </p:cNvSpPr>
+          <p:nvPr>
+            <p:ph type="title"/>
+          </p:nvPr>
+        </p:nvSpPr>
+        <p:spPr/>
+        <p:txBody>
+          <a:bodyPr/>
+          <a:lstStyle/>
+          <a:p>
+            <a:r>
+              <a:rPr lang="en-US" altLang="ko-KR" dirty="0"/>
+              <a:t>Hello</a:t>
+            </a:r>
+            <a:r>
+              <a:rPr lang="ko-KR" altLang="en-US" dirty="0"/>
+              <a:t> </a:t>
+            </a:r>
+            <a:r>
+              <a:rPr lang="en-US" altLang="ko-KR" dirty="0"/>
+              <a:t>JavaScript – </a:t>
+            </a:r>
+            <a:r>
+              <a:rPr lang="ko-KR" altLang="en-US" dirty="0"/>
+              <a:t>변수와</a:t>
+            </a:r>
+            <a:r>
+              <a:rPr lang="en-US" altLang="ko-KR" dirty="0"/>
+              <a:t> </a:t>
+            </a:r>
+            <a:r>
+              <a:rPr lang="ko-KR" altLang="en-US" dirty="0"/>
+              <a:t>주석</a:t>
+            </a:r>
+          </a:p>
+        </p:txBody>
+      </p:sp>
+      <p:sp>
+        <p:nvSpPr>
+          <p:cNvPr id="3" name="내용 개체 틀 2">
+            <a:extLst>
+              <a:ext uri="{FF2B5EF4-FFF2-40B4-BE49-F238E27FC236}">
+                <a16:creationId xmlns:a16="http://schemas.microsoft.com/office/drawing/2014/main" id="{F869418B-9BE8-48DE-80B2-4EB21480E2E5}"/>
+              </a:ext>
+            </a:extLst>
+          </p:cNvPr>
+          <p:cNvSpPr>
+            <a:spLocks noGrp="1"/>
+          </p:cNvSpPr>
+          <p:nvPr>
+            <p:ph idx="1"/>
+          </p:nvPr>
+        </p:nvSpPr>
+        <p:spPr/>
+        <p:txBody>
+          <a:bodyPr/>
+          <a:lstStyle/>
+          <a:p>
+            <a:r>
+              <a:rPr lang="en-US" altLang="ko-KR" dirty="0" err="1"/>
+              <a:t>document.write</a:t>
+            </a:r>
+            <a:r>
+              <a:rPr lang="en-US" altLang="ko-KR" dirty="0"/>
+              <a:t>(</a:t>
+            </a:r>
+            <a:r>
+              <a:rPr lang="en-US" altLang="ko-KR" dirty="0">
+                <a:solidFill>
+                  <a:schemeClr val="accent1"/>
+                </a:solidFill>
+              </a:rPr>
+              <a:t>‘coding everyday &lt;</a:t>
+            </a:r>
+            <a:r>
+              <a:rPr lang="en-US" altLang="ko-KR" dirty="0" err="1">
+                <a:solidFill>
+                  <a:schemeClr val="accent1"/>
+                </a:solidFill>
+              </a:rPr>
+              <a:t>br</a:t>
+            </a:r>
+            <a:r>
+              <a:rPr lang="en-US" altLang="ko-KR" dirty="0">
+                <a:solidFill>
+                  <a:schemeClr val="accent1"/>
+                </a:solidFill>
+              </a:rPr>
+              <a:t> /&gt;</a:t>
+            </a:r>
+            <a:r>
+              <a:rPr lang="en-US" altLang="ko-KR" dirty="0"/>
+              <a:t>);</a:t>
+            </a:r>
+          </a:p>
+          <a:p>
+            <a:r>
+              <a:rPr lang="en-US" altLang="ko-KR" dirty="0"/>
+              <a:t>JavaScript</a:t>
+            </a:r>
+            <a:r>
+              <a:rPr lang="ko-KR" altLang="en-US" dirty="0"/>
+              <a:t>에서의 </a:t>
+            </a:r>
+            <a:r>
+              <a:rPr lang="ko-KR" altLang="en-US" dirty="0">
+                <a:solidFill>
+                  <a:srgbClr val="FF0000"/>
+                </a:solidFill>
+              </a:rPr>
+              <a:t>반복문</a:t>
+            </a:r>
+            <a:r>
+              <a:rPr lang="ko-KR" altLang="en-US" dirty="0"/>
+              <a:t>은 </a:t>
+            </a:r>
+            <a:r>
+              <a:rPr lang="en-US" altLang="ko-KR" dirty="0"/>
+              <a:t>C</a:t>
+            </a:r>
+            <a:r>
+              <a:rPr lang="ko-KR" altLang="en-US" dirty="0"/>
+              <a:t>에서의 그것과 동일 </a:t>
+            </a:r>
+            <a:endParaRPr lang="en-US" altLang="ko-KR" dirty="0">
+              <a:solidFill>
+                <a:srgbClr val="FF0000"/>
+              </a:solidFill>
+            </a:endParaRPr>
+          </a:p>
+          <a:p>
+            <a:pPr lvl="1"/>
+            <a:r>
+              <a:rPr lang="en-US" altLang="ko-KR" dirty="0">
+                <a:solidFill>
+                  <a:srgbClr val="00B050"/>
+                </a:solidFill>
+              </a:rPr>
+              <a:t>while</a:t>
+            </a:r>
+            <a:r>
+              <a:rPr lang="en-US" altLang="ko-KR" dirty="0"/>
+              <a:t>(</a:t>
+            </a:r>
+            <a:r>
+              <a:rPr lang="ko-KR" altLang="en-US" dirty="0"/>
+              <a:t>조건</a:t>
+            </a:r>
+            <a:r>
+              <a:rPr lang="en-US" altLang="ko-KR" dirty="0"/>
+              <a:t>){</a:t>
+            </a:r>
+            <a:br>
+              <a:rPr lang="en-US" altLang="ko-KR" dirty="0"/>
+            </a:br>
+            <a:r>
+              <a:rPr lang="ko-KR" altLang="en-US" dirty="0"/>
+              <a:t>반복 내용</a:t>
+            </a:r>
+            <a:r>
+              <a:rPr lang="en-US" altLang="ko-KR" dirty="0"/>
+              <a:t>}</a:t>
+            </a:r>
+          </a:p>
+          <a:p>
+            <a:pPr lvl="1"/>
+            <a:endParaRPr lang="en-US" altLang="ko-KR" dirty="0"/>
+          </a:p>
+          <a:p>
+            <a:pPr lvl="1"/>
+            <a:r>
+              <a:rPr lang="en-US" altLang="ko-KR" dirty="0">
+                <a:solidFill>
+                  <a:srgbClr val="00B050"/>
+                </a:solidFill>
+              </a:rPr>
+              <a:t>for</a:t>
+            </a:r>
+            <a:r>
+              <a:rPr lang="en-US" altLang="ko-KR" dirty="0"/>
+              <a:t>(</a:t>
+            </a:r>
+            <a:r>
+              <a:rPr lang="ko-KR" altLang="en-US" dirty="0"/>
+              <a:t>초기화</a:t>
+            </a:r>
+            <a:r>
+              <a:rPr lang="en-US" altLang="ko-KR" dirty="0"/>
+              <a:t>; </a:t>
+            </a:r>
+            <a:r>
+              <a:rPr lang="ko-KR" altLang="en-US" dirty="0"/>
+              <a:t>반복조건</a:t>
+            </a:r>
+            <a:r>
+              <a:rPr lang="en-US" altLang="ko-KR" dirty="0"/>
+              <a:t>; </a:t>
+            </a:r>
+            <a:r>
+              <a:rPr lang="ko-KR" altLang="en-US" dirty="0"/>
+              <a:t>반복이 될 때마다 실행되는 코드</a:t>
+            </a:r>
+            <a:r>
+              <a:rPr lang="en-US" altLang="ko-KR" dirty="0"/>
+              <a:t>){</a:t>
+            </a:r>
+            <a:br>
+              <a:rPr lang="en-US" altLang="ko-KR" dirty="0"/>
+            </a:br>
+            <a:r>
+              <a:rPr lang="en-US" altLang="ko-KR" dirty="0"/>
+              <a:t> </a:t>
+            </a:r>
+            <a:r>
+              <a:rPr lang="ko-KR" altLang="en-US" dirty="0"/>
+              <a:t>반복해서 실행될 코드</a:t>
+            </a:r>
+            <a:br>
+              <a:rPr lang="en-US" altLang="ko-KR" dirty="0"/>
+            </a:br>
+            <a:r>
+              <a:rPr lang="en-US" altLang="ko-KR" dirty="0"/>
+              <a:t>}</a:t>
+            </a:r>
+          </a:p>
+          <a:p>
+            <a:pPr lvl="1"/>
+            <a:endParaRPr lang="en-US" altLang="ko-KR" dirty="0"/>
+          </a:p>
+          <a:p>
+            <a:pPr lvl="1"/>
+            <a:r>
+              <a:rPr lang="en-US" altLang="ko-KR" dirty="0">
+                <a:solidFill>
+                  <a:srgbClr val="00B050"/>
+                </a:solidFill>
+              </a:rPr>
+              <a:t>break;</a:t>
+            </a:r>
+          </a:p>
+          <a:p>
+            <a:pPr lvl="1"/>
+            <a:r>
+              <a:rPr lang="en-US" altLang="ko-KR" dirty="0">
+                <a:solidFill>
+                  <a:srgbClr val="00B050"/>
+                </a:solidFill>
+              </a:rPr>
+              <a:t>continue;</a:t>
+            </a:r>
+          </a:p>
+          <a:p>
+            <a:pPr marL="457200" lvl="1" indent="0">
+              <a:buNone/>
+            </a:pPr>
+            <a:endParaRPr lang="en-US" altLang="ko-KR" dirty="0"/>
+          </a:p>
+        </p:txBody>
+      </p:sp>
+    </p:spTree>
+    <p:extLst>
+      <p:ext uri="{BB962C8B-B14F-4D97-AF65-F5344CB8AC3E}">
+        <p14:creationId xmlns:p14="http://schemas.microsoft.com/office/powerpoint/2010/main" val="457618819"/>
       </p:ext>
     </p:extLst>
   </p:cSld>
@@ -3779,7 +8047,7 @@
           <p:cNvPr id="2" name="제목 1">
             <a:extLst>
               <a:ext uri="{FF2B5EF4-FFF2-40B4-BE49-F238E27FC236}">
-                <a16:creationId xmlns:a16="http://schemas.microsoft.com/office/drawing/2014/main" id="{572487B8-1B4A-439D-A141-88C0DEB02497}"/>
+                <a16:creationId xmlns:a16="http://schemas.microsoft.com/office/drawing/2014/main" id="{0B230AE5-D720-48FD-8175-2CFBD3776ABE}"/>
               </a:ext>
             </a:extLst>
           </p:cNvPr>
@@ -3797,8 +8065,13 @@
           <a:p>
             <a:r>
               <a:rPr lang="ko-KR" altLang="en-US" dirty="0"/>
-              <a:t>자바스크립트의 기본</a:t>
-            </a:r>
+              <a:t>수업을 시작하기 전에</a:t>
+            </a:r>
+            <a:r>
+              <a:rPr lang="en-US" altLang="ko-KR" dirty="0"/>
+              <a:t>…</a:t>
+            </a:r>
+            <a:endParaRPr lang="ko-KR" altLang="en-US" dirty="0"/>
           </a:p>
         </p:txBody>
       </p:sp>
@@ -3807,7 +8080,7 @@
           <p:cNvPr id="3" name="내용 개체 틀 2">
             <a:extLst>
               <a:ext uri="{FF2B5EF4-FFF2-40B4-BE49-F238E27FC236}">
-                <a16:creationId xmlns:a16="http://schemas.microsoft.com/office/drawing/2014/main" id="{D90CB9B5-02D2-4005-BB59-C3541FA74065}"/>
+                <a16:creationId xmlns:a16="http://schemas.microsoft.com/office/drawing/2014/main" id="{1513752A-0874-4F27-8E41-0849B73BDFA2}"/>
               </a:ext>
             </a:extLst>
           </p:cNvPr>
@@ -3820,26 +8093,2863 @@
         </p:nvSpPr>
         <p:spPr/>
         <p:txBody>
-          <a:bodyPr anchor="ctr">
-            <a:normAutofit/>
-          </a:bodyPr>
-          <a:lstStyle/>
-          <a:p>
-            <a:pPr marL="0" indent="0" algn="ctr">
-              <a:buNone/>
-            </a:pPr>
-            <a:r>
-              <a:rPr lang="en-US" altLang="ko-KR" sz="10000" dirty="0"/>
-              <a:t>JavaScript</a:t>
-            </a:r>
-            <a:endParaRPr lang="ko-KR" altLang="en-US" sz="10000" dirty="0"/>
+          <a:bodyPr/>
+          <a:lstStyle/>
+          <a:p>
+            <a:r>
+              <a:rPr lang="ko-KR" altLang="en-US" dirty="0"/>
+              <a:t>나는 </a:t>
+            </a:r>
+            <a:r>
+              <a:rPr lang="ko-KR" altLang="en-US" dirty="0" err="1"/>
+              <a:t>누구인가</a:t>
+            </a:r>
+            <a:r>
+              <a:rPr lang="en-US" altLang="ko-KR" dirty="0"/>
+              <a:t>?</a:t>
+            </a:r>
+          </a:p>
+          <a:p>
+            <a:r>
+              <a:rPr lang="ko-KR" altLang="en-US" dirty="0"/>
+              <a:t>이 과정의 목표는</a:t>
+            </a:r>
+            <a:r>
+              <a:rPr lang="en-US" altLang="ko-KR" dirty="0"/>
+              <a:t>?</a:t>
+            </a:r>
+          </a:p>
+          <a:p>
+            <a:endParaRPr lang="en-US" altLang="ko-KR" dirty="0"/>
+          </a:p>
+          <a:p>
+            <a:endParaRPr lang="ko-KR" altLang="en-US" dirty="0"/>
           </a:p>
         </p:txBody>
       </p:sp>
     </p:spTree>
     <p:extLst>
       <p:ext uri="{BB962C8B-B14F-4D97-AF65-F5344CB8AC3E}">
-        <p14:creationId xmlns:p14="http://schemas.microsoft.com/office/powerpoint/2010/main" val="2837675044"/>
+        <p14:creationId xmlns:p14="http://schemas.microsoft.com/office/powerpoint/2010/main" val="1294506056"/>
+      </p:ext>
+    </p:extLst>
+  </p:cSld>
+  <p:clrMapOvr>
+    <a:masterClrMapping/>
+  </p:clrMapOvr>
+</p:sld>
+</file>
+
+<file path=ppt/slides/slide30.xml><?xml version="1.0" encoding="utf-8"?>
+<p:sld xmlns:a="http://schemas.openxmlformats.org/drawingml/2006/main" xmlns:r="http://schemas.openxmlformats.org/officeDocument/2006/relationships" xmlns:p="http://schemas.openxmlformats.org/presentationml/2006/main">
+  <p:cSld>
+    <p:spTree>
+      <p:nvGrpSpPr>
+        <p:cNvPr id="1" name=""/>
+        <p:cNvGrpSpPr/>
+        <p:nvPr/>
+      </p:nvGrpSpPr>
+      <p:grpSpPr>
+        <a:xfrm>
+          <a:off x="0" y="0"/>
+          <a:ext cx="0" cy="0"/>
+          <a:chOff x="0" y="0"/>
+          <a:chExt cx="0" cy="0"/>
+        </a:xfrm>
+      </p:grpSpPr>
+      <p:sp>
+        <p:nvSpPr>
+          <p:cNvPr id="2" name="제목 1">
+            <a:extLst>
+              <a:ext uri="{FF2B5EF4-FFF2-40B4-BE49-F238E27FC236}">
+                <a16:creationId xmlns:a16="http://schemas.microsoft.com/office/drawing/2014/main" id="{1B150D8C-0809-4579-BCBA-53017EF14273}"/>
+              </a:ext>
+            </a:extLst>
+          </p:cNvPr>
+          <p:cNvSpPr>
+            <a:spLocks noGrp="1"/>
+          </p:cNvSpPr>
+          <p:nvPr>
+            <p:ph type="title"/>
+          </p:nvPr>
+        </p:nvSpPr>
+        <p:spPr/>
+        <p:txBody>
+          <a:bodyPr/>
+          <a:lstStyle/>
+          <a:p>
+            <a:r>
+              <a:rPr lang="en-US" altLang="ko-KR" dirty="0"/>
+              <a:t>Contents</a:t>
+            </a:r>
+            <a:endParaRPr lang="ko-KR" altLang="en-US" dirty="0"/>
+          </a:p>
+        </p:txBody>
+      </p:sp>
+      <p:sp>
+        <p:nvSpPr>
+          <p:cNvPr id="3" name="내용 개체 틀 2">
+            <a:extLst>
+              <a:ext uri="{FF2B5EF4-FFF2-40B4-BE49-F238E27FC236}">
+                <a16:creationId xmlns:a16="http://schemas.microsoft.com/office/drawing/2014/main" id="{E5587D20-F079-448E-9154-37E59D32A6BD}"/>
+              </a:ext>
+            </a:extLst>
+          </p:cNvPr>
+          <p:cNvSpPr>
+            <a:spLocks noGrp="1"/>
+          </p:cNvSpPr>
+          <p:nvPr>
+            <p:ph idx="1"/>
+          </p:nvPr>
+        </p:nvSpPr>
+        <p:spPr/>
+        <p:txBody>
+          <a:bodyPr/>
+          <a:lstStyle/>
+          <a:p>
+            <a:r>
+              <a:rPr lang="ko-KR" altLang="en-US" strike="sngStrike" dirty="0"/>
+              <a:t>자바스크립트의 기본</a:t>
+            </a:r>
+            <a:endParaRPr lang="en-US" altLang="ko-KR" strike="sngStrike" dirty="0"/>
+          </a:p>
+          <a:p>
+            <a:r>
+              <a:rPr lang="ko-KR" altLang="en-US" strike="sngStrike" dirty="0"/>
+              <a:t>실행방법과 실습환경</a:t>
+            </a:r>
+            <a:endParaRPr lang="en-US" altLang="ko-KR" strike="sngStrike" dirty="0"/>
+          </a:p>
+          <a:p>
+            <a:r>
+              <a:rPr lang="en-US" altLang="ko-KR" strike="sngStrike" dirty="0"/>
+              <a:t>Hello</a:t>
+            </a:r>
+            <a:r>
+              <a:rPr lang="ko-KR" altLang="en-US" strike="sngStrike" dirty="0"/>
+              <a:t> </a:t>
+            </a:r>
+            <a:r>
+              <a:rPr lang="en-US" altLang="ko-KR" strike="sngStrike" dirty="0"/>
+              <a:t>JavaScript</a:t>
+            </a:r>
+          </a:p>
+          <a:p>
+            <a:pPr lvl="1"/>
+            <a:r>
+              <a:rPr lang="ko-KR" altLang="en-US" strike="sngStrike" dirty="0"/>
+              <a:t>기본 컨벤션</a:t>
+            </a:r>
+            <a:endParaRPr lang="en-US" altLang="ko-KR" strike="sngStrike" dirty="0"/>
+          </a:p>
+          <a:p>
+            <a:pPr lvl="1"/>
+            <a:r>
+              <a:rPr lang="ko-KR" altLang="en-US" strike="sngStrike" dirty="0"/>
+              <a:t>연산자</a:t>
+            </a:r>
+            <a:r>
+              <a:rPr lang="en-US" altLang="ko-KR" strike="sngStrike" dirty="0"/>
+              <a:t>/</a:t>
+            </a:r>
+            <a:r>
+              <a:rPr lang="ko-KR" altLang="en-US" strike="sngStrike" dirty="0"/>
+              <a:t>조건</a:t>
+            </a:r>
+            <a:r>
+              <a:rPr lang="en-US" altLang="ko-KR" strike="sngStrike" dirty="0"/>
+              <a:t>/</a:t>
+            </a:r>
+            <a:r>
+              <a:rPr lang="ko-KR" altLang="en-US" strike="sngStrike" dirty="0" err="1"/>
+              <a:t>반복문</a:t>
+            </a:r>
+            <a:endParaRPr lang="en-US" altLang="ko-KR" strike="sngStrike" dirty="0"/>
+          </a:p>
+          <a:p>
+            <a:pPr lvl="1"/>
+            <a:r>
+              <a:rPr lang="ko-KR" altLang="en-US" dirty="0"/>
+              <a:t>함수</a:t>
+            </a:r>
+            <a:endParaRPr lang="en-US" altLang="ko-KR" dirty="0"/>
+          </a:p>
+          <a:p>
+            <a:pPr lvl="1"/>
+            <a:r>
+              <a:rPr lang="ko-KR" altLang="en-US" dirty="0"/>
+              <a:t>배열</a:t>
+            </a:r>
+            <a:endParaRPr lang="en-US" altLang="ko-KR" dirty="0"/>
+          </a:p>
+          <a:p>
+            <a:r>
+              <a:rPr lang="ko-KR" altLang="en-US" dirty="0"/>
+              <a:t>객체</a:t>
+            </a:r>
+            <a:endParaRPr lang="en-US" altLang="ko-KR" dirty="0"/>
+          </a:p>
+          <a:p>
+            <a:r>
+              <a:rPr lang="ko-KR" altLang="en-US" dirty="0"/>
+              <a:t>모듈</a:t>
+            </a:r>
+            <a:endParaRPr lang="en-US" altLang="ko-KR" dirty="0"/>
+          </a:p>
+          <a:p>
+            <a:endParaRPr lang="ko-KR" altLang="en-US" dirty="0"/>
+          </a:p>
+        </p:txBody>
+      </p:sp>
+    </p:spTree>
+    <p:extLst>
+      <p:ext uri="{BB962C8B-B14F-4D97-AF65-F5344CB8AC3E}">
+        <p14:creationId xmlns:p14="http://schemas.microsoft.com/office/powerpoint/2010/main" val="2779581707"/>
+      </p:ext>
+    </p:extLst>
+  </p:cSld>
+  <p:clrMapOvr>
+    <a:masterClrMapping/>
+  </p:clrMapOvr>
+</p:sld>
+</file>
+
+<file path=ppt/slides/slide31.xml><?xml version="1.0" encoding="utf-8"?>
+<p:sld xmlns:a="http://schemas.openxmlformats.org/drawingml/2006/main" xmlns:r="http://schemas.openxmlformats.org/officeDocument/2006/relationships" xmlns:p="http://schemas.openxmlformats.org/presentationml/2006/main">
+  <p:cSld>
+    <p:spTree>
+      <p:nvGrpSpPr>
+        <p:cNvPr id="1" name=""/>
+        <p:cNvGrpSpPr/>
+        <p:nvPr/>
+      </p:nvGrpSpPr>
+      <p:grpSpPr>
+        <a:xfrm>
+          <a:off x="0" y="0"/>
+          <a:ext cx="0" cy="0"/>
+          <a:chOff x="0" y="0"/>
+          <a:chExt cx="0" cy="0"/>
+        </a:xfrm>
+      </p:grpSpPr>
+      <p:sp>
+        <p:nvSpPr>
+          <p:cNvPr id="2" name="제목 1">
+            <a:extLst>
+              <a:ext uri="{FF2B5EF4-FFF2-40B4-BE49-F238E27FC236}">
+                <a16:creationId xmlns:a16="http://schemas.microsoft.com/office/drawing/2014/main" id="{0C84825E-7338-4483-B041-1E8D539AB194}"/>
+              </a:ext>
+            </a:extLst>
+          </p:cNvPr>
+          <p:cNvSpPr>
+            <a:spLocks noGrp="1"/>
+          </p:cNvSpPr>
+          <p:nvPr>
+            <p:ph type="title"/>
+          </p:nvPr>
+        </p:nvSpPr>
+        <p:spPr/>
+        <p:txBody>
+          <a:bodyPr/>
+          <a:lstStyle/>
+          <a:p>
+            <a:r>
+              <a:rPr lang="en-US" altLang="ko-KR" dirty="0"/>
+              <a:t>Hello</a:t>
+            </a:r>
+            <a:r>
+              <a:rPr lang="ko-KR" altLang="en-US" dirty="0"/>
+              <a:t> </a:t>
+            </a:r>
+            <a:r>
+              <a:rPr lang="en-US" altLang="ko-KR" dirty="0"/>
+              <a:t>JavaScript – </a:t>
+            </a:r>
+            <a:r>
+              <a:rPr lang="ko-KR" altLang="en-US" dirty="0"/>
+              <a:t>함수</a:t>
+            </a:r>
+          </a:p>
+        </p:txBody>
+      </p:sp>
+      <p:sp>
+        <p:nvSpPr>
+          <p:cNvPr id="3" name="내용 개체 틀 2">
+            <a:extLst>
+              <a:ext uri="{FF2B5EF4-FFF2-40B4-BE49-F238E27FC236}">
+                <a16:creationId xmlns:a16="http://schemas.microsoft.com/office/drawing/2014/main" id="{F869418B-9BE8-48DE-80B2-4EB21480E2E5}"/>
+              </a:ext>
+            </a:extLst>
+          </p:cNvPr>
+          <p:cNvSpPr>
+            <a:spLocks noGrp="1"/>
+          </p:cNvSpPr>
+          <p:nvPr>
+            <p:ph idx="1"/>
+          </p:nvPr>
+        </p:nvSpPr>
+        <p:spPr/>
+        <p:txBody>
+          <a:bodyPr/>
+          <a:lstStyle/>
+          <a:p>
+            <a:r>
+              <a:rPr lang="en-US" altLang="ko-KR" dirty="0">
+                <a:solidFill>
+                  <a:srgbClr val="00B050"/>
+                </a:solidFill>
+              </a:rPr>
+              <a:t>function</a:t>
+            </a:r>
+            <a:r>
+              <a:rPr lang="en-US" altLang="ko-KR" dirty="0"/>
+              <a:t> </a:t>
+            </a:r>
+            <a:r>
+              <a:rPr lang="ko-KR" altLang="en-US" dirty="0" err="1"/>
+              <a:t>함수명</a:t>
+            </a:r>
+            <a:r>
+              <a:rPr lang="en-US" altLang="ko-KR" dirty="0"/>
+              <a:t>( [</a:t>
+            </a:r>
+            <a:r>
+              <a:rPr lang="ko-KR" altLang="en-US" dirty="0"/>
+              <a:t>인자</a:t>
+            </a:r>
+            <a:r>
+              <a:rPr lang="en-US" altLang="ko-KR" dirty="0"/>
+              <a:t>...[,</a:t>
+            </a:r>
+            <a:r>
+              <a:rPr lang="ko-KR" altLang="en-US" dirty="0"/>
+              <a:t>인자</a:t>
+            </a:r>
+            <a:r>
+              <a:rPr lang="en-US" altLang="ko-KR" dirty="0"/>
+              <a:t>]] ){</a:t>
+            </a:r>
+            <a:br>
+              <a:rPr lang="en-US" altLang="ko-KR" dirty="0"/>
+            </a:br>
+            <a:r>
+              <a:rPr lang="en-US" altLang="ko-KR" dirty="0"/>
+              <a:t>   </a:t>
+            </a:r>
+            <a:r>
+              <a:rPr lang="ko-KR" altLang="en-US" dirty="0"/>
+              <a:t>코드</a:t>
+            </a:r>
+            <a:br>
+              <a:rPr lang="en-US" altLang="ko-KR" dirty="0"/>
+            </a:br>
+            <a:r>
+              <a:rPr lang="ko-KR" altLang="en-US" dirty="0"/>
+              <a:t>   </a:t>
+            </a:r>
+            <a:r>
+              <a:rPr lang="en-US" altLang="ko-KR" dirty="0"/>
+              <a:t>return </a:t>
+            </a:r>
+            <a:r>
+              <a:rPr lang="ko-KR" altLang="en-US" dirty="0" err="1"/>
+              <a:t>반환값</a:t>
+            </a:r>
+            <a:br>
+              <a:rPr lang="en-US" altLang="ko-KR" dirty="0"/>
+            </a:br>
+            <a:r>
+              <a:rPr lang="en-US" altLang="ko-KR" dirty="0"/>
+              <a:t>}</a:t>
+            </a:r>
+          </a:p>
+          <a:p>
+            <a:endParaRPr lang="en-US" altLang="ko-KR" dirty="0"/>
+          </a:p>
+          <a:p>
+            <a:r>
+              <a:rPr lang="ko-KR" altLang="en-US" dirty="0"/>
+              <a:t>실습 </a:t>
+            </a:r>
+            <a:r>
+              <a:rPr lang="en-US" altLang="ko-KR" dirty="0"/>
+              <a:t>7. </a:t>
+            </a:r>
+            <a:r>
+              <a:rPr lang="ko-KR" altLang="en-US" dirty="0"/>
+              <a:t>크롬에서 함수를 활용해 두 피연산자들 간의 </a:t>
+            </a:r>
+            <a:br>
+              <a:rPr lang="en-US" altLang="ko-KR" dirty="0"/>
+            </a:br>
+            <a:r>
+              <a:rPr lang="ko-KR" altLang="en-US" dirty="0"/>
+              <a:t>사칙연산을</a:t>
+            </a:r>
+            <a:r>
+              <a:rPr lang="en-US" altLang="ko-KR" dirty="0"/>
+              <a:t>(</a:t>
+            </a:r>
+            <a:r>
+              <a:rPr lang="ko-KR" altLang="en-US" dirty="0"/>
+              <a:t>나눗셈은 몫만</a:t>
+            </a:r>
+            <a:r>
+              <a:rPr lang="en-US" altLang="ko-KR" dirty="0"/>
+              <a:t>) </a:t>
+            </a:r>
+            <a:r>
+              <a:rPr lang="ko-KR" altLang="en-US" dirty="0"/>
+              <a:t>만드는 함수를 만들고 호출하기</a:t>
+            </a:r>
+            <a:br>
+              <a:rPr lang="en-US" altLang="ko-KR" dirty="0"/>
+            </a:br>
+            <a:r>
+              <a:rPr lang="en-US" altLang="ko-KR" dirty="0">
+                <a:solidFill>
+                  <a:srgbClr val="00B050"/>
+                </a:solidFill>
+              </a:rPr>
+              <a:t>function</a:t>
+            </a:r>
+            <a:r>
+              <a:rPr lang="en-US" altLang="ko-KR" dirty="0"/>
+              <a:t> </a:t>
+            </a:r>
+            <a:r>
+              <a:rPr lang="en-US" altLang="ko-KR" dirty="0" err="1"/>
+              <a:t>calc</a:t>
+            </a:r>
+            <a:r>
+              <a:rPr lang="en-US" altLang="ko-KR" dirty="0"/>
+              <a:t>(</a:t>
+            </a:r>
+            <a:r>
+              <a:rPr lang="en-US" altLang="ko-KR" dirty="0" err="1"/>
+              <a:t>a,b</a:t>
+            </a:r>
+            <a:r>
+              <a:rPr lang="en-US" altLang="ko-KR" dirty="0"/>
+              <a:t>){}</a:t>
+            </a:r>
+          </a:p>
+        </p:txBody>
+      </p:sp>
+    </p:spTree>
+    <p:extLst>
+      <p:ext uri="{BB962C8B-B14F-4D97-AF65-F5344CB8AC3E}">
+        <p14:creationId xmlns:p14="http://schemas.microsoft.com/office/powerpoint/2010/main" val="1347484376"/>
+      </p:ext>
+    </p:extLst>
+  </p:cSld>
+  <p:clrMapOvr>
+    <a:masterClrMapping/>
+  </p:clrMapOvr>
+</p:sld>
+</file>
+
+<file path=ppt/slides/slide32.xml><?xml version="1.0" encoding="utf-8"?>
+<p:sld xmlns:a="http://schemas.openxmlformats.org/drawingml/2006/main" xmlns:r="http://schemas.openxmlformats.org/officeDocument/2006/relationships" xmlns:p="http://schemas.openxmlformats.org/presentationml/2006/main">
+  <p:cSld>
+    <p:spTree>
+      <p:nvGrpSpPr>
+        <p:cNvPr id="1" name=""/>
+        <p:cNvGrpSpPr/>
+        <p:nvPr/>
+      </p:nvGrpSpPr>
+      <p:grpSpPr>
+        <a:xfrm>
+          <a:off x="0" y="0"/>
+          <a:ext cx="0" cy="0"/>
+          <a:chOff x="0" y="0"/>
+          <a:chExt cx="0" cy="0"/>
+        </a:xfrm>
+      </p:grpSpPr>
+      <p:sp>
+        <p:nvSpPr>
+          <p:cNvPr id="2" name="제목 1">
+            <a:extLst>
+              <a:ext uri="{FF2B5EF4-FFF2-40B4-BE49-F238E27FC236}">
+                <a16:creationId xmlns:a16="http://schemas.microsoft.com/office/drawing/2014/main" id="{0C84825E-7338-4483-B041-1E8D539AB194}"/>
+              </a:ext>
+            </a:extLst>
+          </p:cNvPr>
+          <p:cNvSpPr>
+            <a:spLocks noGrp="1"/>
+          </p:cNvSpPr>
+          <p:nvPr>
+            <p:ph type="title"/>
+          </p:nvPr>
+        </p:nvSpPr>
+        <p:spPr/>
+        <p:txBody>
+          <a:bodyPr/>
+          <a:lstStyle/>
+          <a:p>
+            <a:r>
+              <a:rPr lang="en-US" altLang="ko-KR" dirty="0"/>
+              <a:t>Hello</a:t>
+            </a:r>
+            <a:r>
+              <a:rPr lang="ko-KR" altLang="en-US" dirty="0"/>
+              <a:t> </a:t>
+            </a:r>
+            <a:r>
+              <a:rPr lang="en-US" altLang="ko-KR" dirty="0"/>
+              <a:t>JavaScript – </a:t>
+            </a:r>
+            <a:r>
+              <a:rPr lang="ko-KR" altLang="en-US" dirty="0"/>
+              <a:t>배열</a:t>
+            </a:r>
+          </a:p>
+        </p:txBody>
+      </p:sp>
+      <p:sp>
+        <p:nvSpPr>
+          <p:cNvPr id="3" name="내용 개체 틀 2">
+            <a:extLst>
+              <a:ext uri="{FF2B5EF4-FFF2-40B4-BE49-F238E27FC236}">
+                <a16:creationId xmlns:a16="http://schemas.microsoft.com/office/drawing/2014/main" id="{F869418B-9BE8-48DE-80B2-4EB21480E2E5}"/>
+              </a:ext>
+            </a:extLst>
+          </p:cNvPr>
+          <p:cNvSpPr>
+            <a:spLocks noGrp="1"/>
+          </p:cNvSpPr>
+          <p:nvPr>
+            <p:ph idx="1"/>
+          </p:nvPr>
+        </p:nvSpPr>
+        <p:spPr/>
+        <p:txBody>
+          <a:bodyPr/>
+          <a:lstStyle/>
+          <a:p>
+            <a:r>
+              <a:rPr lang="en-US" altLang="ko-KR" dirty="0"/>
+              <a:t>JavaScript</a:t>
+            </a:r>
+            <a:r>
+              <a:rPr lang="ko-KR" altLang="en-US" dirty="0"/>
+              <a:t>의 배열은 </a:t>
+            </a:r>
+            <a:r>
+              <a:rPr lang="en-US" altLang="ko-KR" dirty="0"/>
+              <a:t>C</a:t>
+            </a:r>
+            <a:r>
+              <a:rPr lang="ko-KR" altLang="en-US" dirty="0"/>
+              <a:t>에서의 배열과 동일함</a:t>
+            </a:r>
+            <a:endParaRPr lang="en-US" altLang="ko-KR" dirty="0"/>
+          </a:p>
+          <a:p>
+            <a:pPr lvl="1"/>
+            <a:r>
+              <a:rPr lang="en-US" altLang="ko-KR" dirty="0" err="1">
+                <a:solidFill>
+                  <a:srgbClr val="00B050"/>
+                </a:solidFill>
+              </a:rPr>
+              <a:t>var</a:t>
+            </a:r>
+            <a:r>
+              <a:rPr lang="en-US" altLang="ko-KR" dirty="0"/>
+              <a:t> member = [‘ajou’, ‘</a:t>
+            </a:r>
+            <a:r>
+              <a:rPr lang="en-US" altLang="ko-KR" dirty="0" err="1"/>
+              <a:t>sish</a:t>
+            </a:r>
+            <a:r>
+              <a:rPr lang="en-US" altLang="ko-KR" dirty="0"/>
+              <a:t>’, ‘</a:t>
+            </a:r>
+            <a:r>
+              <a:rPr lang="en-US" altLang="ko-KR" dirty="0" err="1"/>
+              <a:t>maetan</a:t>
+            </a:r>
+            <a:r>
+              <a:rPr lang="en-US" altLang="ko-KR" dirty="0"/>
+              <a:t>’]</a:t>
+            </a:r>
+          </a:p>
+          <a:p>
+            <a:endParaRPr lang="en-US" altLang="ko-KR" dirty="0"/>
+          </a:p>
+          <a:p>
+            <a:r>
+              <a:rPr lang="ko-KR" altLang="en-US" dirty="0"/>
+              <a:t>실습 </a:t>
+            </a:r>
+            <a:r>
+              <a:rPr lang="en-US" altLang="ko-KR" dirty="0"/>
+              <a:t>8. </a:t>
+            </a:r>
+            <a:r>
+              <a:rPr lang="ko-KR" altLang="en-US" dirty="0"/>
+              <a:t>크롬에서 함수</a:t>
+            </a:r>
+            <a:r>
+              <a:rPr lang="en-US" altLang="ko-KR" dirty="0"/>
+              <a:t>, </a:t>
+            </a:r>
+            <a:r>
+              <a:rPr lang="ko-KR" altLang="en-US" dirty="0"/>
+              <a:t>배열을 활용해 위 </a:t>
+            </a:r>
+            <a:r>
+              <a:rPr lang="en-US" altLang="ko-KR" dirty="0"/>
+              <a:t>member </a:t>
+            </a:r>
+            <a:r>
+              <a:rPr lang="ko-KR" altLang="en-US" dirty="0"/>
+              <a:t>변수를 </a:t>
+            </a:r>
+            <a:br>
+              <a:rPr lang="en-US" altLang="ko-KR" dirty="0"/>
+            </a:br>
+            <a:r>
+              <a:rPr lang="ko-KR" altLang="en-US" dirty="0"/>
+              <a:t>하나씩 호출하는 코드를 만들기</a:t>
+            </a:r>
+            <a:endParaRPr lang="en-US" altLang="ko-KR" dirty="0"/>
+          </a:p>
+          <a:p>
+            <a:pPr lvl="1"/>
+            <a:r>
+              <a:rPr lang="en-US" altLang="ko-KR" dirty="0">
+                <a:solidFill>
+                  <a:srgbClr val="00B050"/>
+                </a:solidFill>
+              </a:rPr>
+              <a:t>function</a:t>
+            </a:r>
+            <a:r>
+              <a:rPr lang="en-US" altLang="ko-KR" dirty="0"/>
+              <a:t> </a:t>
+            </a:r>
+            <a:r>
+              <a:rPr lang="en-US" altLang="ko-KR" dirty="0" err="1"/>
+              <a:t>get_members</a:t>
+            </a:r>
+            <a:r>
+              <a:rPr lang="en-US" altLang="ko-KR" dirty="0"/>
+              <a:t>() {</a:t>
+            </a:r>
+          </a:p>
+          <a:p>
+            <a:pPr marL="457200" lvl="1" indent="0">
+              <a:buNone/>
+            </a:pPr>
+            <a:r>
+              <a:rPr lang="en-US" altLang="ko-KR" dirty="0"/>
+              <a:t>		</a:t>
+            </a:r>
+            <a:r>
+              <a:rPr lang="en-US" altLang="ko-KR" dirty="0">
+                <a:solidFill>
+                  <a:srgbClr val="00B050"/>
+                </a:solidFill>
+              </a:rPr>
+              <a:t>return</a:t>
+            </a:r>
+            <a:r>
+              <a:rPr lang="en-US" altLang="ko-KR" dirty="0"/>
+              <a:t> [‘ajou’, ‘</a:t>
+            </a:r>
+            <a:r>
+              <a:rPr lang="en-US" altLang="ko-KR" dirty="0" err="1"/>
+              <a:t>sish</a:t>
+            </a:r>
+            <a:r>
+              <a:rPr lang="en-US" altLang="ko-KR" dirty="0"/>
+              <a:t>’, ‘</a:t>
+            </a:r>
+            <a:r>
+              <a:rPr lang="en-US" altLang="ko-KR" dirty="0" err="1"/>
+              <a:t>maetan</a:t>
+            </a:r>
+            <a:r>
+              <a:rPr lang="en-US" altLang="ko-KR" dirty="0"/>
+              <a:t>’];</a:t>
+            </a:r>
+            <a:br>
+              <a:rPr lang="en-US" altLang="ko-KR" dirty="0"/>
+            </a:br>
+            <a:r>
+              <a:rPr lang="en-US" altLang="ko-KR" dirty="0"/>
+              <a:t>	}</a:t>
+            </a:r>
+          </a:p>
+        </p:txBody>
+      </p:sp>
+    </p:spTree>
+    <p:extLst>
+      <p:ext uri="{BB962C8B-B14F-4D97-AF65-F5344CB8AC3E}">
+        <p14:creationId xmlns:p14="http://schemas.microsoft.com/office/powerpoint/2010/main" val="2943043401"/>
+      </p:ext>
+    </p:extLst>
+  </p:cSld>
+  <p:clrMapOvr>
+    <a:masterClrMapping/>
+  </p:clrMapOvr>
+</p:sld>
+</file>
+
+<file path=ppt/slides/slide33.xml><?xml version="1.0" encoding="utf-8"?>
+<p:sld xmlns:a="http://schemas.openxmlformats.org/drawingml/2006/main" xmlns:r="http://schemas.openxmlformats.org/officeDocument/2006/relationships" xmlns:p="http://schemas.openxmlformats.org/presentationml/2006/main">
+  <p:cSld>
+    <p:spTree>
+      <p:nvGrpSpPr>
+        <p:cNvPr id="1" name=""/>
+        <p:cNvGrpSpPr/>
+        <p:nvPr/>
+      </p:nvGrpSpPr>
+      <p:grpSpPr>
+        <a:xfrm>
+          <a:off x="0" y="0"/>
+          <a:ext cx="0" cy="0"/>
+          <a:chOff x="0" y="0"/>
+          <a:chExt cx="0" cy="0"/>
+        </a:xfrm>
+      </p:grpSpPr>
+      <p:sp>
+        <p:nvSpPr>
+          <p:cNvPr id="2" name="제목 1">
+            <a:extLst>
+              <a:ext uri="{FF2B5EF4-FFF2-40B4-BE49-F238E27FC236}">
+                <a16:creationId xmlns:a16="http://schemas.microsoft.com/office/drawing/2014/main" id="{0C84825E-7338-4483-B041-1E8D539AB194}"/>
+              </a:ext>
+            </a:extLst>
+          </p:cNvPr>
+          <p:cNvSpPr>
+            <a:spLocks noGrp="1"/>
+          </p:cNvSpPr>
+          <p:nvPr>
+            <p:ph type="title"/>
+          </p:nvPr>
+        </p:nvSpPr>
+        <p:spPr/>
+        <p:txBody>
+          <a:bodyPr/>
+          <a:lstStyle/>
+          <a:p>
+            <a:r>
+              <a:rPr lang="en-US" altLang="ko-KR" dirty="0"/>
+              <a:t>Hello</a:t>
+            </a:r>
+            <a:r>
+              <a:rPr lang="ko-KR" altLang="en-US" dirty="0"/>
+              <a:t> </a:t>
+            </a:r>
+            <a:r>
+              <a:rPr lang="en-US" altLang="ko-KR" dirty="0"/>
+              <a:t>JavaScript – </a:t>
+            </a:r>
+            <a:r>
+              <a:rPr lang="ko-KR" altLang="en-US" dirty="0"/>
+              <a:t>배열</a:t>
+            </a:r>
+          </a:p>
+        </p:txBody>
+      </p:sp>
+      <p:sp>
+        <p:nvSpPr>
+          <p:cNvPr id="3" name="내용 개체 틀 2">
+            <a:extLst>
+              <a:ext uri="{FF2B5EF4-FFF2-40B4-BE49-F238E27FC236}">
+                <a16:creationId xmlns:a16="http://schemas.microsoft.com/office/drawing/2014/main" id="{F869418B-9BE8-48DE-80B2-4EB21480E2E5}"/>
+              </a:ext>
+            </a:extLst>
+          </p:cNvPr>
+          <p:cNvSpPr>
+            <a:spLocks noGrp="1"/>
+          </p:cNvSpPr>
+          <p:nvPr>
+            <p:ph idx="1"/>
+          </p:nvPr>
+        </p:nvSpPr>
+        <p:spPr/>
+        <p:txBody>
+          <a:bodyPr/>
+          <a:lstStyle/>
+          <a:p>
+            <a:r>
+              <a:rPr lang="en-US" altLang="ko-KR" dirty="0"/>
+              <a:t>JavaScript</a:t>
+            </a:r>
+            <a:r>
+              <a:rPr lang="ko-KR" altLang="en-US" dirty="0"/>
+              <a:t>의 배열은 </a:t>
+            </a:r>
+            <a:r>
+              <a:rPr lang="en-US" altLang="ko-KR" dirty="0"/>
+              <a:t>C</a:t>
+            </a:r>
+            <a:r>
+              <a:rPr lang="ko-KR" altLang="en-US" dirty="0"/>
+              <a:t>에서의 배열과 동일함</a:t>
+            </a:r>
+            <a:endParaRPr lang="en-US" altLang="ko-KR" dirty="0"/>
+          </a:p>
+          <a:p>
+            <a:pPr lvl="1"/>
+            <a:r>
+              <a:rPr lang="en-US" altLang="ko-KR" dirty="0" err="1">
+                <a:solidFill>
+                  <a:srgbClr val="00B050"/>
+                </a:solidFill>
+              </a:rPr>
+              <a:t>var</a:t>
+            </a:r>
+            <a:r>
+              <a:rPr lang="en-US" altLang="ko-KR" dirty="0"/>
+              <a:t> member = [‘ajou’, ‘</a:t>
+            </a:r>
+            <a:r>
+              <a:rPr lang="en-US" altLang="ko-KR" dirty="0" err="1"/>
+              <a:t>sish</a:t>
+            </a:r>
+            <a:r>
+              <a:rPr lang="en-US" altLang="ko-KR" dirty="0"/>
+              <a:t>’, ‘</a:t>
+            </a:r>
+            <a:r>
+              <a:rPr lang="en-US" altLang="ko-KR" dirty="0" err="1"/>
+              <a:t>maetan</a:t>
+            </a:r>
+            <a:r>
+              <a:rPr lang="en-US" altLang="ko-KR" dirty="0"/>
+              <a:t>’]</a:t>
+            </a:r>
+          </a:p>
+          <a:p>
+            <a:endParaRPr lang="en-US" altLang="ko-KR" dirty="0"/>
+          </a:p>
+          <a:p>
+            <a:r>
+              <a:rPr lang="ko-KR" altLang="en-US" dirty="0"/>
+              <a:t>배열의 추가</a:t>
+            </a:r>
+            <a:r>
+              <a:rPr lang="en-US" altLang="ko-KR" dirty="0"/>
+              <a:t> (</a:t>
+            </a:r>
+            <a:r>
+              <a:rPr lang="ko-KR" altLang="en-US" dirty="0"/>
+              <a:t>이하는 모두 </a:t>
+            </a:r>
+            <a:r>
+              <a:rPr lang="en-US" altLang="ko-KR" dirty="0">
+                <a:solidFill>
+                  <a:srgbClr val="00B050"/>
+                </a:solidFill>
+              </a:rPr>
+              <a:t>method</a:t>
+            </a:r>
+            <a:r>
+              <a:rPr lang="ko-KR" altLang="en-US" dirty="0"/>
+              <a:t>입니다</a:t>
+            </a:r>
+            <a:r>
+              <a:rPr lang="en-US" altLang="ko-KR" dirty="0"/>
+              <a:t>.)</a:t>
+            </a:r>
+          </a:p>
+          <a:p>
+            <a:pPr lvl="1"/>
+            <a:r>
+              <a:rPr lang="ko-KR" altLang="en-US" dirty="0"/>
+              <a:t>크기</a:t>
+            </a:r>
+            <a:r>
+              <a:rPr lang="en-US" altLang="ko-KR" dirty="0"/>
+              <a:t>: </a:t>
+            </a:r>
+            <a:r>
+              <a:rPr lang="en-US" altLang="ko-KR" dirty="0">
+                <a:solidFill>
+                  <a:srgbClr val="00B050"/>
+                </a:solidFill>
+              </a:rPr>
+              <a:t>length</a:t>
+            </a:r>
+            <a:r>
+              <a:rPr lang="en-US" altLang="ko-KR" dirty="0"/>
+              <a:t>(element)</a:t>
+            </a:r>
+          </a:p>
+          <a:p>
+            <a:pPr lvl="1"/>
+            <a:r>
+              <a:rPr lang="ko-KR" altLang="en-US" dirty="0"/>
+              <a:t>단일 원소 추가</a:t>
+            </a:r>
+            <a:r>
+              <a:rPr lang="en-US" altLang="ko-KR" dirty="0"/>
+              <a:t>: </a:t>
+            </a:r>
+            <a:r>
+              <a:rPr lang="en-US" altLang="ko-KR" dirty="0">
+                <a:solidFill>
+                  <a:srgbClr val="00B050"/>
+                </a:solidFill>
+              </a:rPr>
+              <a:t>push</a:t>
+            </a:r>
+            <a:r>
+              <a:rPr lang="en-US" altLang="ko-KR" dirty="0"/>
+              <a:t>(element)</a:t>
+            </a:r>
+          </a:p>
+          <a:p>
+            <a:pPr lvl="1"/>
+            <a:r>
+              <a:rPr lang="ko-KR" altLang="en-US" dirty="0"/>
+              <a:t>복수 원소 추가</a:t>
+            </a:r>
+            <a:r>
+              <a:rPr lang="en-US" altLang="ko-KR" dirty="0"/>
+              <a:t>: </a:t>
+            </a:r>
+            <a:r>
+              <a:rPr lang="en-US" altLang="ko-KR" dirty="0" err="1">
+                <a:solidFill>
+                  <a:srgbClr val="00B050"/>
+                </a:solidFill>
+              </a:rPr>
+              <a:t>concat</a:t>
+            </a:r>
+            <a:r>
+              <a:rPr lang="en-US" altLang="ko-KR" dirty="0"/>
+              <a:t>(element)</a:t>
+            </a:r>
+          </a:p>
+          <a:p>
+            <a:pPr lvl="1"/>
+            <a:r>
+              <a:rPr lang="en-US" altLang="ko-KR" dirty="0"/>
+              <a:t>0</a:t>
+            </a:r>
+            <a:r>
+              <a:rPr lang="ko-KR" altLang="en-US" dirty="0"/>
+              <a:t>번째 </a:t>
+            </a:r>
+            <a:r>
+              <a:rPr lang="en-US" altLang="ko-KR" dirty="0"/>
+              <a:t>index </a:t>
+            </a:r>
+            <a:r>
+              <a:rPr lang="ko-KR" altLang="en-US" dirty="0"/>
+              <a:t>추가 </a:t>
+            </a:r>
+            <a:r>
+              <a:rPr lang="en-US" altLang="ko-KR" dirty="0"/>
+              <a:t>: </a:t>
+            </a:r>
+            <a:r>
+              <a:rPr lang="en-US" altLang="ko-KR" dirty="0">
+                <a:solidFill>
+                  <a:srgbClr val="00B050"/>
+                </a:solidFill>
+              </a:rPr>
+              <a:t>unshift</a:t>
+            </a:r>
+            <a:r>
+              <a:rPr lang="en-US" altLang="ko-KR" dirty="0"/>
+              <a:t>(element)</a:t>
+            </a:r>
+          </a:p>
+          <a:p>
+            <a:pPr lvl="1"/>
+            <a:r>
+              <a:rPr lang="ko-KR" altLang="en-US" dirty="0"/>
+              <a:t>특정 위치 추가 </a:t>
+            </a:r>
+            <a:r>
+              <a:rPr lang="en-US" altLang="ko-KR" dirty="0"/>
+              <a:t>: </a:t>
+            </a:r>
+            <a:r>
+              <a:rPr lang="en-US" altLang="ko-KR" dirty="0">
+                <a:solidFill>
+                  <a:srgbClr val="00B050"/>
+                </a:solidFill>
+              </a:rPr>
+              <a:t>splice</a:t>
+            </a:r>
+            <a:r>
+              <a:rPr lang="en-US" altLang="ko-KR" dirty="0"/>
+              <a:t>(index, </a:t>
+            </a:r>
+            <a:r>
+              <a:rPr lang="en-US" altLang="ko-KR" dirty="0" err="1"/>
+              <a:t>howmany</a:t>
+            </a:r>
+            <a:r>
+              <a:rPr lang="en-US" altLang="ko-KR" dirty="0"/>
+              <a:t>, element,…)</a:t>
+            </a:r>
+          </a:p>
+        </p:txBody>
+      </p:sp>
+    </p:spTree>
+    <p:extLst>
+      <p:ext uri="{BB962C8B-B14F-4D97-AF65-F5344CB8AC3E}">
+        <p14:creationId xmlns:p14="http://schemas.microsoft.com/office/powerpoint/2010/main" val="3159192129"/>
+      </p:ext>
+    </p:extLst>
+  </p:cSld>
+  <p:clrMapOvr>
+    <a:masterClrMapping/>
+  </p:clrMapOvr>
+</p:sld>
+</file>
+
+<file path=ppt/slides/slide34.xml><?xml version="1.0" encoding="utf-8"?>
+<p:sld xmlns:a="http://schemas.openxmlformats.org/drawingml/2006/main" xmlns:r="http://schemas.openxmlformats.org/officeDocument/2006/relationships" xmlns:p="http://schemas.openxmlformats.org/presentationml/2006/main">
+  <p:cSld>
+    <p:spTree>
+      <p:nvGrpSpPr>
+        <p:cNvPr id="1" name=""/>
+        <p:cNvGrpSpPr/>
+        <p:nvPr/>
+      </p:nvGrpSpPr>
+      <p:grpSpPr>
+        <a:xfrm>
+          <a:off x="0" y="0"/>
+          <a:ext cx="0" cy="0"/>
+          <a:chOff x="0" y="0"/>
+          <a:chExt cx="0" cy="0"/>
+        </a:xfrm>
+      </p:grpSpPr>
+      <p:sp>
+        <p:nvSpPr>
+          <p:cNvPr id="2" name="제목 1">
+            <a:extLst>
+              <a:ext uri="{FF2B5EF4-FFF2-40B4-BE49-F238E27FC236}">
+                <a16:creationId xmlns:a16="http://schemas.microsoft.com/office/drawing/2014/main" id="{0C84825E-7338-4483-B041-1E8D539AB194}"/>
+              </a:ext>
+            </a:extLst>
+          </p:cNvPr>
+          <p:cNvSpPr>
+            <a:spLocks noGrp="1"/>
+          </p:cNvSpPr>
+          <p:nvPr>
+            <p:ph type="title"/>
+          </p:nvPr>
+        </p:nvSpPr>
+        <p:spPr/>
+        <p:txBody>
+          <a:bodyPr/>
+          <a:lstStyle/>
+          <a:p>
+            <a:r>
+              <a:rPr lang="en-US" altLang="ko-KR" dirty="0"/>
+              <a:t>Hello</a:t>
+            </a:r>
+            <a:r>
+              <a:rPr lang="ko-KR" altLang="en-US" dirty="0"/>
+              <a:t> </a:t>
+            </a:r>
+            <a:r>
+              <a:rPr lang="en-US" altLang="ko-KR" dirty="0"/>
+              <a:t>JavaScript – </a:t>
+            </a:r>
+            <a:r>
+              <a:rPr lang="ko-KR" altLang="en-US" dirty="0"/>
+              <a:t>배열</a:t>
+            </a:r>
+          </a:p>
+        </p:txBody>
+      </p:sp>
+      <p:sp>
+        <p:nvSpPr>
+          <p:cNvPr id="3" name="내용 개체 틀 2">
+            <a:extLst>
+              <a:ext uri="{FF2B5EF4-FFF2-40B4-BE49-F238E27FC236}">
+                <a16:creationId xmlns:a16="http://schemas.microsoft.com/office/drawing/2014/main" id="{F869418B-9BE8-48DE-80B2-4EB21480E2E5}"/>
+              </a:ext>
+            </a:extLst>
+          </p:cNvPr>
+          <p:cNvSpPr>
+            <a:spLocks noGrp="1"/>
+          </p:cNvSpPr>
+          <p:nvPr>
+            <p:ph idx="1"/>
+          </p:nvPr>
+        </p:nvSpPr>
+        <p:spPr/>
+        <p:txBody>
+          <a:bodyPr/>
+          <a:lstStyle/>
+          <a:p>
+            <a:r>
+              <a:rPr lang="en-US" altLang="ko-KR" dirty="0"/>
+              <a:t>JavaScript</a:t>
+            </a:r>
+            <a:r>
+              <a:rPr lang="ko-KR" altLang="en-US" dirty="0"/>
+              <a:t>의 배열은 </a:t>
+            </a:r>
+            <a:r>
+              <a:rPr lang="en-US" altLang="ko-KR" dirty="0"/>
+              <a:t>C</a:t>
+            </a:r>
+            <a:r>
+              <a:rPr lang="ko-KR" altLang="en-US" dirty="0"/>
+              <a:t>에서의 배열과 동일함</a:t>
+            </a:r>
+            <a:endParaRPr lang="en-US" altLang="ko-KR" dirty="0"/>
+          </a:p>
+          <a:p>
+            <a:pPr lvl="1"/>
+            <a:r>
+              <a:rPr lang="en-US" altLang="ko-KR" dirty="0" err="1">
+                <a:solidFill>
+                  <a:srgbClr val="00B050"/>
+                </a:solidFill>
+              </a:rPr>
+              <a:t>var</a:t>
+            </a:r>
+            <a:r>
+              <a:rPr lang="en-US" altLang="ko-KR" dirty="0"/>
+              <a:t> member = [‘ajou’, ‘</a:t>
+            </a:r>
+            <a:r>
+              <a:rPr lang="en-US" altLang="ko-KR" dirty="0" err="1"/>
+              <a:t>sish</a:t>
+            </a:r>
+            <a:r>
+              <a:rPr lang="en-US" altLang="ko-KR" dirty="0"/>
+              <a:t>’, ‘</a:t>
+            </a:r>
+            <a:r>
+              <a:rPr lang="en-US" altLang="ko-KR" dirty="0" err="1"/>
+              <a:t>maetan</a:t>
+            </a:r>
+            <a:r>
+              <a:rPr lang="en-US" altLang="ko-KR" dirty="0"/>
+              <a:t>’]</a:t>
+            </a:r>
+          </a:p>
+          <a:p>
+            <a:endParaRPr lang="en-US" altLang="ko-KR" dirty="0"/>
+          </a:p>
+          <a:p>
+            <a:r>
+              <a:rPr lang="ko-KR" altLang="en-US" dirty="0"/>
+              <a:t>배열의 삭제</a:t>
+            </a:r>
+            <a:r>
+              <a:rPr lang="en-US" altLang="ko-KR" dirty="0"/>
+              <a:t> (</a:t>
+            </a:r>
+            <a:r>
+              <a:rPr lang="ko-KR" altLang="en-US" dirty="0"/>
+              <a:t>이하는 모두 </a:t>
+            </a:r>
+            <a:r>
+              <a:rPr lang="en-US" altLang="ko-KR" dirty="0">
+                <a:solidFill>
+                  <a:srgbClr val="00B050"/>
+                </a:solidFill>
+              </a:rPr>
+              <a:t>method</a:t>
+            </a:r>
+            <a:r>
+              <a:rPr lang="ko-KR" altLang="en-US" dirty="0"/>
+              <a:t>입니다</a:t>
+            </a:r>
+            <a:r>
+              <a:rPr lang="en-US" altLang="ko-KR" dirty="0"/>
+              <a:t>.)</a:t>
+            </a:r>
+          </a:p>
+          <a:p>
+            <a:pPr lvl="1"/>
+            <a:r>
+              <a:rPr lang="en-US" altLang="ko-KR" dirty="0"/>
+              <a:t>0</a:t>
+            </a:r>
+            <a:r>
+              <a:rPr lang="ko-KR" altLang="en-US" dirty="0"/>
+              <a:t>번째 </a:t>
+            </a:r>
+            <a:r>
+              <a:rPr lang="en-US" altLang="ko-KR" dirty="0"/>
+              <a:t>index </a:t>
+            </a:r>
+            <a:r>
+              <a:rPr lang="ko-KR" altLang="en-US" dirty="0"/>
+              <a:t>제거 </a:t>
+            </a:r>
+            <a:r>
+              <a:rPr lang="en-US" altLang="ko-KR" dirty="0"/>
+              <a:t>: </a:t>
+            </a:r>
+            <a:r>
+              <a:rPr lang="en-US" altLang="ko-KR" dirty="0">
+                <a:solidFill>
+                  <a:srgbClr val="00B050"/>
+                </a:solidFill>
+              </a:rPr>
+              <a:t>shift</a:t>
+            </a:r>
+            <a:r>
+              <a:rPr lang="en-US" altLang="ko-KR" dirty="0"/>
+              <a:t>()</a:t>
+            </a:r>
+          </a:p>
+          <a:p>
+            <a:pPr lvl="1"/>
+            <a:r>
+              <a:rPr lang="ko-KR" altLang="en-US" dirty="0"/>
+              <a:t>마지막 </a:t>
+            </a:r>
+            <a:r>
+              <a:rPr lang="en-US" altLang="ko-KR" dirty="0"/>
+              <a:t>index</a:t>
+            </a:r>
+            <a:r>
+              <a:rPr lang="ko-KR" altLang="en-US" dirty="0"/>
+              <a:t>제거 </a:t>
+            </a:r>
+            <a:r>
+              <a:rPr lang="en-US" altLang="ko-KR" dirty="0"/>
+              <a:t>: </a:t>
+            </a:r>
+            <a:r>
+              <a:rPr lang="en-US" altLang="ko-KR" dirty="0">
+                <a:solidFill>
+                  <a:srgbClr val="00B050"/>
+                </a:solidFill>
+              </a:rPr>
+              <a:t>pop</a:t>
+            </a:r>
+            <a:r>
+              <a:rPr lang="en-US" altLang="ko-KR" dirty="0"/>
+              <a:t>()</a:t>
+            </a:r>
+          </a:p>
+          <a:p>
+            <a:endParaRPr lang="en-US" altLang="ko-KR" dirty="0"/>
+          </a:p>
+        </p:txBody>
+      </p:sp>
+    </p:spTree>
+    <p:extLst>
+      <p:ext uri="{BB962C8B-B14F-4D97-AF65-F5344CB8AC3E}">
+        <p14:creationId xmlns:p14="http://schemas.microsoft.com/office/powerpoint/2010/main" val="2170018345"/>
+      </p:ext>
+    </p:extLst>
+  </p:cSld>
+  <p:clrMapOvr>
+    <a:masterClrMapping/>
+  </p:clrMapOvr>
+</p:sld>
+</file>
+
+<file path=ppt/slides/slide35.xml><?xml version="1.0" encoding="utf-8"?>
+<p:sld xmlns:a="http://schemas.openxmlformats.org/drawingml/2006/main" xmlns:r="http://schemas.openxmlformats.org/officeDocument/2006/relationships" xmlns:p="http://schemas.openxmlformats.org/presentationml/2006/main">
+  <p:cSld>
+    <p:spTree>
+      <p:nvGrpSpPr>
+        <p:cNvPr id="1" name=""/>
+        <p:cNvGrpSpPr/>
+        <p:nvPr/>
+      </p:nvGrpSpPr>
+      <p:grpSpPr>
+        <a:xfrm>
+          <a:off x="0" y="0"/>
+          <a:ext cx="0" cy="0"/>
+          <a:chOff x="0" y="0"/>
+          <a:chExt cx="0" cy="0"/>
+        </a:xfrm>
+      </p:grpSpPr>
+      <p:sp>
+        <p:nvSpPr>
+          <p:cNvPr id="2" name="제목 1">
+            <a:extLst>
+              <a:ext uri="{FF2B5EF4-FFF2-40B4-BE49-F238E27FC236}">
+                <a16:creationId xmlns:a16="http://schemas.microsoft.com/office/drawing/2014/main" id="{0C84825E-7338-4483-B041-1E8D539AB194}"/>
+              </a:ext>
+            </a:extLst>
+          </p:cNvPr>
+          <p:cNvSpPr>
+            <a:spLocks noGrp="1"/>
+          </p:cNvSpPr>
+          <p:nvPr>
+            <p:ph type="title"/>
+          </p:nvPr>
+        </p:nvSpPr>
+        <p:spPr/>
+        <p:txBody>
+          <a:bodyPr/>
+          <a:lstStyle/>
+          <a:p>
+            <a:r>
+              <a:rPr lang="en-US" altLang="ko-KR" dirty="0"/>
+              <a:t>Hello</a:t>
+            </a:r>
+            <a:r>
+              <a:rPr lang="ko-KR" altLang="en-US" dirty="0"/>
+              <a:t> </a:t>
+            </a:r>
+            <a:r>
+              <a:rPr lang="en-US" altLang="ko-KR" dirty="0"/>
+              <a:t>JavaScript – </a:t>
+            </a:r>
+            <a:r>
+              <a:rPr lang="ko-KR" altLang="en-US" dirty="0"/>
+              <a:t>배열</a:t>
+            </a:r>
+          </a:p>
+        </p:txBody>
+      </p:sp>
+      <p:sp>
+        <p:nvSpPr>
+          <p:cNvPr id="3" name="내용 개체 틀 2">
+            <a:extLst>
+              <a:ext uri="{FF2B5EF4-FFF2-40B4-BE49-F238E27FC236}">
+                <a16:creationId xmlns:a16="http://schemas.microsoft.com/office/drawing/2014/main" id="{F869418B-9BE8-48DE-80B2-4EB21480E2E5}"/>
+              </a:ext>
+            </a:extLst>
+          </p:cNvPr>
+          <p:cNvSpPr>
+            <a:spLocks noGrp="1"/>
+          </p:cNvSpPr>
+          <p:nvPr>
+            <p:ph idx="1"/>
+          </p:nvPr>
+        </p:nvSpPr>
+        <p:spPr/>
+        <p:txBody>
+          <a:bodyPr>
+            <a:normAutofit lnSpcReduction="10000"/>
+          </a:bodyPr>
+          <a:lstStyle/>
+          <a:p>
+            <a:r>
+              <a:rPr lang="en-US" altLang="ko-KR" dirty="0"/>
+              <a:t>JavaScript</a:t>
+            </a:r>
+            <a:r>
+              <a:rPr lang="ko-KR" altLang="en-US" dirty="0"/>
+              <a:t>의 배열은 </a:t>
+            </a:r>
+            <a:r>
+              <a:rPr lang="en-US" altLang="ko-KR" dirty="0"/>
+              <a:t>C</a:t>
+            </a:r>
+            <a:r>
+              <a:rPr lang="ko-KR" altLang="en-US" dirty="0"/>
+              <a:t>에서의 배열과 동일함</a:t>
+            </a:r>
+            <a:endParaRPr lang="en-US" altLang="ko-KR" dirty="0"/>
+          </a:p>
+          <a:p>
+            <a:pPr lvl="1"/>
+            <a:r>
+              <a:rPr lang="en-US" altLang="ko-KR" dirty="0" err="1">
+                <a:solidFill>
+                  <a:srgbClr val="00B050"/>
+                </a:solidFill>
+              </a:rPr>
+              <a:t>var</a:t>
+            </a:r>
+            <a:r>
+              <a:rPr lang="en-US" altLang="ko-KR" dirty="0"/>
+              <a:t> member = [‘ajou’, ‘</a:t>
+            </a:r>
+            <a:r>
+              <a:rPr lang="en-US" altLang="ko-KR" dirty="0" err="1"/>
+              <a:t>sish</a:t>
+            </a:r>
+            <a:r>
+              <a:rPr lang="en-US" altLang="ko-KR" dirty="0"/>
+              <a:t>’, ‘</a:t>
+            </a:r>
+            <a:r>
+              <a:rPr lang="en-US" altLang="ko-KR" dirty="0" err="1"/>
+              <a:t>maetan</a:t>
+            </a:r>
+            <a:r>
+              <a:rPr lang="en-US" altLang="ko-KR" dirty="0"/>
+              <a:t>’]</a:t>
+            </a:r>
+          </a:p>
+          <a:p>
+            <a:endParaRPr lang="en-US" altLang="ko-KR" dirty="0"/>
+          </a:p>
+          <a:p>
+            <a:r>
+              <a:rPr lang="ko-KR" altLang="en-US" dirty="0"/>
+              <a:t>배열의 삭제</a:t>
+            </a:r>
+            <a:r>
+              <a:rPr lang="en-US" altLang="ko-KR" dirty="0"/>
+              <a:t> (</a:t>
+            </a:r>
+            <a:r>
+              <a:rPr lang="ko-KR" altLang="en-US" dirty="0"/>
+              <a:t>이하는 모두 </a:t>
+            </a:r>
+            <a:r>
+              <a:rPr lang="en-US" altLang="ko-KR" dirty="0">
+                <a:solidFill>
+                  <a:srgbClr val="00B050"/>
+                </a:solidFill>
+              </a:rPr>
+              <a:t>method</a:t>
+            </a:r>
+            <a:r>
+              <a:rPr lang="ko-KR" altLang="en-US" dirty="0"/>
+              <a:t>입니다</a:t>
+            </a:r>
+            <a:r>
+              <a:rPr lang="en-US" altLang="ko-KR" dirty="0"/>
+              <a:t>.)</a:t>
+            </a:r>
+          </a:p>
+          <a:p>
+            <a:pPr lvl="1"/>
+            <a:r>
+              <a:rPr lang="en-US" altLang="ko-KR" dirty="0"/>
+              <a:t>0</a:t>
+            </a:r>
+            <a:r>
+              <a:rPr lang="ko-KR" altLang="en-US" dirty="0"/>
+              <a:t>번째 </a:t>
+            </a:r>
+            <a:r>
+              <a:rPr lang="en-US" altLang="ko-KR" dirty="0"/>
+              <a:t>index </a:t>
+            </a:r>
+            <a:r>
+              <a:rPr lang="ko-KR" altLang="en-US" dirty="0"/>
+              <a:t>제거 </a:t>
+            </a:r>
+            <a:r>
+              <a:rPr lang="en-US" altLang="ko-KR" dirty="0"/>
+              <a:t>: </a:t>
+            </a:r>
+            <a:r>
+              <a:rPr lang="en-US" altLang="ko-KR" dirty="0">
+                <a:solidFill>
+                  <a:srgbClr val="00B050"/>
+                </a:solidFill>
+              </a:rPr>
+              <a:t>shift</a:t>
+            </a:r>
+            <a:r>
+              <a:rPr lang="en-US" altLang="ko-KR" dirty="0"/>
+              <a:t>()</a:t>
+            </a:r>
+          </a:p>
+          <a:p>
+            <a:pPr lvl="1"/>
+            <a:r>
+              <a:rPr lang="ko-KR" altLang="en-US" dirty="0"/>
+              <a:t>마지막 </a:t>
+            </a:r>
+            <a:r>
+              <a:rPr lang="en-US" altLang="ko-KR" dirty="0"/>
+              <a:t>index</a:t>
+            </a:r>
+            <a:r>
+              <a:rPr lang="ko-KR" altLang="en-US" dirty="0"/>
+              <a:t>제거 </a:t>
+            </a:r>
+            <a:r>
+              <a:rPr lang="en-US" altLang="ko-KR" dirty="0"/>
+              <a:t>: </a:t>
+            </a:r>
+            <a:r>
+              <a:rPr lang="en-US" altLang="ko-KR" dirty="0">
+                <a:solidFill>
+                  <a:srgbClr val="00B050"/>
+                </a:solidFill>
+              </a:rPr>
+              <a:t>pop</a:t>
+            </a:r>
+            <a:r>
+              <a:rPr lang="en-US" altLang="ko-KR" dirty="0"/>
+              <a:t>()</a:t>
+            </a:r>
+          </a:p>
+          <a:p>
+            <a:endParaRPr lang="en-US" altLang="ko-KR" dirty="0"/>
+          </a:p>
+          <a:p>
+            <a:r>
+              <a:rPr lang="ko-KR" altLang="en-US" dirty="0"/>
+              <a:t>배열의 정렬</a:t>
+            </a:r>
+            <a:endParaRPr lang="en-US" altLang="ko-KR" dirty="0"/>
+          </a:p>
+          <a:p>
+            <a:pPr lvl="1"/>
+            <a:r>
+              <a:rPr lang="ko-KR" altLang="en-US" dirty="0"/>
+              <a:t>순열</a:t>
+            </a:r>
+            <a:r>
+              <a:rPr lang="en-US" altLang="ko-KR" dirty="0"/>
+              <a:t>: </a:t>
+            </a:r>
+            <a:r>
+              <a:rPr lang="en-US" altLang="ko-KR" dirty="0">
+                <a:solidFill>
+                  <a:srgbClr val="00B050"/>
+                </a:solidFill>
+              </a:rPr>
+              <a:t>sort</a:t>
+            </a:r>
+            <a:r>
+              <a:rPr lang="en-US" altLang="ko-KR" dirty="0"/>
+              <a:t>()</a:t>
+            </a:r>
+          </a:p>
+          <a:p>
+            <a:pPr lvl="1"/>
+            <a:r>
+              <a:rPr lang="ko-KR" altLang="en-US" dirty="0"/>
+              <a:t>역순</a:t>
+            </a:r>
+            <a:r>
+              <a:rPr lang="en-US" altLang="ko-KR" dirty="0"/>
+              <a:t>: </a:t>
+            </a:r>
+            <a:r>
+              <a:rPr lang="en-US" altLang="ko-KR" dirty="0">
+                <a:solidFill>
+                  <a:srgbClr val="00B050"/>
+                </a:solidFill>
+              </a:rPr>
+              <a:t>reverse</a:t>
+            </a:r>
+            <a:r>
+              <a:rPr lang="en-US" altLang="ko-KR" dirty="0"/>
+              <a:t>()</a:t>
+            </a:r>
+          </a:p>
+        </p:txBody>
+      </p:sp>
+    </p:spTree>
+    <p:extLst>
+      <p:ext uri="{BB962C8B-B14F-4D97-AF65-F5344CB8AC3E}">
+        <p14:creationId xmlns:p14="http://schemas.microsoft.com/office/powerpoint/2010/main" val="2981994302"/>
+      </p:ext>
+    </p:extLst>
+  </p:cSld>
+  <p:clrMapOvr>
+    <a:masterClrMapping/>
+  </p:clrMapOvr>
+</p:sld>
+</file>
+
+<file path=ppt/slides/slide36.xml><?xml version="1.0" encoding="utf-8"?>
+<p:sld xmlns:a="http://schemas.openxmlformats.org/drawingml/2006/main" xmlns:r="http://schemas.openxmlformats.org/officeDocument/2006/relationships" xmlns:p="http://schemas.openxmlformats.org/presentationml/2006/main">
+  <p:cSld>
+    <p:spTree>
+      <p:nvGrpSpPr>
+        <p:cNvPr id="1" name=""/>
+        <p:cNvGrpSpPr/>
+        <p:nvPr/>
+      </p:nvGrpSpPr>
+      <p:grpSpPr>
+        <a:xfrm>
+          <a:off x="0" y="0"/>
+          <a:ext cx="0" cy="0"/>
+          <a:chOff x="0" y="0"/>
+          <a:chExt cx="0" cy="0"/>
+        </a:xfrm>
+      </p:grpSpPr>
+      <p:sp>
+        <p:nvSpPr>
+          <p:cNvPr id="2" name="제목 1">
+            <a:extLst>
+              <a:ext uri="{FF2B5EF4-FFF2-40B4-BE49-F238E27FC236}">
+                <a16:creationId xmlns:a16="http://schemas.microsoft.com/office/drawing/2014/main" id="{1B150D8C-0809-4579-BCBA-53017EF14273}"/>
+              </a:ext>
+            </a:extLst>
+          </p:cNvPr>
+          <p:cNvSpPr>
+            <a:spLocks noGrp="1"/>
+          </p:cNvSpPr>
+          <p:nvPr>
+            <p:ph type="title"/>
+          </p:nvPr>
+        </p:nvSpPr>
+        <p:spPr/>
+        <p:txBody>
+          <a:bodyPr/>
+          <a:lstStyle/>
+          <a:p>
+            <a:r>
+              <a:rPr lang="en-US" altLang="ko-KR" dirty="0"/>
+              <a:t>Contents</a:t>
+            </a:r>
+            <a:endParaRPr lang="ko-KR" altLang="en-US" dirty="0"/>
+          </a:p>
+        </p:txBody>
+      </p:sp>
+      <p:sp>
+        <p:nvSpPr>
+          <p:cNvPr id="3" name="내용 개체 틀 2">
+            <a:extLst>
+              <a:ext uri="{FF2B5EF4-FFF2-40B4-BE49-F238E27FC236}">
+                <a16:creationId xmlns:a16="http://schemas.microsoft.com/office/drawing/2014/main" id="{E5587D20-F079-448E-9154-37E59D32A6BD}"/>
+              </a:ext>
+            </a:extLst>
+          </p:cNvPr>
+          <p:cNvSpPr>
+            <a:spLocks noGrp="1"/>
+          </p:cNvSpPr>
+          <p:nvPr>
+            <p:ph idx="1"/>
+          </p:nvPr>
+        </p:nvSpPr>
+        <p:spPr/>
+        <p:txBody>
+          <a:bodyPr/>
+          <a:lstStyle/>
+          <a:p>
+            <a:r>
+              <a:rPr lang="ko-KR" altLang="en-US" strike="sngStrike" dirty="0"/>
+              <a:t>자바스크립트의 기본</a:t>
+            </a:r>
+            <a:endParaRPr lang="en-US" altLang="ko-KR" strike="sngStrike" dirty="0"/>
+          </a:p>
+          <a:p>
+            <a:r>
+              <a:rPr lang="ko-KR" altLang="en-US" strike="sngStrike" dirty="0"/>
+              <a:t>실행방법과 실습환경</a:t>
+            </a:r>
+            <a:endParaRPr lang="en-US" altLang="ko-KR" strike="sngStrike" dirty="0"/>
+          </a:p>
+          <a:p>
+            <a:r>
+              <a:rPr lang="en-US" altLang="ko-KR" strike="sngStrike" dirty="0"/>
+              <a:t>Hello</a:t>
+            </a:r>
+            <a:r>
+              <a:rPr lang="ko-KR" altLang="en-US" strike="sngStrike" dirty="0"/>
+              <a:t> </a:t>
+            </a:r>
+            <a:r>
+              <a:rPr lang="en-US" altLang="ko-KR" strike="sngStrike" dirty="0"/>
+              <a:t>JavaScript</a:t>
+            </a:r>
+          </a:p>
+          <a:p>
+            <a:pPr lvl="1"/>
+            <a:r>
+              <a:rPr lang="ko-KR" altLang="en-US" strike="sngStrike" dirty="0"/>
+              <a:t>기본 컨벤션</a:t>
+            </a:r>
+            <a:endParaRPr lang="en-US" altLang="ko-KR" strike="sngStrike" dirty="0"/>
+          </a:p>
+          <a:p>
+            <a:pPr lvl="1"/>
+            <a:r>
+              <a:rPr lang="ko-KR" altLang="en-US" strike="sngStrike" dirty="0"/>
+              <a:t>연산자</a:t>
+            </a:r>
+            <a:r>
+              <a:rPr lang="en-US" altLang="ko-KR" strike="sngStrike" dirty="0"/>
+              <a:t>/</a:t>
+            </a:r>
+            <a:r>
+              <a:rPr lang="ko-KR" altLang="en-US" strike="sngStrike" dirty="0"/>
+              <a:t>조건</a:t>
+            </a:r>
+            <a:r>
+              <a:rPr lang="en-US" altLang="ko-KR" strike="sngStrike" dirty="0"/>
+              <a:t>/</a:t>
+            </a:r>
+            <a:r>
+              <a:rPr lang="ko-KR" altLang="en-US" strike="sngStrike" dirty="0" err="1"/>
+              <a:t>반복문</a:t>
+            </a:r>
+            <a:endParaRPr lang="en-US" altLang="ko-KR" strike="sngStrike" dirty="0"/>
+          </a:p>
+          <a:p>
+            <a:pPr lvl="1"/>
+            <a:r>
+              <a:rPr lang="ko-KR" altLang="en-US" strike="sngStrike" dirty="0"/>
+              <a:t>함수</a:t>
+            </a:r>
+            <a:endParaRPr lang="en-US" altLang="ko-KR" strike="sngStrike" dirty="0"/>
+          </a:p>
+          <a:p>
+            <a:pPr lvl="1"/>
+            <a:r>
+              <a:rPr lang="ko-KR" altLang="en-US" strike="sngStrike" dirty="0"/>
+              <a:t>배열</a:t>
+            </a:r>
+            <a:endParaRPr lang="en-US" altLang="ko-KR" strike="sngStrike" dirty="0"/>
+          </a:p>
+          <a:p>
+            <a:r>
+              <a:rPr lang="ko-KR" altLang="en-US" dirty="0">
+                <a:solidFill>
+                  <a:srgbClr val="00B050"/>
+                </a:solidFill>
+              </a:rPr>
+              <a:t>객체</a:t>
+            </a:r>
+            <a:endParaRPr lang="en-US" altLang="ko-KR" dirty="0">
+              <a:solidFill>
+                <a:srgbClr val="00B050"/>
+              </a:solidFill>
+            </a:endParaRPr>
+          </a:p>
+          <a:p>
+            <a:r>
+              <a:rPr lang="ko-KR" altLang="en-US" dirty="0"/>
+              <a:t>모듈</a:t>
+            </a:r>
+            <a:endParaRPr lang="en-US" altLang="ko-KR" dirty="0"/>
+          </a:p>
+          <a:p>
+            <a:endParaRPr lang="ko-KR" altLang="en-US" dirty="0"/>
+          </a:p>
+        </p:txBody>
+      </p:sp>
+    </p:spTree>
+    <p:extLst>
+      <p:ext uri="{BB962C8B-B14F-4D97-AF65-F5344CB8AC3E}">
+        <p14:creationId xmlns:p14="http://schemas.microsoft.com/office/powerpoint/2010/main" val="2120479498"/>
+      </p:ext>
+    </p:extLst>
+  </p:cSld>
+  <p:clrMapOvr>
+    <a:masterClrMapping/>
+  </p:clrMapOvr>
+</p:sld>
+</file>
+
+<file path=ppt/slides/slide37.xml><?xml version="1.0" encoding="utf-8"?>
+<p:sld xmlns:a="http://schemas.openxmlformats.org/drawingml/2006/main" xmlns:r="http://schemas.openxmlformats.org/officeDocument/2006/relationships" xmlns:p="http://schemas.openxmlformats.org/presentationml/2006/main">
+  <p:cSld>
+    <p:spTree>
+      <p:nvGrpSpPr>
+        <p:cNvPr id="1" name=""/>
+        <p:cNvGrpSpPr/>
+        <p:nvPr/>
+      </p:nvGrpSpPr>
+      <p:grpSpPr>
+        <a:xfrm>
+          <a:off x="0" y="0"/>
+          <a:ext cx="0" cy="0"/>
+          <a:chOff x="0" y="0"/>
+          <a:chExt cx="0" cy="0"/>
+        </a:xfrm>
+      </p:grpSpPr>
+      <p:sp>
+        <p:nvSpPr>
+          <p:cNvPr id="2" name="제목 1">
+            <a:extLst>
+              <a:ext uri="{FF2B5EF4-FFF2-40B4-BE49-F238E27FC236}">
+                <a16:creationId xmlns:a16="http://schemas.microsoft.com/office/drawing/2014/main" id="{F3946B1B-6745-415B-ADAC-0B333FFFB354}"/>
+              </a:ext>
+            </a:extLst>
+          </p:cNvPr>
+          <p:cNvSpPr>
+            <a:spLocks noGrp="1"/>
+          </p:cNvSpPr>
+          <p:nvPr>
+            <p:ph type="title"/>
+          </p:nvPr>
+        </p:nvSpPr>
+        <p:spPr/>
+        <p:txBody>
+          <a:bodyPr/>
+          <a:lstStyle/>
+          <a:p>
+            <a:r>
+              <a:rPr lang="ko-KR" altLang="en-US" dirty="0"/>
+              <a:t>객체</a:t>
+            </a:r>
+          </a:p>
+        </p:txBody>
+      </p:sp>
+      <p:sp>
+        <p:nvSpPr>
+          <p:cNvPr id="3" name="내용 개체 틀 2">
+            <a:extLst>
+              <a:ext uri="{FF2B5EF4-FFF2-40B4-BE49-F238E27FC236}">
+                <a16:creationId xmlns:a16="http://schemas.microsoft.com/office/drawing/2014/main" id="{516F0D6E-2634-4058-9948-B27548EA3D78}"/>
+              </a:ext>
+            </a:extLst>
+          </p:cNvPr>
+          <p:cNvSpPr>
+            <a:spLocks noGrp="1"/>
+          </p:cNvSpPr>
+          <p:nvPr>
+            <p:ph idx="1"/>
+          </p:nvPr>
+        </p:nvSpPr>
+        <p:spPr/>
+        <p:txBody>
+          <a:bodyPr>
+            <a:normAutofit fontScale="85000" lnSpcReduction="20000"/>
+          </a:bodyPr>
+          <a:lstStyle/>
+          <a:p>
+            <a:r>
+              <a:rPr lang="ko-KR" altLang="en-US" dirty="0"/>
+              <a:t>객체 </a:t>
+            </a:r>
+            <a:r>
+              <a:rPr lang="en-US" altLang="ko-KR" dirty="0"/>
+              <a:t>– index</a:t>
+            </a:r>
+            <a:r>
+              <a:rPr lang="ko-KR" altLang="en-US" dirty="0"/>
+              <a:t>를 가리키는 다른 표현법의 하나</a:t>
+            </a:r>
+            <a:endParaRPr lang="en-US" altLang="ko-KR" dirty="0"/>
+          </a:p>
+          <a:p>
+            <a:r>
+              <a:rPr lang="ko-KR" altLang="en-US" b="1" dirty="0">
+                <a:solidFill>
+                  <a:srgbClr val="FF0000"/>
+                </a:solidFill>
+              </a:rPr>
+              <a:t>객체 </a:t>
+            </a:r>
+            <a:r>
+              <a:rPr lang="en-US" altLang="ko-KR" b="1" dirty="0">
+                <a:solidFill>
+                  <a:srgbClr val="FF0000"/>
+                </a:solidFill>
+              </a:rPr>
+              <a:t>!= </a:t>
+            </a:r>
+            <a:r>
+              <a:rPr lang="ko-KR" altLang="en-US" b="1" dirty="0">
+                <a:solidFill>
+                  <a:srgbClr val="FF0000"/>
+                </a:solidFill>
+              </a:rPr>
+              <a:t>객체지향</a:t>
+            </a:r>
+            <a:r>
+              <a:rPr lang="en-US" altLang="ko-KR" b="1" dirty="0">
+                <a:solidFill>
+                  <a:srgbClr val="FF0000"/>
+                </a:solidFill>
+              </a:rPr>
+              <a:t>, </a:t>
+            </a:r>
+            <a:r>
+              <a:rPr lang="ko-KR" altLang="en-US" b="1" dirty="0">
+                <a:solidFill>
+                  <a:srgbClr val="FF0000"/>
+                </a:solidFill>
+              </a:rPr>
+              <a:t>또는 객체지향에서의 객체</a:t>
+            </a:r>
+            <a:r>
+              <a:rPr lang="en-US" altLang="ko-KR" b="1" dirty="0">
+                <a:solidFill>
+                  <a:srgbClr val="FF0000"/>
+                </a:solidFill>
+              </a:rPr>
+              <a:t>(object)</a:t>
+            </a:r>
+          </a:p>
+          <a:p>
+            <a:r>
+              <a:rPr lang="ko-KR" altLang="en-US" dirty="0" err="1"/>
+              <a:t>파이썬</a:t>
+            </a:r>
+            <a:r>
+              <a:rPr lang="ko-KR" altLang="en-US" dirty="0"/>
+              <a:t> 등 다른 언어에서 </a:t>
+            </a:r>
+            <a:r>
+              <a:rPr lang="en-US" altLang="ko-KR" i="1" dirty="0">
+                <a:solidFill>
+                  <a:srgbClr val="00B050"/>
+                </a:solidFill>
+              </a:rPr>
+              <a:t>dictionary </a:t>
+            </a:r>
+            <a:r>
+              <a:rPr lang="ko-KR" altLang="en-US" dirty="0"/>
+              <a:t>라고 부르는 데이터타입</a:t>
+            </a:r>
+            <a:endParaRPr lang="en-US" altLang="ko-KR" dirty="0"/>
+          </a:p>
+          <a:p>
+            <a:endParaRPr lang="en-US" altLang="ko-KR" dirty="0">
+              <a:solidFill>
+                <a:srgbClr val="00B050"/>
+              </a:solidFill>
+            </a:endParaRPr>
+          </a:p>
+          <a:p>
+            <a:r>
+              <a:rPr lang="en-US" altLang="ko-KR" dirty="0" err="1">
+                <a:solidFill>
+                  <a:srgbClr val="00B050"/>
+                </a:solidFill>
+              </a:rPr>
+              <a:t>var</a:t>
+            </a:r>
+            <a:r>
+              <a:rPr lang="en-US" altLang="ko-KR" dirty="0">
+                <a:solidFill>
+                  <a:srgbClr val="00B050"/>
+                </a:solidFill>
+              </a:rPr>
+              <a:t> </a:t>
+            </a:r>
+            <a:r>
+              <a:rPr lang="en-US" altLang="ko-KR" dirty="0"/>
+              <a:t>grades = {</a:t>
+            </a:r>
+            <a:r>
+              <a:rPr lang="en-US" altLang="ko-KR" dirty="0">
+                <a:solidFill>
+                  <a:srgbClr val="0070C0"/>
+                </a:solidFill>
+              </a:rPr>
+              <a:t>‘ajou'</a:t>
+            </a:r>
+            <a:r>
+              <a:rPr lang="en-US" altLang="ko-KR" dirty="0"/>
+              <a:t>: 10, </a:t>
+            </a:r>
+            <a:r>
+              <a:rPr lang="en-US" altLang="ko-KR" dirty="0">
+                <a:solidFill>
+                  <a:srgbClr val="0070C0"/>
+                </a:solidFill>
+              </a:rPr>
+              <a:t>‘</a:t>
+            </a:r>
+            <a:r>
+              <a:rPr lang="en-US" altLang="ko-KR" dirty="0" err="1">
+                <a:solidFill>
+                  <a:srgbClr val="0070C0"/>
+                </a:solidFill>
+              </a:rPr>
+              <a:t>sish</a:t>
+            </a:r>
+            <a:r>
+              <a:rPr lang="en-US" altLang="ko-KR" dirty="0">
+                <a:solidFill>
+                  <a:srgbClr val="0070C0"/>
+                </a:solidFill>
+              </a:rPr>
+              <a:t>'</a:t>
+            </a:r>
+            <a:r>
+              <a:rPr lang="en-US" altLang="ko-KR" dirty="0"/>
+              <a:t>: 6, </a:t>
+            </a:r>
+            <a:r>
+              <a:rPr lang="en-US" altLang="ko-KR" dirty="0">
+                <a:solidFill>
+                  <a:srgbClr val="0070C0"/>
+                </a:solidFill>
+              </a:rPr>
+              <a:t>‘</a:t>
+            </a:r>
+            <a:r>
+              <a:rPr lang="en-US" altLang="ko-KR" dirty="0" err="1">
+                <a:solidFill>
+                  <a:srgbClr val="0070C0"/>
+                </a:solidFill>
+              </a:rPr>
+              <a:t>maetan</a:t>
+            </a:r>
+            <a:r>
+              <a:rPr lang="en-US" altLang="ko-KR" dirty="0">
+                <a:solidFill>
+                  <a:srgbClr val="0070C0"/>
+                </a:solidFill>
+              </a:rPr>
+              <a:t>’</a:t>
+            </a:r>
+            <a:r>
+              <a:rPr lang="en-US" altLang="ko-KR" dirty="0"/>
+              <a:t>: 80};</a:t>
+            </a:r>
+          </a:p>
+          <a:p>
+            <a:r>
+              <a:rPr lang="ko-KR" altLang="en-US" dirty="0"/>
+              <a:t>호출 </a:t>
+            </a:r>
+            <a:r>
+              <a:rPr lang="en-US" altLang="ko-KR" dirty="0"/>
+              <a:t>grade[‘ajou’]</a:t>
+            </a:r>
+            <a:r>
+              <a:rPr lang="ko-KR" altLang="en-US" dirty="0"/>
+              <a:t> </a:t>
+            </a:r>
+            <a:r>
+              <a:rPr lang="en-US" altLang="ko-KR" dirty="0"/>
+              <a:t>/</a:t>
+            </a:r>
+            <a:r>
+              <a:rPr lang="ko-KR" altLang="en-US" dirty="0"/>
+              <a:t> </a:t>
+            </a:r>
+            <a:r>
+              <a:rPr lang="en-US" altLang="ko-KR" dirty="0" err="1"/>
+              <a:t>grade.ajou</a:t>
+            </a:r>
+            <a:r>
+              <a:rPr lang="ko-KR" altLang="en-US" dirty="0"/>
+              <a:t> </a:t>
+            </a:r>
+            <a:endParaRPr lang="en-US" altLang="ko-KR" dirty="0"/>
+          </a:p>
+          <a:p>
+            <a:r>
+              <a:rPr lang="en-US" altLang="ko-KR" dirty="0" err="1"/>
+              <a:t>var</a:t>
+            </a:r>
+            <a:r>
+              <a:rPr lang="en-US" altLang="ko-KR" dirty="0"/>
+              <a:t> grades = {    </a:t>
+            </a:r>
+            <a:r>
+              <a:rPr lang="en-US" altLang="ko-KR" dirty="0">
+                <a:solidFill>
+                  <a:srgbClr val="00B050"/>
+                </a:solidFill>
+              </a:rPr>
+              <a:t>'list</a:t>
+            </a:r>
+            <a:r>
+              <a:rPr lang="en-US" altLang="ko-KR" dirty="0"/>
+              <a:t>': {</a:t>
+            </a:r>
+            <a:r>
+              <a:rPr lang="ko-KR" altLang="en-US" dirty="0">
+                <a:solidFill>
+                  <a:schemeClr val="accent1"/>
+                </a:solidFill>
+              </a:rPr>
+              <a:t>‘</a:t>
+            </a:r>
+            <a:r>
+              <a:rPr lang="en-US" altLang="ko-KR" dirty="0">
+                <a:solidFill>
+                  <a:schemeClr val="accent1"/>
+                </a:solidFill>
+              </a:rPr>
+              <a:t>ajou</a:t>
+            </a:r>
+            <a:r>
+              <a:rPr lang="en-US" altLang="ko-KR" dirty="0"/>
+              <a:t>': 10, </a:t>
+            </a:r>
+            <a:r>
+              <a:rPr lang="en-US" altLang="ko-KR" dirty="0">
+                <a:solidFill>
+                  <a:schemeClr val="accent1"/>
+                </a:solidFill>
+              </a:rPr>
+              <a:t>'k8805</a:t>
+            </a:r>
+            <a:r>
+              <a:rPr lang="en-US" altLang="ko-KR" dirty="0"/>
+              <a:t>': 6, </a:t>
+            </a:r>
+            <a:r>
+              <a:rPr lang="en-US" altLang="ko-KR" dirty="0">
+                <a:solidFill>
+                  <a:schemeClr val="accent1"/>
+                </a:solidFill>
+              </a:rPr>
+              <a:t>'</a:t>
+            </a:r>
+            <a:r>
+              <a:rPr lang="en-US" altLang="ko-KR" dirty="0" err="1">
+                <a:solidFill>
+                  <a:schemeClr val="accent1"/>
+                </a:solidFill>
+              </a:rPr>
+              <a:t>sorialgi</a:t>
+            </a:r>
+            <a:r>
+              <a:rPr lang="en-US" altLang="ko-KR" dirty="0"/>
+              <a:t>': 80},</a:t>
+            </a:r>
+          </a:p>
+          <a:p>
+            <a:pPr marL="0" indent="0">
+              <a:buNone/>
+            </a:pPr>
+            <a:r>
+              <a:rPr lang="en-US" altLang="ko-KR" dirty="0"/>
+              <a:t>    </a:t>
+            </a:r>
+            <a:r>
+              <a:rPr lang="en-US" altLang="ko-KR" dirty="0">
+                <a:solidFill>
+                  <a:srgbClr val="00B050"/>
+                </a:solidFill>
+              </a:rPr>
+              <a:t>'show</a:t>
+            </a:r>
+            <a:r>
+              <a:rPr lang="en-US" altLang="ko-KR" dirty="0"/>
+              <a:t>' : </a:t>
+            </a:r>
+            <a:r>
+              <a:rPr lang="en-US" altLang="ko-KR" dirty="0">
+                <a:solidFill>
+                  <a:schemeClr val="accent1"/>
+                </a:solidFill>
+              </a:rPr>
+              <a:t>function</a:t>
+            </a:r>
+            <a:r>
+              <a:rPr lang="en-US" altLang="ko-KR" dirty="0"/>
+              <a:t>(){</a:t>
+            </a:r>
+          </a:p>
+          <a:p>
+            <a:pPr marL="0" indent="0">
+              <a:buNone/>
+            </a:pPr>
+            <a:r>
+              <a:rPr lang="en-US" altLang="ko-KR" dirty="0"/>
+              <a:t>        for(</a:t>
+            </a:r>
+            <a:r>
+              <a:rPr lang="en-US" altLang="ko-KR" dirty="0" err="1"/>
+              <a:t>var</a:t>
+            </a:r>
+            <a:r>
+              <a:rPr lang="en-US" altLang="ko-KR" dirty="0"/>
+              <a:t> name in </a:t>
+            </a:r>
+            <a:r>
+              <a:rPr lang="en-US" altLang="ko-KR" dirty="0" err="1"/>
+              <a:t>this.list</a:t>
+            </a:r>
+            <a:r>
+              <a:rPr lang="en-US" altLang="ko-KR" dirty="0"/>
+              <a:t>){</a:t>
+            </a:r>
+          </a:p>
+          <a:p>
+            <a:pPr marL="0" indent="0">
+              <a:buNone/>
+            </a:pPr>
+            <a:r>
+              <a:rPr lang="en-US" altLang="ko-KR" dirty="0"/>
+              <a:t>            </a:t>
+            </a:r>
+            <a:r>
+              <a:rPr lang="en-US" altLang="ko-KR" dirty="0" err="1"/>
+              <a:t>document.write</a:t>
+            </a:r>
+            <a:r>
+              <a:rPr lang="en-US" altLang="ko-KR" dirty="0"/>
+              <a:t>(name+':'+</a:t>
+            </a:r>
+            <a:r>
+              <a:rPr lang="en-US" altLang="ko-KR" dirty="0" err="1"/>
+              <a:t>this.list</a:t>
+            </a:r>
+            <a:r>
+              <a:rPr lang="en-US" altLang="ko-KR" dirty="0"/>
+              <a:t>[name]+"&lt;</a:t>
+            </a:r>
+            <a:r>
+              <a:rPr lang="en-US" altLang="ko-KR" dirty="0" err="1"/>
+              <a:t>br</a:t>
+            </a:r>
+            <a:r>
+              <a:rPr lang="en-US" altLang="ko-KR" dirty="0"/>
+              <a:t> /&gt;"); }   }};</a:t>
+            </a:r>
+          </a:p>
+          <a:p>
+            <a:pPr marL="0" indent="0">
+              <a:buNone/>
+            </a:pPr>
+            <a:r>
+              <a:rPr lang="en-US" altLang="ko-KR" dirty="0" err="1"/>
+              <a:t>grades.show</a:t>
+            </a:r>
+            <a:r>
+              <a:rPr lang="en-US" altLang="ko-KR" dirty="0"/>
+              <a:t>();</a:t>
+            </a:r>
+          </a:p>
+        </p:txBody>
+      </p:sp>
+    </p:spTree>
+    <p:extLst>
+      <p:ext uri="{BB962C8B-B14F-4D97-AF65-F5344CB8AC3E}">
+        <p14:creationId xmlns:p14="http://schemas.microsoft.com/office/powerpoint/2010/main" val="1646957096"/>
+      </p:ext>
+    </p:extLst>
+  </p:cSld>
+  <p:clrMapOvr>
+    <a:masterClrMapping/>
+  </p:clrMapOvr>
+</p:sld>
+</file>
+
+<file path=ppt/slides/slide38.xml><?xml version="1.0" encoding="utf-8"?>
+<p:sld xmlns:a="http://schemas.openxmlformats.org/drawingml/2006/main" xmlns:r="http://schemas.openxmlformats.org/officeDocument/2006/relationships" xmlns:p="http://schemas.openxmlformats.org/presentationml/2006/main">
+  <p:cSld>
+    <p:spTree>
+      <p:nvGrpSpPr>
+        <p:cNvPr id="1" name=""/>
+        <p:cNvGrpSpPr/>
+        <p:nvPr/>
+      </p:nvGrpSpPr>
+      <p:grpSpPr>
+        <a:xfrm>
+          <a:off x="0" y="0"/>
+          <a:ext cx="0" cy="0"/>
+          <a:chOff x="0" y="0"/>
+          <a:chExt cx="0" cy="0"/>
+        </a:xfrm>
+      </p:grpSpPr>
+      <p:sp>
+        <p:nvSpPr>
+          <p:cNvPr id="2" name="제목 1">
+            <a:extLst>
+              <a:ext uri="{FF2B5EF4-FFF2-40B4-BE49-F238E27FC236}">
+                <a16:creationId xmlns:a16="http://schemas.microsoft.com/office/drawing/2014/main" id="{F3946B1B-6745-415B-ADAC-0B333FFFB354}"/>
+              </a:ext>
+            </a:extLst>
+          </p:cNvPr>
+          <p:cNvSpPr>
+            <a:spLocks noGrp="1"/>
+          </p:cNvSpPr>
+          <p:nvPr>
+            <p:ph type="title"/>
+          </p:nvPr>
+        </p:nvSpPr>
+        <p:spPr/>
+        <p:txBody>
+          <a:bodyPr/>
+          <a:lstStyle/>
+          <a:p>
+            <a:r>
+              <a:rPr lang="ko-KR" altLang="en-US" dirty="0"/>
+              <a:t>객체</a:t>
+            </a:r>
+          </a:p>
+        </p:txBody>
+      </p:sp>
+      <p:sp>
+        <p:nvSpPr>
+          <p:cNvPr id="3" name="내용 개체 틀 2">
+            <a:extLst>
+              <a:ext uri="{FF2B5EF4-FFF2-40B4-BE49-F238E27FC236}">
+                <a16:creationId xmlns:a16="http://schemas.microsoft.com/office/drawing/2014/main" id="{516F0D6E-2634-4058-9948-B27548EA3D78}"/>
+              </a:ext>
+            </a:extLst>
+          </p:cNvPr>
+          <p:cNvSpPr>
+            <a:spLocks noGrp="1"/>
+          </p:cNvSpPr>
+          <p:nvPr>
+            <p:ph idx="1"/>
+          </p:nvPr>
+        </p:nvSpPr>
+        <p:spPr/>
+        <p:txBody>
+          <a:bodyPr>
+            <a:normAutofit fontScale="85000" lnSpcReduction="20000"/>
+          </a:bodyPr>
+          <a:lstStyle/>
+          <a:p>
+            <a:r>
+              <a:rPr lang="ko-KR" altLang="en-US" dirty="0"/>
+              <a:t>객체 </a:t>
+            </a:r>
+            <a:r>
+              <a:rPr lang="en-US" altLang="ko-KR" dirty="0"/>
+              <a:t>– index</a:t>
+            </a:r>
+            <a:r>
+              <a:rPr lang="ko-KR" altLang="en-US" dirty="0"/>
+              <a:t>를 가리키는 다른 표현법의 하나</a:t>
+            </a:r>
+            <a:endParaRPr lang="en-US" altLang="ko-KR" dirty="0"/>
+          </a:p>
+          <a:p>
+            <a:r>
+              <a:rPr lang="ko-KR" altLang="en-US" b="1" dirty="0">
+                <a:solidFill>
+                  <a:srgbClr val="FF0000"/>
+                </a:solidFill>
+              </a:rPr>
+              <a:t>객체 </a:t>
+            </a:r>
+            <a:r>
+              <a:rPr lang="en-US" altLang="ko-KR" b="1" dirty="0">
+                <a:solidFill>
+                  <a:srgbClr val="FF0000"/>
+                </a:solidFill>
+              </a:rPr>
+              <a:t>!= </a:t>
+            </a:r>
+            <a:r>
+              <a:rPr lang="ko-KR" altLang="en-US" b="1" dirty="0">
+                <a:solidFill>
+                  <a:srgbClr val="FF0000"/>
+                </a:solidFill>
+              </a:rPr>
+              <a:t>객체지향</a:t>
+            </a:r>
+            <a:r>
+              <a:rPr lang="en-US" altLang="ko-KR" b="1" dirty="0">
+                <a:solidFill>
+                  <a:srgbClr val="FF0000"/>
+                </a:solidFill>
+              </a:rPr>
+              <a:t>, </a:t>
+            </a:r>
+            <a:r>
+              <a:rPr lang="ko-KR" altLang="en-US" b="1" dirty="0">
+                <a:solidFill>
+                  <a:srgbClr val="FF0000"/>
+                </a:solidFill>
+              </a:rPr>
+              <a:t>또는 객체지향에서의 객체</a:t>
+            </a:r>
+            <a:r>
+              <a:rPr lang="en-US" altLang="ko-KR" b="1" dirty="0">
+                <a:solidFill>
+                  <a:srgbClr val="FF0000"/>
+                </a:solidFill>
+              </a:rPr>
+              <a:t>(object)</a:t>
+            </a:r>
+          </a:p>
+          <a:p>
+            <a:r>
+              <a:rPr lang="ko-KR" altLang="en-US" dirty="0" err="1"/>
+              <a:t>파이썬</a:t>
+            </a:r>
+            <a:r>
+              <a:rPr lang="ko-KR" altLang="en-US" dirty="0"/>
+              <a:t> 등 다른 언어에서 </a:t>
+            </a:r>
+            <a:r>
+              <a:rPr lang="en-US" altLang="ko-KR" i="1" dirty="0">
+                <a:solidFill>
+                  <a:srgbClr val="00B050"/>
+                </a:solidFill>
+              </a:rPr>
+              <a:t>dictionary </a:t>
+            </a:r>
+            <a:r>
+              <a:rPr lang="ko-KR" altLang="en-US" dirty="0"/>
+              <a:t>라고 부르는 데이터타입</a:t>
+            </a:r>
+            <a:endParaRPr lang="en-US" altLang="ko-KR" dirty="0"/>
+          </a:p>
+          <a:p>
+            <a:endParaRPr lang="en-US" altLang="ko-KR" dirty="0">
+              <a:solidFill>
+                <a:srgbClr val="00B050"/>
+              </a:solidFill>
+            </a:endParaRPr>
+          </a:p>
+          <a:p>
+            <a:r>
+              <a:rPr lang="en-US" altLang="ko-KR" dirty="0" err="1">
+                <a:solidFill>
+                  <a:srgbClr val="00B050"/>
+                </a:solidFill>
+              </a:rPr>
+              <a:t>var</a:t>
+            </a:r>
+            <a:r>
+              <a:rPr lang="en-US" altLang="ko-KR" dirty="0">
+                <a:solidFill>
+                  <a:srgbClr val="00B050"/>
+                </a:solidFill>
+              </a:rPr>
+              <a:t> </a:t>
+            </a:r>
+            <a:r>
+              <a:rPr lang="en-US" altLang="ko-KR" dirty="0"/>
+              <a:t>grades = {</a:t>
+            </a:r>
+            <a:r>
+              <a:rPr lang="en-US" altLang="ko-KR" dirty="0">
+                <a:solidFill>
+                  <a:srgbClr val="0070C0"/>
+                </a:solidFill>
+              </a:rPr>
+              <a:t>‘ajou'</a:t>
+            </a:r>
+            <a:r>
+              <a:rPr lang="en-US" altLang="ko-KR" dirty="0"/>
+              <a:t>: 10, </a:t>
+            </a:r>
+            <a:r>
+              <a:rPr lang="en-US" altLang="ko-KR" dirty="0">
+                <a:solidFill>
+                  <a:srgbClr val="0070C0"/>
+                </a:solidFill>
+              </a:rPr>
+              <a:t>‘</a:t>
+            </a:r>
+            <a:r>
+              <a:rPr lang="en-US" altLang="ko-KR" dirty="0" err="1">
+                <a:solidFill>
+                  <a:srgbClr val="0070C0"/>
+                </a:solidFill>
+              </a:rPr>
+              <a:t>sish</a:t>
+            </a:r>
+            <a:r>
+              <a:rPr lang="en-US" altLang="ko-KR" dirty="0">
+                <a:solidFill>
+                  <a:srgbClr val="0070C0"/>
+                </a:solidFill>
+              </a:rPr>
+              <a:t>'</a:t>
+            </a:r>
+            <a:r>
+              <a:rPr lang="en-US" altLang="ko-KR" dirty="0"/>
+              <a:t>: 6, </a:t>
+            </a:r>
+            <a:r>
+              <a:rPr lang="en-US" altLang="ko-KR" dirty="0">
+                <a:solidFill>
+                  <a:srgbClr val="0070C0"/>
+                </a:solidFill>
+              </a:rPr>
+              <a:t>‘</a:t>
+            </a:r>
+            <a:r>
+              <a:rPr lang="en-US" altLang="ko-KR" dirty="0" err="1">
+                <a:solidFill>
+                  <a:srgbClr val="0070C0"/>
+                </a:solidFill>
+              </a:rPr>
+              <a:t>maetan</a:t>
+            </a:r>
+            <a:r>
+              <a:rPr lang="en-US" altLang="ko-KR" dirty="0">
+                <a:solidFill>
+                  <a:srgbClr val="0070C0"/>
+                </a:solidFill>
+              </a:rPr>
+              <a:t>’</a:t>
+            </a:r>
+            <a:r>
+              <a:rPr lang="en-US" altLang="ko-KR" dirty="0"/>
+              <a:t>: 80};</a:t>
+            </a:r>
+          </a:p>
+          <a:p>
+            <a:r>
+              <a:rPr lang="ko-KR" altLang="en-US" dirty="0"/>
+              <a:t>호출 </a:t>
+            </a:r>
+            <a:r>
+              <a:rPr lang="en-US" altLang="ko-KR" dirty="0"/>
+              <a:t>grade[‘ajou’]</a:t>
+            </a:r>
+            <a:r>
+              <a:rPr lang="ko-KR" altLang="en-US" dirty="0"/>
+              <a:t> </a:t>
+            </a:r>
+            <a:r>
+              <a:rPr lang="en-US" altLang="ko-KR" dirty="0"/>
+              <a:t>/</a:t>
+            </a:r>
+            <a:r>
+              <a:rPr lang="ko-KR" altLang="en-US" dirty="0"/>
+              <a:t> </a:t>
+            </a:r>
+            <a:r>
+              <a:rPr lang="en-US" altLang="ko-KR" dirty="0" err="1"/>
+              <a:t>grade.ajou</a:t>
+            </a:r>
+            <a:r>
+              <a:rPr lang="ko-KR" altLang="en-US" dirty="0"/>
+              <a:t> </a:t>
+            </a:r>
+            <a:endParaRPr lang="en-US" altLang="ko-KR" dirty="0"/>
+          </a:p>
+          <a:p>
+            <a:r>
+              <a:rPr lang="en-US" altLang="ko-KR" dirty="0" err="1"/>
+              <a:t>var</a:t>
+            </a:r>
+            <a:r>
+              <a:rPr lang="en-US" altLang="ko-KR" dirty="0"/>
+              <a:t> grades = {    </a:t>
+            </a:r>
+            <a:r>
+              <a:rPr lang="en-US" altLang="ko-KR" dirty="0">
+                <a:solidFill>
+                  <a:srgbClr val="00B050"/>
+                </a:solidFill>
+              </a:rPr>
+              <a:t>'list</a:t>
+            </a:r>
+            <a:r>
+              <a:rPr lang="en-US" altLang="ko-KR" dirty="0"/>
+              <a:t>': {</a:t>
+            </a:r>
+            <a:r>
+              <a:rPr lang="ko-KR" altLang="en-US" dirty="0">
+                <a:solidFill>
+                  <a:schemeClr val="accent1"/>
+                </a:solidFill>
+              </a:rPr>
+              <a:t>‘</a:t>
+            </a:r>
+            <a:r>
+              <a:rPr lang="en-US" altLang="ko-KR" dirty="0">
+                <a:solidFill>
+                  <a:schemeClr val="accent1"/>
+                </a:solidFill>
+              </a:rPr>
+              <a:t>ajou</a:t>
+            </a:r>
+            <a:r>
+              <a:rPr lang="en-US" altLang="ko-KR" dirty="0"/>
+              <a:t>': 10, </a:t>
+            </a:r>
+            <a:r>
+              <a:rPr lang="en-US" altLang="ko-KR" dirty="0">
+                <a:solidFill>
+                  <a:schemeClr val="accent1"/>
+                </a:solidFill>
+              </a:rPr>
+              <a:t>'k8805</a:t>
+            </a:r>
+            <a:r>
+              <a:rPr lang="en-US" altLang="ko-KR" dirty="0"/>
+              <a:t>': 6, </a:t>
+            </a:r>
+            <a:r>
+              <a:rPr lang="en-US" altLang="ko-KR" dirty="0">
+                <a:solidFill>
+                  <a:schemeClr val="accent1"/>
+                </a:solidFill>
+              </a:rPr>
+              <a:t>'</a:t>
+            </a:r>
+            <a:r>
+              <a:rPr lang="en-US" altLang="ko-KR" dirty="0" err="1">
+                <a:solidFill>
+                  <a:schemeClr val="accent1"/>
+                </a:solidFill>
+              </a:rPr>
+              <a:t>sorialgi</a:t>
+            </a:r>
+            <a:r>
+              <a:rPr lang="en-US" altLang="ko-KR" dirty="0"/>
+              <a:t>': 80},</a:t>
+            </a:r>
+          </a:p>
+          <a:p>
+            <a:pPr marL="0" indent="0">
+              <a:buNone/>
+            </a:pPr>
+            <a:r>
+              <a:rPr lang="en-US" altLang="ko-KR" dirty="0"/>
+              <a:t>    </a:t>
+            </a:r>
+            <a:r>
+              <a:rPr lang="en-US" altLang="ko-KR" dirty="0">
+                <a:solidFill>
+                  <a:srgbClr val="00B050"/>
+                </a:solidFill>
+              </a:rPr>
+              <a:t>'show</a:t>
+            </a:r>
+            <a:r>
+              <a:rPr lang="en-US" altLang="ko-KR" dirty="0"/>
+              <a:t>' : </a:t>
+            </a:r>
+            <a:r>
+              <a:rPr lang="en-US" altLang="ko-KR" dirty="0">
+                <a:solidFill>
+                  <a:schemeClr val="accent1"/>
+                </a:solidFill>
+              </a:rPr>
+              <a:t>function</a:t>
+            </a:r>
+            <a:r>
+              <a:rPr lang="en-US" altLang="ko-KR" dirty="0"/>
+              <a:t>(){</a:t>
+            </a:r>
+          </a:p>
+          <a:p>
+            <a:pPr marL="0" indent="0">
+              <a:buNone/>
+            </a:pPr>
+            <a:r>
+              <a:rPr lang="en-US" altLang="ko-KR" dirty="0"/>
+              <a:t>        for(</a:t>
+            </a:r>
+            <a:r>
+              <a:rPr lang="en-US" altLang="ko-KR" dirty="0" err="1"/>
+              <a:t>var</a:t>
+            </a:r>
+            <a:r>
+              <a:rPr lang="en-US" altLang="ko-KR" dirty="0"/>
+              <a:t> name in </a:t>
+            </a:r>
+            <a:r>
+              <a:rPr lang="en-US" altLang="ko-KR" dirty="0" err="1"/>
+              <a:t>this.list</a:t>
+            </a:r>
+            <a:r>
+              <a:rPr lang="en-US" altLang="ko-KR" dirty="0"/>
+              <a:t>){</a:t>
+            </a:r>
+          </a:p>
+          <a:p>
+            <a:pPr marL="0" indent="0">
+              <a:buNone/>
+            </a:pPr>
+            <a:r>
+              <a:rPr lang="en-US" altLang="ko-KR" dirty="0"/>
+              <a:t>            </a:t>
+            </a:r>
+            <a:r>
+              <a:rPr lang="en-US" altLang="ko-KR" dirty="0" err="1"/>
+              <a:t>document.write</a:t>
+            </a:r>
+            <a:r>
+              <a:rPr lang="en-US" altLang="ko-KR" dirty="0"/>
+              <a:t>(name+':'+</a:t>
+            </a:r>
+            <a:r>
+              <a:rPr lang="en-US" altLang="ko-KR" dirty="0" err="1"/>
+              <a:t>this.list</a:t>
+            </a:r>
+            <a:r>
+              <a:rPr lang="en-US" altLang="ko-KR" dirty="0"/>
+              <a:t>[name]+"&lt;</a:t>
+            </a:r>
+            <a:r>
+              <a:rPr lang="en-US" altLang="ko-KR" dirty="0" err="1"/>
+              <a:t>br</a:t>
+            </a:r>
+            <a:r>
+              <a:rPr lang="en-US" altLang="ko-KR" dirty="0"/>
+              <a:t> /&gt;"); }   }};</a:t>
+            </a:r>
+          </a:p>
+          <a:p>
+            <a:pPr marL="0" indent="0">
+              <a:buNone/>
+            </a:pPr>
+            <a:r>
+              <a:rPr lang="en-US" altLang="ko-KR" dirty="0" err="1"/>
+              <a:t>grades.show</a:t>
+            </a:r>
+            <a:r>
+              <a:rPr lang="en-US" altLang="ko-KR" dirty="0"/>
+              <a:t>();</a:t>
+            </a:r>
+          </a:p>
+        </p:txBody>
+      </p:sp>
+    </p:spTree>
+    <p:extLst>
+      <p:ext uri="{BB962C8B-B14F-4D97-AF65-F5344CB8AC3E}">
+        <p14:creationId xmlns:p14="http://schemas.microsoft.com/office/powerpoint/2010/main" val="1291297867"/>
+      </p:ext>
+    </p:extLst>
+  </p:cSld>
+  <p:clrMapOvr>
+    <a:masterClrMapping/>
+  </p:clrMapOvr>
+</p:sld>
+</file>
+
+<file path=ppt/slides/slide39.xml><?xml version="1.0" encoding="utf-8"?>
+<p:sld xmlns:a="http://schemas.openxmlformats.org/drawingml/2006/main" xmlns:r="http://schemas.openxmlformats.org/officeDocument/2006/relationships" xmlns:p="http://schemas.openxmlformats.org/presentationml/2006/main">
+  <p:cSld>
+    <p:spTree>
+      <p:nvGrpSpPr>
+        <p:cNvPr id="1" name=""/>
+        <p:cNvGrpSpPr/>
+        <p:nvPr/>
+      </p:nvGrpSpPr>
+      <p:grpSpPr>
+        <a:xfrm>
+          <a:off x="0" y="0"/>
+          <a:ext cx="0" cy="0"/>
+          <a:chOff x="0" y="0"/>
+          <a:chExt cx="0" cy="0"/>
+        </a:xfrm>
+      </p:grpSpPr>
+      <p:sp>
+        <p:nvSpPr>
+          <p:cNvPr id="2" name="제목 1">
+            <a:extLst>
+              <a:ext uri="{FF2B5EF4-FFF2-40B4-BE49-F238E27FC236}">
+                <a16:creationId xmlns:a16="http://schemas.microsoft.com/office/drawing/2014/main" id="{1B150D8C-0809-4579-BCBA-53017EF14273}"/>
+              </a:ext>
+            </a:extLst>
+          </p:cNvPr>
+          <p:cNvSpPr>
+            <a:spLocks noGrp="1"/>
+          </p:cNvSpPr>
+          <p:nvPr>
+            <p:ph type="title"/>
+          </p:nvPr>
+        </p:nvSpPr>
+        <p:spPr/>
+        <p:txBody>
+          <a:bodyPr/>
+          <a:lstStyle/>
+          <a:p>
+            <a:r>
+              <a:rPr lang="en-US" altLang="ko-KR" dirty="0"/>
+              <a:t>Contents</a:t>
+            </a:r>
+            <a:endParaRPr lang="ko-KR" altLang="en-US" dirty="0"/>
+          </a:p>
+        </p:txBody>
+      </p:sp>
+      <p:sp>
+        <p:nvSpPr>
+          <p:cNvPr id="3" name="내용 개체 틀 2">
+            <a:extLst>
+              <a:ext uri="{FF2B5EF4-FFF2-40B4-BE49-F238E27FC236}">
+                <a16:creationId xmlns:a16="http://schemas.microsoft.com/office/drawing/2014/main" id="{E5587D20-F079-448E-9154-37E59D32A6BD}"/>
+              </a:ext>
+            </a:extLst>
+          </p:cNvPr>
+          <p:cNvSpPr>
+            <a:spLocks noGrp="1"/>
+          </p:cNvSpPr>
+          <p:nvPr>
+            <p:ph idx="1"/>
+          </p:nvPr>
+        </p:nvSpPr>
+        <p:spPr/>
+        <p:txBody>
+          <a:bodyPr/>
+          <a:lstStyle/>
+          <a:p>
+            <a:r>
+              <a:rPr lang="ko-KR" altLang="en-US" strike="sngStrike" dirty="0"/>
+              <a:t>자바스크립트의 기본</a:t>
+            </a:r>
+            <a:endParaRPr lang="en-US" altLang="ko-KR" strike="sngStrike" dirty="0"/>
+          </a:p>
+          <a:p>
+            <a:r>
+              <a:rPr lang="ko-KR" altLang="en-US" strike="sngStrike" dirty="0"/>
+              <a:t>실행방법과 실습환경</a:t>
+            </a:r>
+            <a:endParaRPr lang="en-US" altLang="ko-KR" strike="sngStrike" dirty="0"/>
+          </a:p>
+          <a:p>
+            <a:r>
+              <a:rPr lang="en-US" altLang="ko-KR" strike="sngStrike" dirty="0"/>
+              <a:t>Hello</a:t>
+            </a:r>
+            <a:r>
+              <a:rPr lang="ko-KR" altLang="en-US" strike="sngStrike" dirty="0"/>
+              <a:t> </a:t>
+            </a:r>
+            <a:r>
+              <a:rPr lang="en-US" altLang="ko-KR" strike="sngStrike" dirty="0"/>
+              <a:t>JavaScript</a:t>
+            </a:r>
+          </a:p>
+          <a:p>
+            <a:pPr lvl="1"/>
+            <a:r>
+              <a:rPr lang="ko-KR" altLang="en-US" strike="sngStrike" dirty="0"/>
+              <a:t>기본 컨벤션</a:t>
+            </a:r>
+            <a:endParaRPr lang="en-US" altLang="ko-KR" strike="sngStrike" dirty="0"/>
+          </a:p>
+          <a:p>
+            <a:pPr lvl="1"/>
+            <a:r>
+              <a:rPr lang="ko-KR" altLang="en-US" strike="sngStrike" dirty="0"/>
+              <a:t>연산자</a:t>
+            </a:r>
+            <a:r>
+              <a:rPr lang="en-US" altLang="ko-KR" strike="sngStrike" dirty="0"/>
+              <a:t>/</a:t>
+            </a:r>
+            <a:r>
+              <a:rPr lang="ko-KR" altLang="en-US" strike="sngStrike" dirty="0"/>
+              <a:t>조건</a:t>
+            </a:r>
+            <a:r>
+              <a:rPr lang="en-US" altLang="ko-KR" strike="sngStrike" dirty="0"/>
+              <a:t>/</a:t>
+            </a:r>
+            <a:r>
+              <a:rPr lang="ko-KR" altLang="en-US" strike="sngStrike" dirty="0" err="1"/>
+              <a:t>반복문</a:t>
+            </a:r>
+            <a:endParaRPr lang="en-US" altLang="ko-KR" strike="sngStrike" dirty="0"/>
+          </a:p>
+          <a:p>
+            <a:pPr lvl="1"/>
+            <a:r>
+              <a:rPr lang="ko-KR" altLang="en-US" strike="sngStrike" dirty="0"/>
+              <a:t>함수</a:t>
+            </a:r>
+            <a:endParaRPr lang="en-US" altLang="ko-KR" strike="sngStrike" dirty="0"/>
+          </a:p>
+          <a:p>
+            <a:pPr lvl="1"/>
+            <a:r>
+              <a:rPr lang="ko-KR" altLang="en-US" strike="sngStrike" dirty="0"/>
+              <a:t>배열</a:t>
+            </a:r>
+            <a:endParaRPr lang="en-US" altLang="ko-KR" strike="sngStrike" dirty="0"/>
+          </a:p>
+          <a:p>
+            <a:r>
+              <a:rPr lang="ko-KR" altLang="en-US" strike="sngStrike" dirty="0"/>
+              <a:t>객체</a:t>
+            </a:r>
+            <a:endParaRPr lang="en-US" altLang="ko-KR" strike="sngStrike" dirty="0"/>
+          </a:p>
+          <a:p>
+            <a:r>
+              <a:rPr lang="ko-KR" altLang="en-US" dirty="0"/>
+              <a:t>모듈</a:t>
+            </a:r>
+            <a:endParaRPr lang="en-US" altLang="ko-KR" dirty="0"/>
+          </a:p>
+          <a:p>
+            <a:endParaRPr lang="ko-KR" altLang="en-US" dirty="0"/>
+          </a:p>
+        </p:txBody>
+      </p:sp>
+    </p:spTree>
+    <p:extLst>
+      <p:ext uri="{BB962C8B-B14F-4D97-AF65-F5344CB8AC3E}">
+        <p14:creationId xmlns:p14="http://schemas.microsoft.com/office/powerpoint/2010/main" val="1151019448"/>
       </p:ext>
     </p:extLst>
   </p:cSld>
@@ -3871,7 +10981,7 @@
           <p:cNvPr id="2" name="제목 1">
             <a:extLst>
               <a:ext uri="{FF2B5EF4-FFF2-40B4-BE49-F238E27FC236}">
-                <a16:creationId xmlns:a16="http://schemas.microsoft.com/office/drawing/2014/main" id="{572487B8-1B4A-439D-A141-88C0DEB02497}"/>
+                <a16:creationId xmlns:a16="http://schemas.microsoft.com/office/drawing/2014/main" id="{0B230AE5-D720-48FD-8175-2CFBD3776ABE}"/>
               </a:ext>
             </a:extLst>
           </p:cNvPr>
@@ -3889,8 +10999,13 @@
           <a:p>
             <a:r>
               <a:rPr lang="ko-KR" altLang="en-US" dirty="0"/>
-              <a:t>자바스크립트의 기본</a:t>
-            </a:r>
+              <a:t>수업을 시작하기 전에</a:t>
+            </a:r>
+            <a:r>
+              <a:rPr lang="en-US" altLang="ko-KR" dirty="0"/>
+              <a:t>…</a:t>
+            </a:r>
+            <a:endParaRPr lang="ko-KR" altLang="en-US" dirty="0"/>
           </a:p>
         </p:txBody>
       </p:sp>
@@ -3899,7 +11014,7 @@
           <p:cNvPr id="3" name="내용 개체 틀 2">
             <a:extLst>
               <a:ext uri="{FF2B5EF4-FFF2-40B4-BE49-F238E27FC236}">
-                <a16:creationId xmlns:a16="http://schemas.microsoft.com/office/drawing/2014/main" id="{D90CB9B5-02D2-4005-BB59-C3541FA74065}"/>
+                <a16:creationId xmlns:a16="http://schemas.microsoft.com/office/drawing/2014/main" id="{1513752A-0874-4F27-8E41-0849B73BDFA2}"/>
               </a:ext>
             </a:extLst>
           </p:cNvPr>
@@ -3912,26 +11027,388 @@
         </p:nvSpPr>
         <p:spPr/>
         <p:txBody>
-          <a:bodyPr anchor="ctr">
-            <a:normAutofit/>
-          </a:bodyPr>
-          <a:lstStyle/>
-          <a:p>
-            <a:pPr marL="0" indent="0" algn="ctr">
-              <a:buNone/>
-            </a:pPr>
-            <a:r>
-              <a:rPr lang="ko-KR" altLang="en-US" sz="10000" dirty="0" err="1"/>
-              <a:t>웹브라우저</a:t>
-            </a:r>
-            <a:endParaRPr lang="ko-KR" altLang="en-US" sz="10000" dirty="0"/>
+          <a:bodyPr/>
+          <a:lstStyle/>
+          <a:p>
+            <a:r>
+              <a:rPr lang="ko-KR" altLang="en-US" dirty="0"/>
+              <a:t>나는 </a:t>
+            </a:r>
+            <a:r>
+              <a:rPr lang="ko-KR" altLang="en-US" dirty="0" err="1"/>
+              <a:t>누구인가</a:t>
+            </a:r>
+            <a:r>
+              <a:rPr lang="en-US" altLang="ko-KR" dirty="0"/>
+              <a:t>?</a:t>
+            </a:r>
+          </a:p>
+          <a:p>
+            <a:r>
+              <a:rPr lang="ko-KR" altLang="en-US" dirty="0"/>
+              <a:t>이 과정의 목표는</a:t>
+            </a:r>
+            <a:r>
+              <a:rPr lang="en-US" altLang="ko-KR" dirty="0"/>
+              <a:t>?</a:t>
+            </a:r>
+          </a:p>
+          <a:p>
+            <a:r>
+              <a:rPr lang="en-US" altLang="ko-KR" dirty="0"/>
+              <a:t>Project Oriented Approach</a:t>
+            </a:r>
+          </a:p>
+          <a:p>
+            <a:endParaRPr lang="en-US" altLang="ko-KR" dirty="0"/>
+          </a:p>
+          <a:p>
+            <a:endParaRPr lang="en-US" altLang="ko-KR" dirty="0"/>
+          </a:p>
+          <a:p>
+            <a:endParaRPr lang="ko-KR" altLang="en-US" dirty="0"/>
           </a:p>
         </p:txBody>
       </p:sp>
     </p:spTree>
     <p:extLst>
       <p:ext uri="{BB962C8B-B14F-4D97-AF65-F5344CB8AC3E}">
-        <p14:creationId xmlns:p14="http://schemas.microsoft.com/office/powerpoint/2010/main" val="780914395"/>
+        <p14:creationId xmlns:p14="http://schemas.microsoft.com/office/powerpoint/2010/main" val="2486964866"/>
+      </p:ext>
+    </p:extLst>
+  </p:cSld>
+  <p:clrMapOvr>
+    <a:masterClrMapping/>
+  </p:clrMapOvr>
+</p:sld>
+</file>
+
+<file path=ppt/slides/slide40.xml><?xml version="1.0" encoding="utf-8"?>
+<p:sld xmlns:a="http://schemas.openxmlformats.org/drawingml/2006/main" xmlns:r="http://schemas.openxmlformats.org/officeDocument/2006/relationships" xmlns:p="http://schemas.openxmlformats.org/presentationml/2006/main">
+  <p:cSld>
+    <p:spTree>
+      <p:nvGrpSpPr>
+        <p:cNvPr id="1" name=""/>
+        <p:cNvGrpSpPr/>
+        <p:nvPr/>
+      </p:nvGrpSpPr>
+      <p:grpSpPr>
+        <a:xfrm>
+          <a:off x="0" y="0"/>
+          <a:ext cx="0" cy="0"/>
+          <a:chOff x="0" y="0"/>
+          <a:chExt cx="0" cy="0"/>
+        </a:xfrm>
+      </p:grpSpPr>
+      <p:sp>
+        <p:nvSpPr>
+          <p:cNvPr id="2" name="제목 1">
+            <a:extLst>
+              <a:ext uri="{FF2B5EF4-FFF2-40B4-BE49-F238E27FC236}">
+                <a16:creationId xmlns:a16="http://schemas.microsoft.com/office/drawing/2014/main" id="{F3946B1B-6745-415B-ADAC-0B333FFFB354}"/>
+              </a:ext>
+            </a:extLst>
+          </p:cNvPr>
+          <p:cNvSpPr>
+            <a:spLocks noGrp="1"/>
+          </p:cNvSpPr>
+          <p:nvPr>
+            <p:ph type="title"/>
+          </p:nvPr>
+        </p:nvSpPr>
+        <p:spPr/>
+        <p:txBody>
+          <a:bodyPr/>
+          <a:lstStyle/>
+          <a:p>
+            <a:r>
+              <a:rPr lang="ko-KR" altLang="en-US" dirty="0"/>
+              <a:t>모듈</a:t>
+            </a:r>
+          </a:p>
+        </p:txBody>
+      </p:sp>
+      <p:sp>
+        <p:nvSpPr>
+          <p:cNvPr id="3" name="내용 개체 틀 2">
+            <a:extLst>
+              <a:ext uri="{FF2B5EF4-FFF2-40B4-BE49-F238E27FC236}">
+                <a16:creationId xmlns:a16="http://schemas.microsoft.com/office/drawing/2014/main" id="{516F0D6E-2634-4058-9948-B27548EA3D78}"/>
+              </a:ext>
+            </a:extLst>
+          </p:cNvPr>
+          <p:cNvSpPr>
+            <a:spLocks noGrp="1"/>
+          </p:cNvSpPr>
+          <p:nvPr>
+            <p:ph idx="1"/>
+          </p:nvPr>
+        </p:nvSpPr>
+        <p:spPr/>
+        <p:txBody>
+          <a:bodyPr>
+            <a:normAutofit/>
+          </a:bodyPr>
+          <a:lstStyle/>
+          <a:p>
+            <a:r>
+              <a:rPr lang="en-US" altLang="ko-KR" dirty="0"/>
+              <a:t>HTML </a:t>
+            </a:r>
+            <a:r>
+              <a:rPr lang="ko-KR" altLang="en-US" dirty="0"/>
+              <a:t>문서와 </a:t>
+            </a:r>
+            <a:r>
+              <a:rPr lang="en-US" altLang="ko-KR" dirty="0" err="1"/>
+              <a:t>js</a:t>
+            </a:r>
+            <a:r>
+              <a:rPr lang="en-US" altLang="ko-KR" dirty="0"/>
+              <a:t> </a:t>
+            </a:r>
+            <a:r>
+              <a:rPr lang="ko-KR" altLang="en-US" dirty="0"/>
+              <a:t>파일의 분리</a:t>
+            </a:r>
+            <a:endParaRPr lang="en-US" altLang="ko-KR" dirty="0"/>
+          </a:p>
+          <a:p>
+            <a:endParaRPr lang="en-US" altLang="ko-KR" dirty="0"/>
+          </a:p>
+          <a:p>
+            <a:r>
+              <a:rPr lang="ko-KR" altLang="en-US" dirty="0"/>
+              <a:t>실습 </a:t>
+            </a:r>
+            <a:r>
+              <a:rPr lang="en-US" altLang="ko-KR" dirty="0"/>
+              <a:t>9. ‘hello </a:t>
+            </a:r>
+            <a:r>
+              <a:rPr lang="en-US" altLang="ko-KR" dirty="0" err="1"/>
+              <a:t>javascript</a:t>
+            </a:r>
+            <a:r>
+              <a:rPr lang="en-US" altLang="ko-KR" dirty="0"/>
+              <a:t>’</a:t>
+            </a:r>
+            <a:r>
+              <a:rPr lang="ko-KR" altLang="en-US" dirty="0"/>
+              <a:t>를 출력하는</a:t>
+            </a:r>
+            <a:r>
+              <a:rPr lang="en-US" altLang="ko-KR" dirty="0"/>
+              <a:t> html</a:t>
+            </a:r>
+            <a:r>
+              <a:rPr lang="ko-KR" altLang="en-US" dirty="0"/>
+              <a:t>문서를 만든다</a:t>
+            </a:r>
+            <a:r>
+              <a:rPr lang="en-US" altLang="ko-KR" dirty="0"/>
+              <a:t>.</a:t>
+            </a:r>
+          </a:p>
+          <a:p>
+            <a:r>
+              <a:rPr lang="ko-KR" altLang="en-US" dirty="0"/>
+              <a:t>조건 </a:t>
+            </a:r>
+            <a:r>
+              <a:rPr lang="en-US" altLang="ko-KR" dirty="0"/>
+              <a:t>1. </a:t>
+            </a:r>
+            <a:r>
+              <a:rPr lang="ko-KR" altLang="en-US" dirty="0"/>
+              <a:t>함수를 사용한다</a:t>
+            </a:r>
+            <a:r>
+              <a:rPr lang="en-US" altLang="ko-KR" dirty="0"/>
+              <a:t>.</a:t>
+            </a:r>
+          </a:p>
+          <a:p>
+            <a:r>
+              <a:rPr lang="ko-KR" altLang="en-US" dirty="0"/>
+              <a:t>조건 </a:t>
+            </a:r>
+            <a:r>
+              <a:rPr lang="en-US" altLang="ko-KR" dirty="0"/>
+              <a:t>2. </a:t>
+            </a:r>
+            <a:r>
+              <a:rPr lang="ko-KR" altLang="en-US" dirty="0"/>
+              <a:t>함수가 있는 부분만을 따로 분리해 </a:t>
+            </a:r>
+            <a:r>
+              <a:rPr lang="en-US" altLang="ko-KR" dirty="0">
+                <a:solidFill>
+                  <a:srgbClr val="00B050"/>
+                </a:solidFill>
+              </a:rPr>
+              <a:t>welcome.js</a:t>
+            </a:r>
+            <a:r>
+              <a:rPr lang="ko-KR" altLang="en-US" dirty="0"/>
+              <a:t>로 바꾼다</a:t>
+            </a:r>
+            <a:r>
+              <a:rPr lang="en-US" altLang="ko-KR" dirty="0"/>
+              <a:t>.</a:t>
+            </a:r>
+          </a:p>
+          <a:p>
+            <a:r>
+              <a:rPr lang="ko-KR" altLang="en-US" dirty="0"/>
+              <a:t>다시 호출</a:t>
+            </a:r>
+            <a:r>
+              <a:rPr lang="en-US" altLang="ko-KR" dirty="0"/>
+              <a:t>!</a:t>
+            </a:r>
+          </a:p>
+          <a:p>
+            <a:endParaRPr lang="en-US" altLang="ko-KR" dirty="0"/>
+          </a:p>
+          <a:p>
+            <a:r>
+              <a:rPr lang="ko-KR" altLang="en-US" dirty="0"/>
+              <a:t>이를 </a:t>
+            </a:r>
+            <a:r>
+              <a:rPr lang="ko-KR" altLang="en-US" dirty="0">
+                <a:solidFill>
+                  <a:srgbClr val="FF0000"/>
+                </a:solidFill>
+              </a:rPr>
+              <a:t>모듈</a:t>
+            </a:r>
+            <a:r>
+              <a:rPr lang="ko-KR" altLang="en-US" dirty="0"/>
+              <a:t>이라고 한다</a:t>
+            </a:r>
+            <a:r>
+              <a:rPr lang="en-US" altLang="ko-KR" dirty="0"/>
+              <a:t>.</a:t>
+            </a:r>
+          </a:p>
+        </p:txBody>
+      </p:sp>
+    </p:spTree>
+    <p:extLst>
+      <p:ext uri="{BB962C8B-B14F-4D97-AF65-F5344CB8AC3E}">
+        <p14:creationId xmlns:p14="http://schemas.microsoft.com/office/powerpoint/2010/main" val="1408399688"/>
+      </p:ext>
+    </p:extLst>
+  </p:cSld>
+  <p:clrMapOvr>
+    <a:masterClrMapping/>
+  </p:clrMapOvr>
+</p:sld>
+</file>
+
+<file path=ppt/slides/slide41.xml><?xml version="1.0" encoding="utf-8"?>
+<p:sld xmlns:a="http://schemas.openxmlformats.org/drawingml/2006/main" xmlns:r="http://schemas.openxmlformats.org/officeDocument/2006/relationships" xmlns:p="http://schemas.openxmlformats.org/presentationml/2006/main">
+  <p:cSld>
+    <p:spTree>
+      <p:nvGrpSpPr>
+        <p:cNvPr id="1" name=""/>
+        <p:cNvGrpSpPr/>
+        <p:nvPr/>
+      </p:nvGrpSpPr>
+      <p:grpSpPr>
+        <a:xfrm>
+          <a:off x="0" y="0"/>
+          <a:ext cx="0" cy="0"/>
+          <a:chOff x="0" y="0"/>
+          <a:chExt cx="0" cy="0"/>
+        </a:xfrm>
+      </p:grpSpPr>
+      <p:sp>
+        <p:nvSpPr>
+          <p:cNvPr id="2" name="제목 1">
+            <a:extLst>
+              <a:ext uri="{FF2B5EF4-FFF2-40B4-BE49-F238E27FC236}">
+                <a16:creationId xmlns:a16="http://schemas.microsoft.com/office/drawing/2014/main" id="{F3946B1B-6745-415B-ADAC-0B333FFFB354}"/>
+              </a:ext>
+            </a:extLst>
+          </p:cNvPr>
+          <p:cNvSpPr>
+            <a:spLocks noGrp="1"/>
+          </p:cNvSpPr>
+          <p:nvPr>
+            <p:ph type="title"/>
+          </p:nvPr>
+        </p:nvSpPr>
+        <p:spPr/>
+        <p:txBody>
+          <a:bodyPr/>
+          <a:lstStyle/>
+          <a:p>
+            <a:r>
+              <a:rPr lang="ko-KR" altLang="en-US" dirty="0"/>
+              <a:t>모듈</a:t>
+            </a:r>
+          </a:p>
+        </p:txBody>
+      </p:sp>
+      <p:sp>
+        <p:nvSpPr>
+          <p:cNvPr id="3" name="내용 개체 틀 2">
+            <a:extLst>
+              <a:ext uri="{FF2B5EF4-FFF2-40B4-BE49-F238E27FC236}">
+                <a16:creationId xmlns:a16="http://schemas.microsoft.com/office/drawing/2014/main" id="{516F0D6E-2634-4058-9948-B27548EA3D78}"/>
+              </a:ext>
+            </a:extLst>
+          </p:cNvPr>
+          <p:cNvSpPr>
+            <a:spLocks noGrp="1"/>
+          </p:cNvSpPr>
+          <p:nvPr>
+            <p:ph idx="1"/>
+          </p:nvPr>
+        </p:nvSpPr>
+        <p:spPr/>
+        <p:txBody>
+          <a:bodyPr>
+            <a:normAutofit/>
+          </a:bodyPr>
+          <a:lstStyle/>
+          <a:p>
+            <a:r>
+              <a:rPr lang="ko-KR" altLang="en-US" dirty="0"/>
+              <a:t>다른 사람이 만든 모듈을 쓸 수는 없을까</a:t>
+            </a:r>
+            <a:r>
+              <a:rPr lang="en-US" altLang="ko-KR" dirty="0"/>
+              <a:t>?</a:t>
+            </a:r>
+          </a:p>
+          <a:p>
+            <a:endParaRPr lang="en-US" altLang="ko-KR" dirty="0"/>
+          </a:p>
+          <a:p>
+            <a:r>
+              <a:rPr lang="en-US" altLang="ko-KR" dirty="0"/>
+              <a:t>jQuery </a:t>
+            </a:r>
+            <a:r>
+              <a:rPr lang="ko-KR" altLang="en-US" dirty="0"/>
+              <a:t>사용</a:t>
+            </a:r>
+            <a:endParaRPr lang="en-US" altLang="ko-KR" dirty="0"/>
+          </a:p>
+          <a:p>
+            <a:pPr lvl="1"/>
+            <a:endParaRPr lang="en-US" altLang="ko-KR" dirty="0"/>
+          </a:p>
+        </p:txBody>
+      </p:sp>
+    </p:spTree>
+    <p:extLst>
+      <p:ext uri="{BB962C8B-B14F-4D97-AF65-F5344CB8AC3E}">
+        <p14:creationId xmlns:p14="http://schemas.microsoft.com/office/powerpoint/2010/main" val="3473036870"/>
       </p:ext>
     </p:extLst>
   </p:cSld>
@@ -3963,6 +11440,474 @@
           <p:cNvPr id="2" name="제목 1">
             <a:extLst>
               <a:ext uri="{FF2B5EF4-FFF2-40B4-BE49-F238E27FC236}">
+                <a16:creationId xmlns:a16="http://schemas.microsoft.com/office/drawing/2014/main" id="{0B230AE5-D720-48FD-8175-2CFBD3776ABE}"/>
+              </a:ext>
+            </a:extLst>
+          </p:cNvPr>
+          <p:cNvSpPr>
+            <a:spLocks noGrp="1"/>
+          </p:cNvSpPr>
+          <p:nvPr>
+            <p:ph type="title"/>
+          </p:nvPr>
+        </p:nvSpPr>
+        <p:spPr/>
+        <p:txBody>
+          <a:bodyPr/>
+          <a:lstStyle/>
+          <a:p>
+            <a:r>
+              <a:rPr lang="ko-KR" altLang="en-US" dirty="0"/>
+              <a:t>수업을 시작하기 전에</a:t>
+            </a:r>
+            <a:r>
+              <a:rPr lang="en-US" altLang="ko-KR" dirty="0"/>
+              <a:t>…</a:t>
+            </a:r>
+            <a:endParaRPr lang="ko-KR" altLang="en-US" dirty="0"/>
+          </a:p>
+        </p:txBody>
+      </p:sp>
+      <p:sp>
+        <p:nvSpPr>
+          <p:cNvPr id="3" name="내용 개체 틀 2">
+            <a:extLst>
+              <a:ext uri="{FF2B5EF4-FFF2-40B4-BE49-F238E27FC236}">
+                <a16:creationId xmlns:a16="http://schemas.microsoft.com/office/drawing/2014/main" id="{1513752A-0874-4F27-8E41-0849B73BDFA2}"/>
+              </a:ext>
+            </a:extLst>
+          </p:cNvPr>
+          <p:cNvSpPr>
+            <a:spLocks noGrp="1"/>
+          </p:cNvSpPr>
+          <p:nvPr>
+            <p:ph idx="1"/>
+          </p:nvPr>
+        </p:nvSpPr>
+        <p:spPr/>
+        <p:txBody>
+          <a:bodyPr/>
+          <a:lstStyle/>
+          <a:p>
+            <a:r>
+              <a:rPr lang="ko-KR" altLang="en-US" dirty="0"/>
+              <a:t>나는 </a:t>
+            </a:r>
+            <a:r>
+              <a:rPr lang="ko-KR" altLang="en-US" dirty="0" err="1"/>
+              <a:t>누구인가</a:t>
+            </a:r>
+            <a:r>
+              <a:rPr lang="en-US" altLang="ko-KR" dirty="0"/>
+              <a:t>?</a:t>
+            </a:r>
+          </a:p>
+          <a:p>
+            <a:r>
+              <a:rPr lang="ko-KR" altLang="en-US" dirty="0"/>
+              <a:t>이 과정의 목표는</a:t>
+            </a:r>
+            <a:r>
+              <a:rPr lang="en-US" altLang="ko-KR" dirty="0"/>
+              <a:t>?</a:t>
+            </a:r>
+          </a:p>
+          <a:p>
+            <a:r>
+              <a:rPr lang="en-US" altLang="ko-KR" dirty="0"/>
+              <a:t>Project Oriented Approach</a:t>
+            </a:r>
+          </a:p>
+          <a:p>
+            <a:r>
+              <a:rPr lang="ko-KR" altLang="en-US" dirty="0"/>
+              <a:t>앞으로의 일정</a:t>
+            </a:r>
+            <a:endParaRPr lang="en-US" altLang="ko-KR" dirty="0"/>
+          </a:p>
+          <a:p>
+            <a:endParaRPr lang="en-US" altLang="ko-KR" dirty="0"/>
+          </a:p>
+          <a:p>
+            <a:endParaRPr lang="en-US" altLang="ko-KR" dirty="0"/>
+          </a:p>
+          <a:p>
+            <a:endParaRPr lang="ko-KR" altLang="en-US" dirty="0"/>
+          </a:p>
+        </p:txBody>
+      </p:sp>
+    </p:spTree>
+    <p:extLst>
+      <p:ext uri="{BB962C8B-B14F-4D97-AF65-F5344CB8AC3E}">
+        <p14:creationId xmlns:p14="http://schemas.microsoft.com/office/powerpoint/2010/main" val="3513153187"/>
+      </p:ext>
+    </p:extLst>
+  </p:cSld>
+  <p:clrMapOvr>
+    <a:masterClrMapping/>
+  </p:clrMapOvr>
+</p:sld>
+</file>
+
+<file path=ppt/slides/slide6.xml><?xml version="1.0" encoding="utf-8"?>
+<p:sld xmlns:a="http://schemas.openxmlformats.org/drawingml/2006/main" xmlns:r="http://schemas.openxmlformats.org/officeDocument/2006/relationships" xmlns:p="http://schemas.openxmlformats.org/presentationml/2006/main">
+  <p:cSld>
+    <p:spTree>
+      <p:nvGrpSpPr>
+        <p:cNvPr id="1" name=""/>
+        <p:cNvGrpSpPr/>
+        <p:nvPr/>
+      </p:nvGrpSpPr>
+      <p:grpSpPr>
+        <a:xfrm>
+          <a:off x="0" y="0"/>
+          <a:ext cx="0" cy="0"/>
+          <a:chOff x="0" y="0"/>
+          <a:chExt cx="0" cy="0"/>
+        </a:xfrm>
+      </p:grpSpPr>
+      <p:sp>
+        <p:nvSpPr>
+          <p:cNvPr id="2" name="제목 1">
+            <a:extLst>
+              <a:ext uri="{FF2B5EF4-FFF2-40B4-BE49-F238E27FC236}">
+                <a16:creationId xmlns:a16="http://schemas.microsoft.com/office/drawing/2014/main" id="{0B230AE5-D720-48FD-8175-2CFBD3776ABE}"/>
+              </a:ext>
+            </a:extLst>
+          </p:cNvPr>
+          <p:cNvSpPr>
+            <a:spLocks noGrp="1"/>
+          </p:cNvSpPr>
+          <p:nvPr>
+            <p:ph type="title"/>
+          </p:nvPr>
+        </p:nvSpPr>
+        <p:spPr/>
+        <p:txBody>
+          <a:bodyPr/>
+          <a:lstStyle/>
+          <a:p>
+            <a:r>
+              <a:rPr lang="ko-KR" altLang="en-US" dirty="0"/>
+              <a:t>수업을 시작하기 전에</a:t>
+            </a:r>
+            <a:r>
+              <a:rPr lang="en-US" altLang="ko-KR" dirty="0"/>
+              <a:t>…</a:t>
+            </a:r>
+            <a:endParaRPr lang="ko-KR" altLang="en-US" dirty="0"/>
+          </a:p>
+        </p:txBody>
+      </p:sp>
+      <p:sp>
+        <p:nvSpPr>
+          <p:cNvPr id="3" name="내용 개체 틀 2">
+            <a:extLst>
+              <a:ext uri="{FF2B5EF4-FFF2-40B4-BE49-F238E27FC236}">
+                <a16:creationId xmlns:a16="http://schemas.microsoft.com/office/drawing/2014/main" id="{1513752A-0874-4F27-8E41-0849B73BDFA2}"/>
+              </a:ext>
+            </a:extLst>
+          </p:cNvPr>
+          <p:cNvSpPr>
+            <a:spLocks noGrp="1"/>
+          </p:cNvSpPr>
+          <p:nvPr>
+            <p:ph idx="1"/>
+          </p:nvPr>
+        </p:nvSpPr>
+        <p:spPr/>
+        <p:txBody>
+          <a:bodyPr/>
+          <a:lstStyle/>
+          <a:p>
+            <a:r>
+              <a:rPr lang="ko-KR" altLang="en-US" dirty="0"/>
+              <a:t>나는 </a:t>
+            </a:r>
+            <a:r>
+              <a:rPr lang="ko-KR" altLang="en-US" dirty="0" err="1"/>
+              <a:t>누구인가</a:t>
+            </a:r>
+            <a:r>
+              <a:rPr lang="en-US" altLang="ko-KR" dirty="0"/>
+              <a:t>?</a:t>
+            </a:r>
+          </a:p>
+          <a:p>
+            <a:r>
+              <a:rPr lang="ko-KR" altLang="en-US" dirty="0"/>
+              <a:t>이 과정의 목표는</a:t>
+            </a:r>
+            <a:r>
+              <a:rPr lang="en-US" altLang="ko-KR" dirty="0"/>
+              <a:t>?</a:t>
+            </a:r>
+          </a:p>
+          <a:p>
+            <a:r>
+              <a:rPr lang="en-US" altLang="ko-KR" dirty="0"/>
+              <a:t>Project Oriented Approach</a:t>
+            </a:r>
+          </a:p>
+          <a:p>
+            <a:r>
+              <a:rPr lang="ko-KR" altLang="en-US" dirty="0"/>
+              <a:t>앞으로의 일정</a:t>
+            </a:r>
+            <a:endParaRPr lang="en-US" altLang="ko-KR" dirty="0"/>
+          </a:p>
+          <a:p>
+            <a:endParaRPr lang="en-US" altLang="ko-KR" dirty="0"/>
+          </a:p>
+          <a:p>
+            <a:r>
+              <a:rPr lang="ko-KR" altLang="en-US" dirty="0"/>
+              <a:t>수업관련 메타정보</a:t>
+            </a:r>
+            <a:endParaRPr lang="en-US" altLang="ko-KR" dirty="0"/>
+          </a:p>
+          <a:p>
+            <a:pPr lvl="1"/>
+            <a:r>
+              <a:rPr lang="en-US" altLang="ko-KR" dirty="0"/>
+              <a:t>Sli.do</a:t>
+            </a:r>
+          </a:p>
+          <a:p>
+            <a:pPr lvl="1"/>
+            <a:r>
+              <a:rPr lang="ko-KR" altLang="en-US" dirty="0"/>
+              <a:t>자료공개 </a:t>
+            </a:r>
+            <a:r>
+              <a:rPr lang="en-US" altLang="ko-KR" dirty="0"/>
+              <a:t>– </a:t>
+            </a:r>
+            <a:br>
+              <a:rPr lang="en-US" altLang="ko-KR" dirty="0"/>
+            </a:br>
+            <a:r>
+              <a:rPr lang="en-US" altLang="ko-KR" dirty="0"/>
+              <a:t>https://github.com/songhune/Webprogramming-Highschool</a:t>
+            </a:r>
+          </a:p>
+          <a:p>
+            <a:endParaRPr lang="en-US" altLang="ko-KR" dirty="0"/>
+          </a:p>
+          <a:p>
+            <a:endParaRPr lang="ko-KR" altLang="en-US" dirty="0"/>
+          </a:p>
+        </p:txBody>
+      </p:sp>
+    </p:spTree>
+    <p:extLst>
+      <p:ext uri="{BB962C8B-B14F-4D97-AF65-F5344CB8AC3E}">
+        <p14:creationId xmlns:p14="http://schemas.microsoft.com/office/powerpoint/2010/main" val="586134276"/>
+      </p:ext>
+    </p:extLst>
+  </p:cSld>
+  <p:clrMapOvr>
+    <a:masterClrMapping/>
+  </p:clrMapOvr>
+</p:sld>
+</file>
+
+<file path=ppt/slides/slide7.xml><?xml version="1.0" encoding="utf-8"?>
+<p:sld xmlns:a="http://schemas.openxmlformats.org/drawingml/2006/main" xmlns:r="http://schemas.openxmlformats.org/officeDocument/2006/relationships" xmlns:p="http://schemas.openxmlformats.org/presentationml/2006/main">
+  <p:cSld>
+    <p:spTree>
+      <p:nvGrpSpPr>
+        <p:cNvPr id="1" name=""/>
+        <p:cNvGrpSpPr/>
+        <p:nvPr/>
+      </p:nvGrpSpPr>
+      <p:grpSpPr>
+        <a:xfrm>
+          <a:off x="0" y="0"/>
+          <a:ext cx="0" cy="0"/>
+          <a:chOff x="0" y="0"/>
+          <a:chExt cx="0" cy="0"/>
+        </a:xfrm>
+      </p:grpSpPr>
+      <p:sp>
+        <p:nvSpPr>
+          <p:cNvPr id="2" name="제목 1">
+            <a:extLst>
+              <a:ext uri="{FF2B5EF4-FFF2-40B4-BE49-F238E27FC236}">
+                <a16:creationId xmlns:a16="http://schemas.microsoft.com/office/drawing/2014/main" id="{1B150D8C-0809-4579-BCBA-53017EF14273}"/>
+              </a:ext>
+            </a:extLst>
+          </p:cNvPr>
+          <p:cNvSpPr>
+            <a:spLocks noGrp="1"/>
+          </p:cNvSpPr>
+          <p:nvPr>
+            <p:ph type="title"/>
+          </p:nvPr>
+        </p:nvSpPr>
+        <p:spPr/>
+        <p:txBody>
+          <a:bodyPr/>
+          <a:lstStyle/>
+          <a:p>
+            <a:r>
+              <a:rPr lang="en-US" altLang="ko-KR" dirty="0"/>
+              <a:t>Contents</a:t>
+            </a:r>
+            <a:endParaRPr lang="ko-KR" altLang="en-US" dirty="0"/>
+          </a:p>
+        </p:txBody>
+      </p:sp>
+      <p:sp>
+        <p:nvSpPr>
+          <p:cNvPr id="3" name="내용 개체 틀 2">
+            <a:extLst>
+              <a:ext uri="{FF2B5EF4-FFF2-40B4-BE49-F238E27FC236}">
+                <a16:creationId xmlns:a16="http://schemas.microsoft.com/office/drawing/2014/main" id="{E5587D20-F079-448E-9154-37E59D32A6BD}"/>
+              </a:ext>
+            </a:extLst>
+          </p:cNvPr>
+          <p:cNvSpPr>
+            <a:spLocks noGrp="1"/>
+          </p:cNvSpPr>
+          <p:nvPr>
+            <p:ph idx="1"/>
+          </p:nvPr>
+        </p:nvSpPr>
+        <p:spPr/>
+        <p:txBody>
+          <a:bodyPr/>
+          <a:lstStyle/>
+          <a:p>
+            <a:r>
+              <a:rPr lang="ko-KR" altLang="en-US" dirty="0"/>
+              <a:t>자바스크립트의 기본</a:t>
+            </a:r>
+            <a:endParaRPr lang="en-US" altLang="ko-KR" dirty="0"/>
+          </a:p>
+          <a:p>
+            <a:r>
+              <a:rPr lang="ko-KR" altLang="en-US" dirty="0"/>
+              <a:t>실행방법과 실습환경</a:t>
+            </a:r>
+            <a:endParaRPr lang="en-US" altLang="ko-KR" dirty="0"/>
+          </a:p>
+          <a:p>
+            <a:r>
+              <a:rPr lang="en-US" altLang="ko-KR" dirty="0"/>
+              <a:t>Hello</a:t>
+            </a:r>
+            <a:r>
+              <a:rPr lang="ko-KR" altLang="en-US" dirty="0"/>
+              <a:t> </a:t>
+            </a:r>
+            <a:r>
+              <a:rPr lang="en-US" altLang="ko-KR" dirty="0"/>
+              <a:t>JavaScript</a:t>
+            </a:r>
+          </a:p>
+          <a:p>
+            <a:pPr lvl="1"/>
+            <a:r>
+              <a:rPr lang="ko-KR" altLang="en-US" dirty="0"/>
+              <a:t>기본 컨벤션</a:t>
+            </a:r>
+            <a:endParaRPr lang="en-US" altLang="ko-KR" dirty="0"/>
+          </a:p>
+          <a:p>
+            <a:pPr lvl="1"/>
+            <a:r>
+              <a:rPr lang="ko-KR" altLang="en-US" dirty="0"/>
+              <a:t>연산자</a:t>
+            </a:r>
+            <a:r>
+              <a:rPr lang="en-US" altLang="ko-KR" dirty="0"/>
+              <a:t>/</a:t>
+            </a:r>
+            <a:r>
+              <a:rPr lang="ko-KR" altLang="en-US" dirty="0"/>
+              <a:t>조건</a:t>
+            </a:r>
+            <a:r>
+              <a:rPr lang="en-US" altLang="ko-KR" dirty="0"/>
+              <a:t>/</a:t>
+            </a:r>
+            <a:r>
+              <a:rPr lang="ko-KR" altLang="en-US" dirty="0" err="1"/>
+              <a:t>반복문</a:t>
+            </a:r>
+            <a:endParaRPr lang="en-US" altLang="ko-KR" dirty="0"/>
+          </a:p>
+          <a:p>
+            <a:pPr lvl="1"/>
+            <a:r>
+              <a:rPr lang="ko-KR" altLang="en-US" dirty="0"/>
+              <a:t>함수</a:t>
+            </a:r>
+            <a:endParaRPr lang="en-US" altLang="ko-KR" dirty="0"/>
+          </a:p>
+          <a:p>
+            <a:pPr lvl="1"/>
+            <a:r>
+              <a:rPr lang="ko-KR" altLang="en-US" dirty="0"/>
+              <a:t>배열</a:t>
+            </a:r>
+            <a:endParaRPr lang="en-US" altLang="ko-KR" dirty="0"/>
+          </a:p>
+          <a:p>
+            <a:r>
+              <a:rPr lang="ko-KR" altLang="en-US" dirty="0"/>
+              <a:t>객체</a:t>
+            </a:r>
+            <a:endParaRPr lang="en-US" altLang="ko-KR" dirty="0"/>
+          </a:p>
+          <a:p>
+            <a:r>
+              <a:rPr lang="ko-KR" altLang="en-US" dirty="0"/>
+              <a:t>모듈</a:t>
+            </a:r>
+            <a:endParaRPr lang="en-US" altLang="ko-KR" dirty="0"/>
+          </a:p>
+          <a:p>
+            <a:endParaRPr lang="ko-KR" altLang="en-US" dirty="0"/>
+          </a:p>
+        </p:txBody>
+      </p:sp>
+    </p:spTree>
+    <p:extLst>
+      <p:ext uri="{BB962C8B-B14F-4D97-AF65-F5344CB8AC3E}">
+        <p14:creationId xmlns:p14="http://schemas.microsoft.com/office/powerpoint/2010/main" val="2167091491"/>
+      </p:ext>
+    </p:extLst>
+  </p:cSld>
+  <p:clrMapOvr>
+    <a:masterClrMapping/>
+  </p:clrMapOvr>
+</p:sld>
+</file>
+
+<file path=ppt/slides/slide8.xml><?xml version="1.0" encoding="utf-8"?>
+<p:sld xmlns:a="http://schemas.openxmlformats.org/drawingml/2006/main" xmlns:r="http://schemas.openxmlformats.org/officeDocument/2006/relationships" xmlns:p="http://schemas.openxmlformats.org/presentationml/2006/main">
+  <p:cSld>
+    <p:spTree>
+      <p:nvGrpSpPr>
+        <p:cNvPr id="1" name=""/>
+        <p:cNvGrpSpPr/>
+        <p:nvPr/>
+      </p:nvGrpSpPr>
+      <p:grpSpPr>
+        <a:xfrm>
+          <a:off x="0" y="0"/>
+          <a:ext cx="0" cy="0"/>
+          <a:chOff x="0" y="0"/>
+          <a:chExt cx="0" cy="0"/>
+        </a:xfrm>
+      </p:grpSpPr>
+      <p:sp>
+        <p:nvSpPr>
+          <p:cNvPr id="2" name="제목 1">
+            <a:extLst>
+              <a:ext uri="{FF2B5EF4-FFF2-40B4-BE49-F238E27FC236}">
                 <a16:creationId xmlns:a16="http://schemas.microsoft.com/office/drawing/2014/main" id="{572487B8-1B4A-439D-A141-88C0DEB02497}"/>
               </a:ext>
             </a:extLst>
@@ -4012,6 +11957,10 @@
             <a:pPr marL="0" indent="0" algn="ctr">
               <a:buNone/>
             </a:pPr>
+            <a:r>
+              <a:rPr lang="en-US" altLang="ko-KR" sz="10000" dirty="0"/>
+              <a:t>JavaScript</a:t>
+            </a:r>
             <a:endParaRPr lang="ko-KR" altLang="en-US" sz="10000" dirty="0"/>
           </a:p>
         </p:txBody>
@@ -4019,7 +11968,99 @@
     </p:spTree>
     <p:extLst>
       <p:ext uri="{BB962C8B-B14F-4D97-AF65-F5344CB8AC3E}">
-        <p14:creationId xmlns:p14="http://schemas.microsoft.com/office/powerpoint/2010/main" val="340885771"/>
+        <p14:creationId xmlns:p14="http://schemas.microsoft.com/office/powerpoint/2010/main" val="2837675044"/>
+      </p:ext>
+    </p:extLst>
+  </p:cSld>
+  <p:clrMapOvr>
+    <a:masterClrMapping/>
+  </p:clrMapOvr>
+</p:sld>
+</file>
+
+<file path=ppt/slides/slide9.xml><?xml version="1.0" encoding="utf-8"?>
+<p:sld xmlns:a="http://schemas.openxmlformats.org/drawingml/2006/main" xmlns:r="http://schemas.openxmlformats.org/officeDocument/2006/relationships" xmlns:p="http://schemas.openxmlformats.org/presentationml/2006/main">
+  <p:cSld>
+    <p:spTree>
+      <p:nvGrpSpPr>
+        <p:cNvPr id="1" name=""/>
+        <p:cNvGrpSpPr/>
+        <p:nvPr/>
+      </p:nvGrpSpPr>
+      <p:grpSpPr>
+        <a:xfrm>
+          <a:off x="0" y="0"/>
+          <a:ext cx="0" cy="0"/>
+          <a:chOff x="0" y="0"/>
+          <a:chExt cx="0" cy="0"/>
+        </a:xfrm>
+      </p:grpSpPr>
+      <p:sp>
+        <p:nvSpPr>
+          <p:cNvPr id="2" name="제목 1">
+            <a:extLst>
+              <a:ext uri="{FF2B5EF4-FFF2-40B4-BE49-F238E27FC236}">
+                <a16:creationId xmlns:a16="http://schemas.microsoft.com/office/drawing/2014/main" id="{572487B8-1B4A-439D-A141-88C0DEB02497}"/>
+              </a:ext>
+            </a:extLst>
+          </p:cNvPr>
+          <p:cNvSpPr>
+            <a:spLocks noGrp="1"/>
+          </p:cNvSpPr>
+          <p:nvPr>
+            <p:ph type="title"/>
+          </p:nvPr>
+        </p:nvSpPr>
+        <p:spPr/>
+        <p:txBody>
+          <a:bodyPr/>
+          <a:lstStyle/>
+          <a:p>
+            <a:r>
+              <a:rPr lang="ko-KR" altLang="en-US" dirty="0"/>
+              <a:t>자바스크립트의 기본</a:t>
+            </a:r>
+          </a:p>
+        </p:txBody>
+      </p:sp>
+      <p:sp>
+        <p:nvSpPr>
+          <p:cNvPr id="3" name="내용 개체 틀 2">
+            <a:extLst>
+              <a:ext uri="{FF2B5EF4-FFF2-40B4-BE49-F238E27FC236}">
+                <a16:creationId xmlns:a16="http://schemas.microsoft.com/office/drawing/2014/main" id="{D90CB9B5-02D2-4005-BB59-C3541FA74065}"/>
+              </a:ext>
+            </a:extLst>
+          </p:cNvPr>
+          <p:cNvSpPr>
+            <a:spLocks noGrp="1"/>
+          </p:cNvSpPr>
+          <p:nvPr>
+            <p:ph idx="1"/>
+          </p:nvPr>
+        </p:nvSpPr>
+        <p:spPr/>
+        <p:txBody>
+          <a:bodyPr anchor="ctr">
+            <a:normAutofit/>
+          </a:bodyPr>
+          <a:lstStyle/>
+          <a:p>
+            <a:pPr marL="0" indent="0" algn="ctr">
+              <a:buNone/>
+            </a:pPr>
+            <a:r>
+              <a:rPr lang="ko-KR" altLang="en-US" sz="10000" dirty="0" err="1"/>
+              <a:t>웹브라우저</a:t>
+            </a:r>
+            <a:endParaRPr lang="ko-KR" altLang="en-US" sz="10000" dirty="0"/>
+          </a:p>
+        </p:txBody>
+      </p:sp>
+    </p:spTree>
+    <p:extLst>
+      <p:ext uri="{BB962C8B-B14F-4D97-AF65-F5344CB8AC3E}">
+        <p14:creationId xmlns:p14="http://schemas.microsoft.com/office/powerpoint/2010/main" val="780914395"/>
       </p:ext>
     </p:extLst>
   </p:cSld>
